--- a/slides/sep2017/16-algorithms.pptx
+++ b/slides/sep2017/16-algorithms.pptx
@@ -12,9 +12,9 @@
     <p:sldId id="261" r:id="rId6"/>
     <p:sldId id="262" r:id="rId7"/>
     <p:sldId id="263" r:id="rId8"/>
-    <p:sldId id="264" r:id="rId9"/>
-    <p:sldId id="265" r:id="rId10"/>
-    <p:sldId id="267" r:id="rId11"/>
+    <p:sldId id="267" r:id="rId9"/>
+    <p:sldId id="264" r:id="rId10"/>
+    <p:sldId id="265" r:id="rId11"/>
     <p:sldId id="268" r:id="rId12"/>
     <p:sldId id="269" r:id="rId13"/>
     <p:sldId id="270" r:id="rId14"/>
@@ -73,6 +73,22 @@
     <p:sldId id="324" r:id="rId67"/>
     <p:sldId id="325" r:id="rId68"/>
     <p:sldId id="258" r:id="rId69"/>
+    <p:sldId id="327" r:id="rId70"/>
+    <p:sldId id="326" r:id="rId71"/>
+    <p:sldId id="328" r:id="rId72"/>
+    <p:sldId id="329" r:id="rId73"/>
+    <p:sldId id="330" r:id="rId74"/>
+    <p:sldId id="331" r:id="rId75"/>
+    <p:sldId id="332" r:id="rId76"/>
+    <p:sldId id="333" r:id="rId77"/>
+    <p:sldId id="334" r:id="rId78"/>
+    <p:sldId id="335" r:id="rId79"/>
+    <p:sldId id="337" r:id="rId80"/>
+    <p:sldId id="338" r:id="rId81"/>
+    <p:sldId id="336" r:id="rId82"/>
+    <p:sldId id="339" r:id="rId83"/>
+    <p:sldId id="340" r:id="rId84"/>
+    <p:sldId id="341" r:id="rId85"/>
   </p:sldIdLst>
   <p:sldSz cx="12192000" cy="6858000"/>
   <p:notesSz cx="6858000" cy="9144000"/>
@@ -376,7 +392,7 @@
             <a:fld id="{96DFF08F-DC6B-4601-B491-B0F83F6DD2DA}" type="datetimeFigureOut">
               <a:rPr lang="en-US" dirty="0"/>
               <a:pPr/>
-              <a:t>4/8/2018</a:t>
+              <a:t>4/25/2018</a:t>
             </a:fld>
             <a:endParaRPr lang="en-US" dirty="0"/>
           </a:p>
@@ -593,7 +609,7 @@
           <a:p>
             <a:fld id="{96DFF08F-DC6B-4601-B491-B0F83F6DD2DA}" type="datetimeFigureOut">
               <a:rPr lang="en-US" dirty="0"/>
-              <a:t>4/8/2018</a:t>
+              <a:t>4/25/2018</a:t>
             </a:fld>
             <a:endParaRPr lang="en-US" dirty="0"/>
           </a:p>
@@ -768,7 +784,7 @@
           <a:p>
             <a:fld id="{96DFF08F-DC6B-4601-B491-B0F83F6DD2DA}" type="datetimeFigureOut">
               <a:rPr lang="en-US" dirty="0"/>
-              <a:t>4/8/2018</a:t>
+              <a:t>4/25/2018</a:t>
             </a:fld>
             <a:endParaRPr lang="en-US" dirty="0"/>
           </a:p>
@@ -933,7 +949,7 @@
           <a:p>
             <a:fld id="{96DFF08F-DC6B-4601-B491-B0F83F6DD2DA}" type="datetimeFigureOut">
               <a:rPr lang="en-US" dirty="0"/>
-              <a:t>4/8/2018</a:t>
+              <a:t>4/25/2018</a:t>
             </a:fld>
             <a:endParaRPr lang="en-US" dirty="0"/>
           </a:p>
@@ -1179,7 +1195,7 @@
           <a:p>
             <a:fld id="{96DFF08F-DC6B-4601-B491-B0F83F6DD2DA}" type="datetimeFigureOut">
               <a:rPr lang="en-US" dirty="0"/>
-              <a:t>4/8/2018</a:t>
+              <a:t>4/25/2018</a:t>
             </a:fld>
             <a:endParaRPr lang="en-US" dirty="0"/>
           </a:p>
@@ -1497,7 +1513,7 @@
           <a:p>
             <a:fld id="{96DFF08F-DC6B-4601-B491-B0F83F6DD2DA}" type="datetimeFigureOut">
               <a:rPr lang="en-US" dirty="0"/>
-              <a:t>4/8/2018</a:t>
+              <a:t>4/25/2018</a:t>
             </a:fld>
             <a:endParaRPr lang="en-US" dirty="0"/>
           </a:p>
@@ -1916,7 +1932,7 @@
           <a:p>
             <a:fld id="{96DFF08F-DC6B-4601-B491-B0F83F6DD2DA}" type="datetimeFigureOut">
               <a:rPr lang="en-US" dirty="0"/>
-              <a:t>4/8/2018</a:t>
+              <a:t>4/25/2018</a:t>
             </a:fld>
             <a:endParaRPr lang="en-US" dirty="0"/>
           </a:p>
@@ -2029,7 +2045,7 @@
           <a:p>
             <a:fld id="{96DFF08F-DC6B-4601-B491-B0F83F6DD2DA}" type="datetimeFigureOut">
               <a:rPr lang="en-US" dirty="0"/>
-              <a:t>4/8/2018</a:t>
+              <a:t>4/25/2018</a:t>
             </a:fld>
             <a:endParaRPr lang="en-US" dirty="0"/>
           </a:p>
@@ -2119,7 +2135,7 @@
           <a:p>
             <a:fld id="{96DFF08F-DC6B-4601-B491-B0F83F6DD2DA}" type="datetimeFigureOut">
               <a:rPr lang="en-US" dirty="0"/>
-              <a:t>4/8/2018</a:t>
+              <a:t>4/25/2018</a:t>
             </a:fld>
             <a:endParaRPr lang="en-US" dirty="0"/>
           </a:p>
@@ -2404,7 +2420,7 @@
           <a:p>
             <a:fld id="{96DFF08F-DC6B-4601-B491-B0F83F6DD2DA}" type="datetimeFigureOut">
               <a:rPr lang="en-US" dirty="0"/>
-              <a:t>4/8/2018</a:t>
+              <a:t>4/25/2018</a:t>
             </a:fld>
             <a:endParaRPr lang="en-US" dirty="0"/>
           </a:p>
@@ -2671,7 +2687,7 @@
           <a:p>
             <a:fld id="{96DFF08F-DC6B-4601-B491-B0F83F6DD2DA}" type="datetimeFigureOut">
               <a:rPr lang="en-US" dirty="0"/>
-              <a:t>4/8/2018</a:t>
+              <a:t>4/25/2018</a:t>
             </a:fld>
             <a:endParaRPr lang="en-US" dirty="0"/>
           </a:p>
@@ -2920,7 +2936,7 @@
             <a:fld id="{96DFF08F-DC6B-4601-B491-B0F83F6DD2DA}" type="datetimeFigureOut">
               <a:rPr lang="en-US" dirty="0"/>
               <a:pPr/>
-              <a:t>4/8/2018</a:t>
+              <a:t>4/25/2018</a:t>
             </a:fld>
             <a:endParaRPr lang="en-US" dirty="0"/>
           </a:p>
@@ -3417,11 +3433,7 @@
           <a:p>
             <a:r>
               <a:rPr lang="ru-RU"/>
-              <a:t>Абстракции отрицательной стоимости для распространённых цикловых конструкций и идиомы </a:t>
-            </a:r>
-            <a:r>
-              <a:rPr lang="ru-RU"/>
-              <a:t>их </a:t>
+              <a:t>Абстракции отрицательной стоимости для распространённых цикловых конструкций и идиомы их </a:t>
             </a:r>
             <a:r>
               <a:rPr lang="ru-RU" smtClean="0"/>
@@ -3773,6 +3785,13 @@
   <p:clrMapOvr>
     <a:masterClrMapping/>
   </p:clrMapOvr>
+  <p:timing>
+    <p:tnLst>
+      <p:par>
+        <p:cTn id="1" dur="indefinite" restart="never" nodeType="tmRoot"/>
+      </p:par>
+    </p:tnLst>
+  </p:timing>
 </p:sld>
 </file>
 
@@ -3795,7 +3814,7 @@
       </p:grpSpPr>
       <p:sp>
         <p:nvSpPr>
-          <p:cNvPr id="2" name="Title 1"/>
+          <p:cNvPr id="5" name="Title 4"/>
           <p:cNvSpPr>
             <a:spLocks noGrp="1"/>
           </p:cNvSpPr>
@@ -3803,19 +3822,18 @@
             <p:ph type="title"/>
           </p:nvPr>
         </p:nvSpPr>
-        <p:spPr>
-          <a:xfrm>
-            <a:off x="1143000" y="584887"/>
-            <a:ext cx="9875520" cy="1356360"/>
-          </a:xfrm>
-        </p:spPr>
+        <p:spPr/>
         <p:txBody>
           <a:bodyPr/>
           <a:lstStyle/>
           <a:p>
             <a:r>
               <a:rPr lang="ru-RU" smtClean="0"/>
-              <a:t>Общий обзор</a:t>
+              <a:t>Решение: тут явное </a:t>
+            </a:r>
+            <a:r>
+              <a:rPr lang="en-US" smtClean="0"/>
+              <a:t>copy_n</a:t>
             </a:r>
             <a:endParaRPr lang="en-US"/>
           </a:p>
@@ -3823,1136 +3841,123 @@
       </p:sp>
       <p:sp>
         <p:nvSpPr>
-          <p:cNvPr id="5" name="Content Placeholder 4"/>
+          <p:cNvPr id="6" name="Content Placeholder 5"/>
           <p:cNvSpPr>
             <a:spLocks noGrp="1"/>
           </p:cNvSpPr>
           <p:nvPr>
-            <p:ph sz="half" idx="1"/>
+            <p:ph idx="1"/>
           </p:nvPr>
         </p:nvSpPr>
-        <p:spPr>
-          <a:xfrm>
-            <a:off x="721346" y="1936092"/>
-            <a:ext cx="2838512" cy="2771709"/>
-          </a:xfrm>
-        </p:spPr>
-        <p:txBody>
-          <a:bodyPr>
-            <a:normAutofit/>
-          </a:bodyPr>
-          <a:lstStyle/>
-          <a:p>
-            <a:pPr marL="0">
-              <a:lnSpc>
-                <a:spcPct val="100000"/>
-              </a:lnSpc>
-              <a:spcBef>
-                <a:spcPts val="0"/>
-              </a:spcBef>
+        <p:spPr/>
+        <p:txBody>
+          <a:bodyPr/>
+          <a:lstStyle/>
+          <a:p>
+            <a:r>
+              <a:rPr lang="ru-RU" smtClean="0"/>
+              <a:t>Код выводит первые </a:t>
+            </a:r>
+            <a:r>
+              <a:rPr lang="en-US" smtClean="0"/>
+              <a:t>N </a:t>
+            </a:r>
+            <a:r>
+              <a:rPr lang="ru-RU" smtClean="0"/>
+              <a:t>(по порядку) элементов из контейнера </a:t>
+            </a:r>
+            <a:r>
+              <a:rPr lang="en-US" smtClean="0"/>
+              <a:t>cont </a:t>
+            </a:r>
+            <a:r>
+              <a:rPr lang="ru-RU" smtClean="0"/>
+              <a:t>в поток </a:t>
+            </a:r>
+            <a:r>
+              <a:rPr lang="en-US" smtClean="0"/>
+              <a:t>cout</a:t>
+            </a:r>
+            <a:r>
+              <a:rPr lang="ru-RU" smtClean="0"/>
+              <a:t>, разделенными через перенос строки</a:t>
+            </a:r>
+            <a:endParaRPr lang="en-US" smtClean="0"/>
+          </a:p>
+          <a:p>
+            <a:pPr marL="45720" indent="0">
+              <a:buNone/>
             </a:pPr>
             <a:r>
-              <a:rPr lang="ru-RU" sz="1600" b="1" smtClean="0"/>
-              <a:t>Не модифицирующие</a:t>
-            </a:r>
-          </a:p>
-          <a:p>
-            <a:pPr marL="274320" lvl="2">
-              <a:lnSpc>
-                <a:spcPct val="100000"/>
-              </a:lnSpc>
-              <a:spcBef>
-                <a:spcPts val="0"/>
-              </a:spcBef>
-              <a:spcAft>
-                <a:spcPts val="0"/>
-              </a:spcAft>
+              <a:rPr lang="en-US" smtClean="0">
+                <a:latin typeface="Consolas" panose="020B0609020204030204" pitchFamily="49" charset="0"/>
+              </a:rPr>
+              <a:t>using tp_ = decltype(cont)::value_type;</a:t>
+            </a:r>
+          </a:p>
+          <a:p>
+            <a:pPr marL="45720" indent="0">
+              <a:buNone/>
             </a:pPr>
             <a:r>
-              <a:rPr lang="en-US" sz="1600" smtClean="0"/>
-              <a:t>all_of, any_of, none_of</a:t>
-            </a:r>
-          </a:p>
-          <a:p>
-            <a:pPr marL="274320" lvl="2">
-              <a:lnSpc>
-                <a:spcPct val="100000"/>
-              </a:lnSpc>
-              <a:spcBef>
-                <a:spcPts val="0"/>
-              </a:spcBef>
-              <a:spcAft>
-                <a:spcPts val="0"/>
-              </a:spcAft>
+              <a:rPr lang="en-US">
+                <a:latin typeface="Consolas" panose="020B0609020204030204" pitchFamily="49" charset="0"/>
+              </a:rPr>
+              <a:t>assert (cont.size() &gt;= </a:t>
+            </a:r>
+            <a:r>
+              <a:rPr lang="en-US" smtClean="0">
+                <a:latin typeface="Consolas" panose="020B0609020204030204" pitchFamily="49" charset="0"/>
+              </a:rPr>
+              <a:t>N);</a:t>
+            </a:r>
+            <a:endParaRPr lang="en-US">
+              <a:latin typeface="Consolas" panose="020B0609020204030204" pitchFamily="49" charset="0"/>
+            </a:endParaRPr>
+          </a:p>
+          <a:p>
+            <a:pPr marL="45720" indent="0">
+              <a:buNone/>
             </a:pPr>
             <a:r>
-              <a:rPr lang="en-US" sz="1600" smtClean="0"/>
-              <a:t>for_each</a:t>
-            </a:r>
-          </a:p>
-          <a:p>
-            <a:pPr marL="274320" lvl="2">
-              <a:lnSpc>
-                <a:spcPct val="100000"/>
-              </a:lnSpc>
-              <a:spcBef>
-                <a:spcPts val="0"/>
-              </a:spcBef>
-              <a:spcAft>
-                <a:spcPts val="0"/>
-              </a:spcAft>
-            </a:pPr>
-            <a:r>
-              <a:rPr lang="en-US" sz="1600" smtClean="0"/>
-              <a:t>find</a:t>
-            </a:r>
-          </a:p>
-          <a:p>
-            <a:pPr marL="274320" lvl="2">
-              <a:lnSpc>
-                <a:spcPct val="100000"/>
-              </a:lnSpc>
-              <a:spcBef>
-                <a:spcPts val="0"/>
-              </a:spcBef>
-              <a:spcAft>
-                <a:spcPts val="0"/>
-              </a:spcAft>
-            </a:pPr>
-            <a:r>
-              <a:rPr lang="en-US" sz="1600" smtClean="0"/>
-              <a:t>count</a:t>
-            </a:r>
-          </a:p>
-          <a:p>
-            <a:pPr marL="274320" lvl="2">
-              <a:lnSpc>
-                <a:spcPct val="100000"/>
-              </a:lnSpc>
-              <a:spcBef>
-                <a:spcPts val="0"/>
-              </a:spcBef>
-              <a:spcAft>
-                <a:spcPts val="0"/>
-              </a:spcAft>
-            </a:pPr>
-            <a:r>
-              <a:rPr lang="en-US" sz="1600" smtClean="0"/>
-              <a:t>mismatch</a:t>
-            </a:r>
-          </a:p>
-          <a:p>
-            <a:pPr marL="274320" lvl="2">
-              <a:lnSpc>
-                <a:spcPct val="100000"/>
-              </a:lnSpc>
-              <a:spcBef>
-                <a:spcPts val="0"/>
-              </a:spcBef>
-              <a:spcAft>
-                <a:spcPts val="0"/>
-              </a:spcAft>
-            </a:pPr>
-            <a:r>
-              <a:rPr lang="en-US" sz="1600" smtClean="0"/>
-              <a:t>equal</a:t>
-            </a:r>
-          </a:p>
-          <a:p>
-            <a:pPr marL="274320" lvl="2">
-              <a:lnSpc>
-                <a:spcPct val="100000"/>
-              </a:lnSpc>
-              <a:spcBef>
-                <a:spcPts val="0"/>
-              </a:spcBef>
-              <a:spcAft>
-                <a:spcPts val="0"/>
-              </a:spcAft>
-            </a:pPr>
-            <a:r>
-              <a:rPr lang="en-US" sz="1600" smtClean="0"/>
-              <a:t>search</a:t>
-            </a:r>
-          </a:p>
-          <a:p>
-            <a:pPr marL="274320" lvl="2">
-              <a:lnSpc>
-                <a:spcPct val="100000"/>
-              </a:lnSpc>
-              <a:spcBef>
-                <a:spcPts val="0"/>
-              </a:spcBef>
-              <a:spcAft>
-                <a:spcPts val="0"/>
-              </a:spcAft>
-            </a:pPr>
-            <a:r>
-              <a:rPr lang="en-US" sz="1600" smtClean="0"/>
-              <a:t>min, min_element</a:t>
-            </a:r>
-          </a:p>
-          <a:p>
-            <a:pPr marL="274320" lvl="2">
-              <a:lnSpc>
-                <a:spcPct val="100000"/>
-              </a:lnSpc>
-              <a:spcBef>
-                <a:spcPts val="0"/>
-              </a:spcBef>
-              <a:spcAft>
-                <a:spcPts val="0"/>
-              </a:spcAft>
-            </a:pPr>
-            <a:r>
-              <a:rPr lang="en-US" sz="1600" smtClean="0"/>
-              <a:t>max, max_element</a:t>
-            </a:r>
-          </a:p>
-          <a:p>
-            <a:pPr marL="274320" lvl="2">
-              <a:lnSpc>
-                <a:spcPct val="100000"/>
-              </a:lnSpc>
-              <a:spcBef>
-                <a:spcPts val="0"/>
-              </a:spcBef>
-              <a:spcAft>
-                <a:spcPts val="0"/>
-              </a:spcAft>
-            </a:pPr>
-            <a:r>
-              <a:rPr lang="en-US" sz="1600"/>
-              <a:t>lexicographical_compare</a:t>
-            </a:r>
-          </a:p>
-          <a:p>
-            <a:pPr marL="274320" lvl="2">
-              <a:lnSpc>
-                <a:spcPct val="100000"/>
-              </a:lnSpc>
-              <a:spcBef>
-                <a:spcPts val="0"/>
-              </a:spcBef>
-              <a:spcAft>
-                <a:spcPts val="0"/>
-              </a:spcAft>
-            </a:pPr>
-            <a:endParaRPr lang="en-US" sz="1400" smtClean="0"/>
-          </a:p>
-        </p:txBody>
-      </p:sp>
-      <p:sp>
-        <p:nvSpPr>
-          <p:cNvPr id="7" name="Content Placeholder 4"/>
-          <p:cNvSpPr txBox="1">
-            <a:spLocks/>
-          </p:cNvSpPr>
-          <p:nvPr/>
-        </p:nvSpPr>
-        <p:spPr>
-          <a:xfrm>
-            <a:off x="6605427" y="1936092"/>
-            <a:ext cx="3987114" cy="2257995"/>
-          </a:xfrm>
-          <a:prstGeom prst="rect">
-            <a:avLst/>
-          </a:prstGeom>
-        </p:spPr>
-        <p:txBody>
-          <a:bodyPr vert="horz" lIns="91440" tIns="45720" rIns="91440" bIns="45720" rtlCol="0">
-            <a:noAutofit/>
-          </a:bodyPr>
-          <a:lstStyle>
-            <a:lvl1pPr marL="228600" indent="-182880" algn="l" defTabSz="914400" rtl="0" eaLnBrk="1" latinLnBrk="0" hangingPunct="1">
-              <a:lnSpc>
-                <a:spcPct val="90000"/>
-              </a:lnSpc>
-              <a:spcBef>
-                <a:spcPts val="1400"/>
-              </a:spcBef>
-              <a:buClr>
-                <a:schemeClr val="tx1"/>
-              </a:buClr>
-              <a:buSzPct val="80000"/>
-              <a:buFont typeface="Corbel" pitchFamily="34" charset="0"/>
-              <a:buChar char="•"/>
-              <a:defRPr sz="2200" kern="1200">
-                <a:solidFill>
-                  <a:schemeClr val="tx1"/>
-                </a:solidFill>
-                <a:latin typeface="+mn-lt"/>
-                <a:ea typeface="+mn-ea"/>
-                <a:cs typeface="+mn-cs"/>
-              </a:defRPr>
-            </a:lvl1pPr>
-            <a:lvl2pPr marL="457200" indent="-182880" algn="l" defTabSz="914400" rtl="0" eaLnBrk="1" latinLnBrk="0" hangingPunct="1">
-              <a:lnSpc>
-                <a:spcPct val="90000"/>
-              </a:lnSpc>
-              <a:spcBef>
-                <a:spcPts val="200"/>
-              </a:spcBef>
-              <a:spcAft>
-                <a:spcPts val="400"/>
-              </a:spcAft>
-              <a:buClr>
-                <a:schemeClr val="tx1"/>
-              </a:buClr>
-              <a:buSzPct val="80000"/>
-              <a:buFont typeface="Corbel" pitchFamily="34" charset="0"/>
-              <a:buChar char="•"/>
-              <a:defRPr sz="2000" kern="1200">
-                <a:solidFill>
-                  <a:schemeClr val="tx1"/>
-                </a:solidFill>
-                <a:latin typeface="+mn-lt"/>
-                <a:ea typeface="+mn-ea"/>
-                <a:cs typeface="+mn-cs"/>
-              </a:defRPr>
-            </a:lvl2pPr>
-            <a:lvl3pPr marL="731520" indent="-182880" algn="l" defTabSz="914400" rtl="0" eaLnBrk="1" latinLnBrk="0" hangingPunct="1">
-              <a:lnSpc>
-                <a:spcPct val="90000"/>
-              </a:lnSpc>
-              <a:spcBef>
-                <a:spcPts val="200"/>
-              </a:spcBef>
-              <a:spcAft>
-                <a:spcPts val="400"/>
-              </a:spcAft>
-              <a:buClr>
-                <a:schemeClr val="tx1"/>
-              </a:buClr>
-              <a:buSzPct val="80000"/>
-              <a:buFont typeface="Corbel" pitchFamily="34" charset="0"/>
-              <a:buChar char="•"/>
-              <a:defRPr sz="1800" kern="1200">
-                <a:solidFill>
-                  <a:schemeClr val="tx1"/>
-                </a:solidFill>
-                <a:latin typeface="+mn-lt"/>
-                <a:ea typeface="+mn-ea"/>
-                <a:cs typeface="+mn-cs"/>
-              </a:defRPr>
-            </a:lvl3pPr>
-            <a:lvl4pPr marL="1005840" indent="-182880" algn="l" defTabSz="914400" rtl="0" eaLnBrk="1" latinLnBrk="0" hangingPunct="1">
-              <a:lnSpc>
-                <a:spcPct val="90000"/>
-              </a:lnSpc>
-              <a:spcBef>
-                <a:spcPts val="200"/>
-              </a:spcBef>
-              <a:spcAft>
-                <a:spcPts val="400"/>
-              </a:spcAft>
-              <a:buClr>
-                <a:schemeClr val="tx1"/>
-              </a:buClr>
-              <a:buSzPct val="80000"/>
-              <a:buFont typeface="Corbel" pitchFamily="34" charset="0"/>
-              <a:buChar char="•"/>
-              <a:defRPr sz="1600" kern="1200">
-                <a:solidFill>
-                  <a:schemeClr val="tx1"/>
-                </a:solidFill>
-                <a:latin typeface="+mn-lt"/>
-                <a:ea typeface="+mn-ea"/>
-                <a:cs typeface="+mn-cs"/>
-              </a:defRPr>
-            </a:lvl4pPr>
-            <a:lvl5pPr marL="1280160" indent="-182880" algn="l" defTabSz="914400" rtl="0" eaLnBrk="1" latinLnBrk="0" hangingPunct="1">
-              <a:lnSpc>
-                <a:spcPct val="90000"/>
-              </a:lnSpc>
-              <a:spcBef>
-                <a:spcPts val="200"/>
-              </a:spcBef>
-              <a:spcAft>
-                <a:spcPts val="400"/>
-              </a:spcAft>
-              <a:buClr>
-                <a:schemeClr val="tx1"/>
-              </a:buClr>
-              <a:buSzPct val="80000"/>
-              <a:buFont typeface="Corbel" pitchFamily="34" charset="0"/>
-              <a:buChar char="•"/>
-              <a:defRPr sz="1600" kern="1200">
-                <a:solidFill>
-                  <a:schemeClr val="tx1"/>
-                </a:solidFill>
-                <a:latin typeface="+mn-lt"/>
-                <a:ea typeface="+mn-ea"/>
-                <a:cs typeface="+mn-cs"/>
-              </a:defRPr>
-            </a:lvl5pPr>
-            <a:lvl6pPr marL="1600000" indent="-228600" algn="l" defTabSz="914400" rtl="0" eaLnBrk="1" latinLnBrk="0" hangingPunct="1">
-              <a:lnSpc>
-                <a:spcPct val="90000"/>
-              </a:lnSpc>
-              <a:spcBef>
-                <a:spcPts val="200"/>
-              </a:spcBef>
-              <a:spcAft>
-                <a:spcPts val="400"/>
-              </a:spcAft>
-              <a:buClr>
-                <a:schemeClr val="tx1"/>
-              </a:buClr>
-              <a:buSzPct val="80000"/>
-              <a:buFont typeface="Corbel" pitchFamily="34" charset="0"/>
-              <a:buChar char="•"/>
-              <a:defRPr sz="1600" kern="1200">
-                <a:solidFill>
-                  <a:schemeClr val="tx1"/>
-                </a:solidFill>
-                <a:latin typeface="+mn-lt"/>
-                <a:ea typeface="+mn-ea"/>
-                <a:cs typeface="+mn-cs"/>
-              </a:defRPr>
-            </a:lvl6pPr>
-            <a:lvl7pPr marL="1900000" indent="-228600" algn="l" defTabSz="914400" rtl="0" eaLnBrk="1" latinLnBrk="0" hangingPunct="1">
-              <a:lnSpc>
-                <a:spcPct val="90000"/>
-              </a:lnSpc>
-              <a:spcBef>
-                <a:spcPts val="200"/>
-              </a:spcBef>
-              <a:spcAft>
-                <a:spcPts val="400"/>
-              </a:spcAft>
-              <a:buClr>
-                <a:schemeClr val="tx1"/>
-              </a:buClr>
-              <a:buSzPct val="80000"/>
-              <a:buFont typeface="Corbel" pitchFamily="34" charset="0"/>
-              <a:buChar char="•"/>
-              <a:defRPr sz="1600" kern="1200">
-                <a:solidFill>
-                  <a:schemeClr val="tx1"/>
-                </a:solidFill>
-                <a:latin typeface="+mn-lt"/>
-                <a:ea typeface="+mn-ea"/>
-                <a:cs typeface="+mn-cs"/>
-              </a:defRPr>
-            </a:lvl7pPr>
-            <a:lvl8pPr marL="2200000" indent="-228600" algn="l" defTabSz="914400" rtl="0" eaLnBrk="1" latinLnBrk="0" hangingPunct="1">
-              <a:lnSpc>
-                <a:spcPct val="90000"/>
-              </a:lnSpc>
-              <a:spcBef>
-                <a:spcPts val="200"/>
-              </a:spcBef>
-              <a:spcAft>
-                <a:spcPts val="400"/>
-              </a:spcAft>
-              <a:buClr>
-                <a:schemeClr val="tx1"/>
-              </a:buClr>
-              <a:buSzPct val="80000"/>
-              <a:buFont typeface="Corbel" pitchFamily="34" charset="0"/>
-              <a:buChar char="•"/>
-              <a:defRPr sz="1600" kern="1200">
-                <a:solidFill>
-                  <a:schemeClr val="tx1"/>
-                </a:solidFill>
-                <a:latin typeface="+mn-lt"/>
-                <a:ea typeface="+mn-ea"/>
-                <a:cs typeface="+mn-cs"/>
-              </a:defRPr>
-            </a:lvl8pPr>
-            <a:lvl9pPr marL="2500000" indent="-228600" algn="l" defTabSz="914400" rtl="0" eaLnBrk="1" latinLnBrk="0" hangingPunct="1">
-              <a:lnSpc>
-                <a:spcPct val="90000"/>
-              </a:lnSpc>
-              <a:spcBef>
-                <a:spcPts val="200"/>
-              </a:spcBef>
-              <a:spcAft>
-                <a:spcPts val="400"/>
-              </a:spcAft>
-              <a:buClr>
-                <a:schemeClr val="tx1"/>
-              </a:buClr>
-              <a:buSzPct val="80000"/>
-              <a:buFont typeface="Corbel" pitchFamily="34" charset="0"/>
-              <a:buChar char="•"/>
-              <a:defRPr sz="1600" kern="1200">
-                <a:solidFill>
-                  <a:schemeClr val="tx1"/>
-                </a:solidFill>
-                <a:latin typeface="+mn-lt"/>
-                <a:ea typeface="+mn-ea"/>
-                <a:cs typeface="+mn-cs"/>
-              </a:defRPr>
-            </a:lvl9pPr>
-          </a:lstStyle>
-          <a:p>
-            <a:pPr marL="0">
-              <a:lnSpc>
-                <a:spcPct val="100000"/>
-              </a:lnSpc>
-              <a:spcBef>
-                <a:spcPts val="0"/>
-              </a:spcBef>
-            </a:pPr>
-            <a:r>
-              <a:rPr lang="ru-RU" sz="1600" b="1" smtClean="0"/>
-              <a:t>Распределение, сортировка и поиск</a:t>
-            </a:r>
-          </a:p>
-          <a:p>
-            <a:pPr marL="274320" lvl="2">
-              <a:lnSpc>
-                <a:spcPct val="100000"/>
-              </a:lnSpc>
-              <a:spcBef>
-                <a:spcPts val="0"/>
-              </a:spcBef>
-              <a:spcAft>
-                <a:spcPts val="0"/>
-              </a:spcAft>
-            </a:pPr>
-            <a:r>
-              <a:rPr lang="en-US" sz="1600" smtClean="0"/>
-              <a:t>partition</a:t>
-            </a:r>
-          </a:p>
-          <a:p>
-            <a:pPr marL="274320" lvl="2">
-              <a:lnSpc>
-                <a:spcPct val="100000"/>
-              </a:lnSpc>
-              <a:spcBef>
-                <a:spcPts val="0"/>
-              </a:spcBef>
-              <a:spcAft>
-                <a:spcPts val="0"/>
-              </a:spcAft>
-            </a:pPr>
-            <a:r>
-              <a:rPr lang="en-US" sz="1600" smtClean="0"/>
-              <a:t>sort</a:t>
-            </a:r>
-          </a:p>
-          <a:p>
-            <a:pPr marL="274320" lvl="2">
-              <a:lnSpc>
-                <a:spcPct val="100000"/>
-              </a:lnSpc>
-              <a:spcBef>
-                <a:spcPts val="0"/>
-              </a:spcBef>
-              <a:spcAft>
-                <a:spcPts val="0"/>
-              </a:spcAft>
-            </a:pPr>
-            <a:r>
-              <a:rPr lang="en-US" sz="1600" smtClean="0"/>
-              <a:t>nth_element</a:t>
-            </a:r>
-          </a:p>
-          <a:p>
-            <a:pPr marL="274320" lvl="2">
-              <a:lnSpc>
-                <a:spcPct val="100000"/>
-              </a:lnSpc>
-              <a:spcBef>
-                <a:spcPts val="0"/>
-              </a:spcBef>
-              <a:spcAft>
-                <a:spcPts val="0"/>
-              </a:spcAft>
-            </a:pPr>
-            <a:r>
-              <a:rPr lang="en-US" sz="1600" smtClean="0"/>
-              <a:t>lower_bound</a:t>
-            </a:r>
-          </a:p>
-          <a:p>
-            <a:pPr marL="274320" lvl="2">
-              <a:lnSpc>
-                <a:spcPct val="100000"/>
-              </a:lnSpc>
-              <a:spcBef>
-                <a:spcPts val="0"/>
-              </a:spcBef>
-              <a:spcAft>
-                <a:spcPts val="0"/>
-              </a:spcAft>
-            </a:pPr>
-            <a:r>
-              <a:rPr lang="en-US" sz="1600" smtClean="0"/>
-              <a:t>upper_bound</a:t>
-            </a:r>
-          </a:p>
-          <a:p>
-            <a:pPr marL="274320" lvl="2">
-              <a:lnSpc>
-                <a:spcPct val="100000"/>
-              </a:lnSpc>
-              <a:spcBef>
-                <a:spcPts val="0"/>
-              </a:spcBef>
-              <a:spcAft>
-                <a:spcPts val="0"/>
-              </a:spcAft>
-            </a:pPr>
-            <a:r>
-              <a:rPr lang="en-US" sz="1600" smtClean="0"/>
-              <a:t>equal_range</a:t>
-            </a:r>
-          </a:p>
-          <a:p>
-            <a:pPr marL="274320" lvl="2">
-              <a:lnSpc>
-                <a:spcPct val="100000"/>
-              </a:lnSpc>
-              <a:spcBef>
-                <a:spcPts val="0"/>
-              </a:spcBef>
-              <a:spcAft>
-                <a:spcPts val="0"/>
-              </a:spcAft>
-            </a:pPr>
-            <a:r>
-              <a:rPr lang="en-US" sz="1600" smtClean="0"/>
-              <a:t>binary_search</a:t>
-            </a:r>
-          </a:p>
-        </p:txBody>
-      </p:sp>
-      <p:sp>
-        <p:nvSpPr>
-          <p:cNvPr id="8" name="Content Placeholder 4"/>
-          <p:cNvSpPr>
-            <a:spLocks noGrp="1"/>
-          </p:cNvSpPr>
-          <p:nvPr>
-            <p:ph sz="half" idx="1"/>
-          </p:nvPr>
-        </p:nvSpPr>
-        <p:spPr>
-          <a:xfrm>
-            <a:off x="3829462" y="1936092"/>
-            <a:ext cx="2646405" cy="3727628"/>
-          </a:xfrm>
-        </p:spPr>
-        <p:txBody>
-          <a:bodyPr>
-            <a:noAutofit/>
-          </a:bodyPr>
-          <a:lstStyle/>
-          <a:p>
-            <a:pPr marL="0">
-              <a:lnSpc>
-                <a:spcPct val="100000"/>
-              </a:lnSpc>
-              <a:spcBef>
-                <a:spcPts val="0"/>
-              </a:spcBef>
-            </a:pPr>
-            <a:r>
-              <a:rPr lang="ru-RU" sz="1600" b="1" smtClean="0"/>
-              <a:t>Модифицирующие</a:t>
-            </a:r>
-          </a:p>
-          <a:p>
-            <a:pPr marL="274320" lvl="2">
-              <a:lnSpc>
-                <a:spcPct val="100000"/>
-              </a:lnSpc>
-              <a:spcBef>
-                <a:spcPts val="0"/>
-              </a:spcBef>
-              <a:spcAft>
-                <a:spcPts val="0"/>
-              </a:spcAft>
-            </a:pPr>
-            <a:r>
-              <a:rPr lang="en-US" sz="1600" smtClean="0"/>
-              <a:t>copy</a:t>
-            </a:r>
-          </a:p>
-          <a:p>
-            <a:pPr marL="274320" lvl="2">
-              <a:lnSpc>
-                <a:spcPct val="100000"/>
-              </a:lnSpc>
-              <a:spcBef>
-                <a:spcPts val="0"/>
-              </a:spcBef>
-              <a:spcAft>
-                <a:spcPts val="0"/>
-              </a:spcAft>
-            </a:pPr>
-            <a:r>
-              <a:rPr lang="en-US" sz="1600" smtClean="0"/>
-              <a:t>move</a:t>
-            </a:r>
-          </a:p>
-          <a:p>
-            <a:pPr marL="274320" lvl="2">
-              <a:lnSpc>
-                <a:spcPct val="100000"/>
-              </a:lnSpc>
-              <a:spcBef>
-                <a:spcPts val="0"/>
-              </a:spcBef>
-              <a:spcAft>
-                <a:spcPts val="0"/>
-              </a:spcAft>
-            </a:pPr>
-            <a:r>
-              <a:rPr lang="en-US" sz="1600" smtClean="0"/>
-              <a:t>swap</a:t>
-            </a:r>
-          </a:p>
-          <a:p>
-            <a:pPr marL="274320" lvl="2">
-              <a:lnSpc>
-                <a:spcPct val="100000"/>
-              </a:lnSpc>
-              <a:spcBef>
-                <a:spcPts val="0"/>
-              </a:spcBef>
-              <a:spcAft>
-                <a:spcPts val="0"/>
-              </a:spcAft>
-            </a:pPr>
-            <a:r>
-              <a:rPr lang="en-US" sz="1600" smtClean="0"/>
-              <a:t>transform</a:t>
-            </a:r>
-          </a:p>
-          <a:p>
-            <a:pPr marL="274320" lvl="2">
-              <a:lnSpc>
-                <a:spcPct val="100000"/>
-              </a:lnSpc>
-              <a:spcBef>
-                <a:spcPts val="0"/>
-              </a:spcBef>
-              <a:spcAft>
-                <a:spcPts val="0"/>
-              </a:spcAft>
-            </a:pPr>
-            <a:r>
-              <a:rPr lang="en-US" sz="1600" smtClean="0"/>
-              <a:t>replace</a:t>
-            </a:r>
-          </a:p>
-          <a:p>
-            <a:pPr marL="274320" lvl="2">
-              <a:lnSpc>
-                <a:spcPct val="100000"/>
-              </a:lnSpc>
-              <a:spcBef>
-                <a:spcPts val="0"/>
-              </a:spcBef>
-              <a:spcAft>
-                <a:spcPts val="0"/>
-              </a:spcAft>
-            </a:pPr>
-            <a:r>
-              <a:rPr lang="en-US" sz="1600" smtClean="0"/>
-              <a:t>fill</a:t>
-            </a:r>
-          </a:p>
-          <a:p>
-            <a:pPr marL="274320" lvl="2">
-              <a:lnSpc>
-                <a:spcPct val="100000"/>
-              </a:lnSpc>
-              <a:spcBef>
-                <a:spcPts val="0"/>
-              </a:spcBef>
-              <a:spcAft>
-                <a:spcPts val="0"/>
-              </a:spcAft>
-            </a:pPr>
-            <a:r>
-              <a:rPr lang="en-US" sz="1600" smtClean="0"/>
-              <a:t>generate</a:t>
-            </a:r>
-          </a:p>
-          <a:p>
-            <a:pPr marL="274320" lvl="2">
-              <a:lnSpc>
-                <a:spcPct val="100000"/>
-              </a:lnSpc>
-              <a:spcBef>
-                <a:spcPts val="0"/>
-              </a:spcBef>
-              <a:spcAft>
-                <a:spcPts val="0"/>
-              </a:spcAft>
-            </a:pPr>
-            <a:r>
-              <a:rPr lang="en-US" sz="1600" smtClean="0"/>
-              <a:t>remove</a:t>
-            </a:r>
-          </a:p>
-          <a:p>
-            <a:pPr marL="274320" lvl="2">
-              <a:lnSpc>
-                <a:spcPct val="100000"/>
-              </a:lnSpc>
-              <a:spcBef>
-                <a:spcPts val="0"/>
-              </a:spcBef>
-              <a:spcAft>
-                <a:spcPts val="0"/>
-              </a:spcAft>
-            </a:pPr>
-            <a:r>
-              <a:rPr lang="en-US" sz="1600" smtClean="0"/>
-              <a:t>unique</a:t>
-            </a:r>
-          </a:p>
-          <a:p>
-            <a:pPr marL="274320" lvl="2">
-              <a:lnSpc>
-                <a:spcPct val="100000"/>
-              </a:lnSpc>
-              <a:spcBef>
-                <a:spcPts val="0"/>
-              </a:spcBef>
-              <a:spcAft>
-                <a:spcPts val="0"/>
-              </a:spcAft>
-            </a:pPr>
-            <a:r>
-              <a:rPr lang="en-US" sz="1600" smtClean="0"/>
-              <a:t>reverse</a:t>
-            </a:r>
-          </a:p>
-          <a:p>
-            <a:pPr marL="274320" lvl="2">
-              <a:lnSpc>
-                <a:spcPct val="100000"/>
-              </a:lnSpc>
-              <a:spcBef>
-                <a:spcPts val="0"/>
-              </a:spcBef>
-              <a:spcAft>
-                <a:spcPts val="0"/>
-              </a:spcAft>
-            </a:pPr>
-            <a:r>
-              <a:rPr lang="en-US" sz="1600" smtClean="0"/>
-              <a:t>rotate</a:t>
-            </a:r>
-          </a:p>
-          <a:p>
-            <a:pPr marL="274320" lvl="2">
-              <a:lnSpc>
-                <a:spcPct val="100000"/>
-              </a:lnSpc>
-              <a:spcBef>
-                <a:spcPts val="0"/>
-              </a:spcBef>
-              <a:spcAft>
-                <a:spcPts val="0"/>
-              </a:spcAft>
-            </a:pPr>
-            <a:r>
-              <a:rPr lang="en-US" sz="1600" smtClean="0"/>
-              <a:t>shuffle</a:t>
-            </a:r>
-          </a:p>
-          <a:p>
-            <a:pPr marL="274320" lvl="2">
-              <a:lnSpc>
-                <a:spcPct val="100000"/>
-              </a:lnSpc>
-              <a:spcBef>
-                <a:spcPts val="0"/>
-              </a:spcBef>
-              <a:spcAft>
-                <a:spcPts val="0"/>
-              </a:spcAft>
-            </a:pPr>
-            <a:r>
-              <a:rPr lang="en-US" sz="1600" smtClean="0"/>
-              <a:t>next_permutation</a:t>
-            </a:r>
-          </a:p>
-          <a:p>
-            <a:pPr marL="274320" lvl="2">
-              <a:lnSpc>
-                <a:spcPct val="100000"/>
-              </a:lnSpc>
-              <a:spcBef>
-                <a:spcPts val="0"/>
-              </a:spcBef>
-              <a:spcAft>
-                <a:spcPts val="0"/>
-              </a:spcAft>
-            </a:pPr>
-            <a:r>
-              <a:rPr lang="en-US" sz="1600" smtClean="0"/>
-              <a:t>prev_permutation</a:t>
-            </a:r>
-          </a:p>
-        </p:txBody>
-      </p:sp>
-      <p:sp>
-        <p:nvSpPr>
-          <p:cNvPr id="9" name="Content Placeholder 4"/>
-          <p:cNvSpPr>
-            <a:spLocks noGrp="1"/>
-          </p:cNvSpPr>
-          <p:nvPr>
-            <p:ph sz="half" idx="1"/>
-          </p:nvPr>
-        </p:nvSpPr>
-        <p:spPr>
-          <a:xfrm>
-            <a:off x="6745471" y="4405757"/>
-            <a:ext cx="4995425" cy="1865876"/>
-          </a:xfrm>
-        </p:spPr>
-        <p:txBody>
-          <a:bodyPr>
-            <a:normAutofit/>
-          </a:bodyPr>
-          <a:lstStyle/>
-          <a:p>
-            <a:pPr marL="0">
-              <a:lnSpc>
-                <a:spcPct val="100000"/>
-              </a:lnSpc>
-              <a:spcBef>
-                <a:spcPts val="0"/>
-              </a:spcBef>
-            </a:pPr>
-            <a:r>
-              <a:rPr lang="ru-RU" sz="1600" b="1" smtClean="0"/>
-              <a:t>Слияния и кучи</a:t>
-            </a:r>
-          </a:p>
-          <a:p>
-            <a:pPr marL="274320" lvl="2">
-              <a:lnSpc>
-                <a:spcPct val="100000"/>
-              </a:lnSpc>
-              <a:spcBef>
-                <a:spcPts val="0"/>
-              </a:spcBef>
-              <a:spcAft>
-                <a:spcPts val="0"/>
-              </a:spcAft>
-            </a:pPr>
-            <a:r>
-              <a:rPr lang="en-US" sz="1600" smtClean="0"/>
-              <a:t>merge</a:t>
-            </a:r>
-          </a:p>
-          <a:p>
-            <a:pPr marL="274320" lvl="2">
-              <a:lnSpc>
-                <a:spcPct val="100000"/>
-              </a:lnSpc>
-              <a:spcBef>
-                <a:spcPts val="0"/>
-              </a:spcBef>
-              <a:spcAft>
-                <a:spcPts val="0"/>
-              </a:spcAft>
-            </a:pPr>
-            <a:r>
-              <a:rPr lang="en-US" sz="1600" smtClean="0"/>
-              <a:t>includes</a:t>
-            </a:r>
-          </a:p>
-          <a:p>
-            <a:pPr marL="274320" lvl="2">
-              <a:lnSpc>
-                <a:spcPct val="100000"/>
-              </a:lnSpc>
-              <a:spcBef>
-                <a:spcPts val="0"/>
-              </a:spcBef>
-              <a:spcAft>
-                <a:spcPts val="0"/>
-              </a:spcAft>
-            </a:pPr>
-            <a:r>
-              <a:rPr lang="en-US" sz="1600" smtClean="0"/>
-              <a:t>set_union, set_intersection, set_difference</a:t>
-            </a:r>
-          </a:p>
-          <a:p>
-            <a:pPr marL="274320" lvl="2">
-              <a:lnSpc>
-                <a:spcPct val="100000"/>
-              </a:lnSpc>
-              <a:spcBef>
-                <a:spcPts val="0"/>
-              </a:spcBef>
-              <a:spcAft>
-                <a:spcPts val="0"/>
-              </a:spcAft>
-            </a:pPr>
-            <a:r>
-              <a:rPr lang="en-US" sz="1600" smtClean="0"/>
-              <a:t>make_heap, push_heap, pop_heap</a:t>
-            </a:r>
-          </a:p>
-          <a:p>
-            <a:pPr marL="274320" lvl="2">
-              <a:lnSpc>
-                <a:spcPct val="100000"/>
-              </a:lnSpc>
-              <a:spcBef>
-                <a:spcPts val="0"/>
-              </a:spcBef>
-              <a:spcAft>
-                <a:spcPts val="0"/>
-              </a:spcAft>
-            </a:pPr>
-            <a:r>
-              <a:rPr lang="en-US" sz="1600" smtClean="0"/>
-              <a:t>sort_heap</a:t>
-            </a:r>
-          </a:p>
-        </p:txBody>
-      </p:sp>
-      <p:sp>
-        <p:nvSpPr>
-          <p:cNvPr id="10" name="Content Placeholder 4"/>
-          <p:cNvSpPr>
-            <a:spLocks noGrp="1"/>
-          </p:cNvSpPr>
-          <p:nvPr>
-            <p:ph sz="half" idx="1"/>
-          </p:nvPr>
-        </p:nvSpPr>
-        <p:spPr>
-          <a:xfrm>
-            <a:off x="721346" y="4870945"/>
-            <a:ext cx="2283941" cy="1758455"/>
-          </a:xfrm>
-        </p:spPr>
-        <p:txBody>
-          <a:bodyPr>
-            <a:normAutofit/>
-          </a:bodyPr>
-          <a:lstStyle/>
-          <a:p>
-            <a:pPr marL="0">
-              <a:lnSpc>
-                <a:spcPct val="100000"/>
-              </a:lnSpc>
-              <a:spcBef>
-                <a:spcPts val="0"/>
-              </a:spcBef>
-            </a:pPr>
-            <a:r>
-              <a:rPr lang="ru-RU" sz="1600" b="1" smtClean="0"/>
-              <a:t>Численные</a:t>
-            </a:r>
-          </a:p>
-          <a:p>
-            <a:pPr marL="274320" lvl="2">
-              <a:lnSpc>
-                <a:spcPct val="100000"/>
-              </a:lnSpc>
-              <a:spcBef>
-                <a:spcPts val="0"/>
-              </a:spcBef>
-              <a:spcAft>
-                <a:spcPts val="0"/>
-              </a:spcAft>
-            </a:pPr>
-            <a:r>
-              <a:rPr lang="en-US" sz="1600" smtClean="0"/>
-              <a:t>accumulate</a:t>
-            </a:r>
-            <a:endParaRPr lang="ru-RU" sz="1600" smtClean="0"/>
-          </a:p>
-          <a:p>
-            <a:pPr marL="274320" lvl="2">
-              <a:lnSpc>
-                <a:spcPct val="100000"/>
-              </a:lnSpc>
-              <a:spcBef>
-                <a:spcPts val="0"/>
-              </a:spcBef>
-              <a:spcAft>
-                <a:spcPts val="0"/>
-              </a:spcAft>
-            </a:pPr>
-            <a:r>
-              <a:rPr lang="en-US" sz="1600" smtClean="0"/>
-              <a:t>iota</a:t>
-            </a:r>
-            <a:endParaRPr lang="en-US" sz="1600"/>
-          </a:p>
-          <a:p>
-            <a:pPr marL="274320" lvl="2">
-              <a:lnSpc>
-                <a:spcPct val="100000"/>
-              </a:lnSpc>
-              <a:spcBef>
-                <a:spcPts val="0"/>
-              </a:spcBef>
-              <a:spcAft>
-                <a:spcPts val="0"/>
-              </a:spcAft>
-            </a:pPr>
-            <a:r>
-              <a:rPr lang="en-US" sz="1600" smtClean="0"/>
-              <a:t>adjacent_difference</a:t>
-            </a:r>
-          </a:p>
-          <a:p>
-            <a:pPr marL="274320" lvl="2">
-              <a:lnSpc>
-                <a:spcPct val="100000"/>
-              </a:lnSpc>
-              <a:spcBef>
-                <a:spcPts val="0"/>
-              </a:spcBef>
-              <a:spcAft>
-                <a:spcPts val="0"/>
-              </a:spcAft>
-            </a:pPr>
-            <a:r>
-              <a:rPr lang="en-US" sz="1600" smtClean="0"/>
-              <a:t>inner_product</a:t>
-            </a:r>
-          </a:p>
-          <a:p>
-            <a:pPr marL="274320" lvl="2">
-              <a:lnSpc>
-                <a:spcPct val="100000"/>
-              </a:lnSpc>
-              <a:spcBef>
-                <a:spcPts val="0"/>
-              </a:spcBef>
-              <a:spcAft>
-                <a:spcPts val="0"/>
-              </a:spcAft>
-            </a:pPr>
-            <a:r>
-              <a:rPr lang="en-US" sz="1600" smtClean="0"/>
-              <a:t>partial_sum</a:t>
-            </a:r>
+              <a:rPr lang="en-US" smtClean="0">
+                <a:latin typeface="Consolas" panose="020B0609020204030204" pitchFamily="49" charset="0"/>
+              </a:rPr>
+              <a:t>copy_n (cont.begin(), N, ostream_iterator&lt;tp_&gt;(cout, "\n"</a:t>
+            </a:r>
+            <a:r>
+              <a:rPr lang="ru-RU" smtClean="0">
+                <a:latin typeface="Consolas" panose="020B0609020204030204" pitchFamily="49" charset="0"/>
+              </a:rPr>
+              <a:t>))</a:t>
+            </a:r>
+            <a:r>
+              <a:rPr lang="en-US" smtClean="0">
+                <a:latin typeface="Consolas" panose="020B0609020204030204" pitchFamily="49" charset="0"/>
+              </a:rPr>
+              <a:t>;</a:t>
+            </a:r>
+            <a:endParaRPr lang="en-US" smtClean="0"/>
           </a:p>
         </p:txBody>
       </p:sp>
     </p:spTree>
     <p:extLst>
       <p:ext uri="{BB962C8B-B14F-4D97-AF65-F5344CB8AC3E}">
-        <p14:creationId xmlns:p14="http://schemas.microsoft.com/office/powerpoint/2010/main" val="657793017"/>
+        <p14:creationId xmlns:p14="http://schemas.microsoft.com/office/powerpoint/2010/main" val="3271340481"/>
       </p:ext>
     </p:extLst>
   </p:cSld>
   <p:clrMapOvr>
     <a:masterClrMapping/>
   </p:clrMapOvr>
+  <p:timing>
+    <p:tnLst>
+      <p:par>
+        <p:cTn id="1" dur="indefinite" restart="never" nodeType="tmRoot"/>
+      </p:par>
+    </p:tnLst>
+  </p:timing>
 </p:sld>
 </file>
 
@@ -5115,6 +4120,13 @@
   <p:clrMapOvr>
     <a:masterClrMapping/>
   </p:clrMapOvr>
+  <p:timing>
+    <p:tnLst>
+      <p:par>
+        <p:cTn id="1" dur="indefinite" restart="never" nodeType="tmRoot"/>
+      </p:par>
+    </p:tnLst>
+  </p:timing>
 </p:sld>
 </file>
 
@@ -5346,6 +4358,13 @@
   <p:clrMapOvr>
     <a:masterClrMapping/>
   </p:clrMapOvr>
+  <p:timing>
+    <p:tnLst>
+      <p:par>
+        <p:cTn id="1" dur="indefinite" restart="never" nodeType="tmRoot"/>
+      </p:par>
+    </p:tnLst>
+  </p:timing>
 </p:sld>
 </file>
 
@@ -5558,6 +4577,13 @@
   <p:clrMapOvr>
     <a:masterClrMapping/>
   </p:clrMapOvr>
+  <p:timing>
+    <p:tnLst>
+      <p:par>
+        <p:cTn id="1" dur="indefinite" restart="never" nodeType="tmRoot"/>
+      </p:par>
+    </p:tnLst>
+  </p:timing>
 </p:sld>
 </file>
 
@@ -5768,6 +4794,13 @@
   <p:clrMapOvr>
     <a:masterClrMapping/>
   </p:clrMapOvr>
+  <p:timing>
+    <p:tnLst>
+      <p:par>
+        <p:cTn id="1" dur="indefinite" restart="never" nodeType="tmRoot"/>
+      </p:par>
+    </p:tnLst>
+  </p:timing>
 </p:sld>
 </file>
 
@@ -5828,11 +4861,7 @@
           <a:p>
             <a:r>
               <a:rPr lang="ru-RU" smtClean="0"/>
-              <a:t>Разные алгоритмы легко пробовать. Легко подбирать правильный</a:t>
-            </a:r>
-            <a:r>
-              <a:rPr lang="ru-RU" smtClean="0"/>
-              <a:t>.</a:t>
+              <a:t>Разные алгоритмы легко пробовать. Легко подбирать правильный.</a:t>
             </a:r>
             <a:endParaRPr lang="en-US"/>
           </a:p>
@@ -5848,6 +4877,13 @@
   <p:clrMapOvr>
     <a:masterClrMapping/>
   </p:clrMapOvr>
+  <p:timing>
+    <p:tnLst>
+      <p:par>
+        <p:cTn id="1" dur="indefinite" restart="never" nodeType="tmRoot"/>
+      </p:par>
+    </p:tnLst>
+  </p:timing>
 </p:sld>
 </file>
 
@@ -5908,11 +4944,7 @@
           <a:p>
             <a:r>
               <a:rPr lang="ru-RU" smtClean="0"/>
-              <a:t>Разные алгоритмы легко пробовать. Легко подбирать правильный</a:t>
-            </a:r>
-            <a:r>
-              <a:rPr lang="ru-RU" smtClean="0"/>
-              <a:t>.</a:t>
+              <a:t>Разные алгоритмы легко пробовать. Легко подбирать правильный.</a:t>
             </a:r>
           </a:p>
           <a:p>
@@ -5934,6 +4966,13 @@
   <p:clrMapOvr>
     <a:masterClrMapping/>
   </p:clrMapOvr>
+  <p:timing>
+    <p:tnLst>
+      <p:par>
+        <p:cTn id="1" dur="indefinite" restart="never" nodeType="tmRoot"/>
+      </p:par>
+    </p:tnLst>
+  </p:timing>
 </p:sld>
 </file>
 
@@ -6143,6 +5182,13 @@
   <p:clrMapOvr>
     <a:masterClrMapping/>
   </p:clrMapOvr>
+  <p:timing>
+    <p:tnLst>
+      <p:par>
+        <p:cTn id="1" dur="indefinite" restart="never" nodeType="tmRoot"/>
+      </p:par>
+    </p:tnLst>
+  </p:timing>
 </p:sld>
 </file>
 
@@ -6367,6 +5413,13 @@
   <p:clrMapOvr>
     <a:masterClrMapping/>
   </p:clrMapOvr>
+  <p:timing>
+    <p:tnLst>
+      <p:par>
+        <p:cTn id="1" dur="indefinite" restart="never" nodeType="tmRoot"/>
+      </p:par>
+    </p:tnLst>
+  </p:timing>
 </p:sld>
 </file>
 
@@ -6471,6 +5524,13 @@
   <p:clrMapOvr>
     <a:masterClrMapping/>
   </p:clrMapOvr>
+  <p:timing>
+    <p:tnLst>
+      <p:par>
+        <p:cTn id="1" dur="indefinite" restart="never" nodeType="tmRoot"/>
+      </p:par>
+    </p:tnLst>
+  </p:timing>
 </p:sld>
 </file>
 
@@ -6522,13 +5582,8 @@
             </a:pPr>
             <a:r>
               <a:rPr lang="ru-RU" sz="4800" smtClean="0"/>
-              <a:t> </a:t>
-            </a:r>
-            <a:r>
-              <a:rPr lang="ru-RU" sz="4800" smtClean="0"/>
-              <a:t>Введение в алгоритмы</a:t>
-            </a:r>
-            <a:endParaRPr lang="ru-RU" sz="4800" smtClean="0"/>
+              <a:t> Введение в алгоритмы</a:t>
+            </a:r>
           </a:p>
           <a:p>
             <a:pPr>
@@ -6540,13 +5595,8 @@
             </a:pPr>
             <a:r>
               <a:rPr lang="ru-RU" sz="4800" smtClean="0"/>
-              <a:t> </a:t>
-            </a:r>
-            <a:r>
-              <a:rPr lang="ru-RU" sz="4800" smtClean="0"/>
-              <a:t>Абстракция циклов</a:t>
-            </a:r>
-            <a:endParaRPr lang="ru-RU" sz="4800" smtClean="0"/>
+              <a:t> Абстракция циклов</a:t>
+            </a:r>
           </a:p>
           <a:p>
             <a:pPr>
@@ -6558,11 +5608,7 @@
             </a:pPr>
             <a:r>
               <a:rPr lang="ru-RU" sz="4800" smtClean="0"/>
-              <a:t> </a:t>
-            </a:r>
-            <a:r>
-              <a:rPr lang="ru-RU" sz="4800" smtClean="0"/>
-              <a:t>Трансформации</a:t>
+              <a:t> Трансформации</a:t>
             </a:r>
             <a:endParaRPr lang="en-US" sz="4800" smtClean="0"/>
           </a:p>
@@ -6582,7 +5628,6 @@
               <a:rPr lang="ru-RU" sz="4800" smtClean="0"/>
               <a:t>Варианты бинарного поиска</a:t>
             </a:r>
-            <a:endParaRPr lang="ru-RU" sz="4800" smtClean="0"/>
           </a:p>
         </p:txBody>
       </p:sp>
@@ -6596,6 +5641,13 @@
   <p:clrMapOvr>
     <a:masterClrMapping/>
   </p:clrMapOvr>
+  <p:timing>
+    <p:tnLst>
+      <p:par>
+        <p:cTn id="1" dur="indefinite" restart="never" nodeType="tmRoot"/>
+      </p:par>
+    </p:tnLst>
+  </p:timing>
 </p:sld>
 </file>
 
@@ -8011,6 +7063,13 @@
   <p:clrMapOvr>
     <a:masterClrMapping/>
   </p:clrMapOvr>
+  <p:timing>
+    <p:tnLst>
+      <p:par>
+        <p:cTn id="1" dur="indefinite" restart="never" nodeType="tmRoot"/>
+      </p:par>
+    </p:tnLst>
+  </p:timing>
 </p:sld>
 </file>
 
@@ -8104,7 +7163,43 @@
               <a:rPr lang="en-US">
                 <a:latin typeface="Consolas" panose="020B0609020204030204" pitchFamily="49" charset="0"/>
               </a:rPr>
-              <a:t>vector v = {1, 42, 2, 42, 3, 42, 4</a:t>
+              <a:t>vector v = {1, </a:t>
+            </a:r>
+            <a:r>
+              <a:rPr lang="en-US" smtClean="0">
+                <a:latin typeface="Consolas" panose="020B0609020204030204" pitchFamily="49" charset="0"/>
+              </a:rPr>
+              <a:t>1, </a:t>
+            </a:r>
+            <a:r>
+              <a:rPr lang="en-US">
+                <a:latin typeface="Consolas" panose="020B0609020204030204" pitchFamily="49" charset="0"/>
+              </a:rPr>
+              <a:t>2, </a:t>
+            </a:r>
+            <a:r>
+              <a:rPr lang="en-US" smtClean="0">
+                <a:latin typeface="Consolas" panose="020B0609020204030204" pitchFamily="49" charset="0"/>
+              </a:rPr>
+              <a:t>2, </a:t>
+            </a:r>
+            <a:r>
+              <a:rPr lang="en-US">
+                <a:latin typeface="Consolas" panose="020B0609020204030204" pitchFamily="49" charset="0"/>
+              </a:rPr>
+              <a:t>3, </a:t>
+            </a:r>
+            <a:r>
+              <a:rPr lang="en-US" smtClean="0">
+                <a:latin typeface="Consolas" panose="020B0609020204030204" pitchFamily="49" charset="0"/>
+              </a:rPr>
+              <a:t>3, </a:t>
+            </a:r>
+            <a:r>
+              <a:rPr lang="en-US">
+                <a:latin typeface="Consolas" panose="020B0609020204030204" pitchFamily="49" charset="0"/>
+              </a:rPr>
+              <a:t>4</a:t>
             </a:r>
             <a:r>
               <a:rPr lang="en-US" smtClean="0">
@@ -8204,6 +7299,13 @@
   <p:clrMapOvr>
     <a:masterClrMapping/>
   </p:clrMapOvr>
+  <p:timing>
+    <p:tnLst>
+      <p:par>
+        <p:cTn id="1" dur="indefinite" restart="never" nodeType="tmRoot"/>
+      </p:par>
+    </p:tnLst>
+  </p:timing>
 </p:sld>
 </file>
 
@@ -8255,13 +7357,8 @@
             </a:pPr>
             <a:r>
               <a:rPr lang="ru-RU" sz="4800" smtClean="0"/>
-              <a:t> </a:t>
-            </a:r>
-            <a:r>
-              <a:rPr lang="ru-RU" sz="4800" smtClean="0"/>
-              <a:t>Введение в алгоритмы</a:t>
-            </a:r>
-            <a:endParaRPr lang="ru-RU" sz="4800" smtClean="0"/>
+              <a:t> Введение в алгоритмы</a:t>
+            </a:r>
           </a:p>
           <a:p>
             <a:pPr>
@@ -8273,13 +7370,8 @@
             </a:pPr>
             <a:r>
               <a:rPr lang="ru-RU" sz="4800" smtClean="0"/>
-              <a:t> </a:t>
-            </a:r>
-            <a:r>
-              <a:rPr lang="ru-RU" sz="4800" smtClean="0"/>
-              <a:t>Абстракция циклов</a:t>
-            </a:r>
-            <a:endParaRPr lang="ru-RU" sz="4800" smtClean="0"/>
+              <a:t> Абстракция циклов</a:t>
+            </a:r>
           </a:p>
           <a:p>
             <a:pPr>
@@ -8291,11 +7383,7 @@
             </a:pPr>
             <a:r>
               <a:rPr lang="ru-RU" sz="4800" smtClean="0"/>
-              <a:t> </a:t>
-            </a:r>
-            <a:r>
-              <a:rPr lang="ru-RU" sz="4800" smtClean="0"/>
-              <a:t>Трансформации</a:t>
+              <a:t> Трансформации</a:t>
             </a:r>
             <a:endParaRPr lang="en-US" sz="4800" smtClean="0"/>
           </a:p>
@@ -8315,7 +7403,6 @@
               <a:rPr lang="ru-RU" sz="4800" smtClean="0"/>
               <a:t>Варианты бинарного поиска</a:t>
             </a:r>
-            <a:endParaRPr lang="ru-RU" sz="4800" smtClean="0"/>
           </a:p>
         </p:txBody>
       </p:sp>
@@ -8329,6 +7416,13 @@
   <p:clrMapOvr>
     <a:masterClrMapping/>
   </p:clrMapOvr>
+  <p:timing>
+    <p:tnLst>
+      <p:par>
+        <p:cTn id="1" dur="indefinite" restart="never" nodeType="tmRoot"/>
+      </p:par>
+    </p:tnLst>
+  </p:timing>
 </p:sld>
 </file>
 
@@ -9369,6 +8463,13 @@
   <p:clrMapOvr>
     <a:masterClrMapping/>
   </p:clrMapOvr>
+  <p:timing>
+    <p:tnLst>
+      <p:par>
+        <p:cTn id="1" dur="indefinite" restart="never" nodeType="tmRoot"/>
+      </p:par>
+    </p:tnLst>
+  </p:timing>
 </p:sld>
 </file>
 
@@ -9501,13 +8602,7 @@
               <a:rPr lang="en-US" b="1">
                 <a:latin typeface="Consolas" panose="020B0609020204030204" pitchFamily="49" charset="0"/>
               </a:rPr>
-              <a:t>*p == </a:t>
-            </a:r>
-            <a:r>
-              <a:rPr lang="en-US" b="1">
-                <a:latin typeface="Consolas" panose="020B0609020204030204" pitchFamily="49" charset="0"/>
-              </a:rPr>
-              <a:t>8 </a:t>
+              <a:t>*p == 8 </a:t>
             </a:r>
             <a:endParaRPr lang="en-US" b="1" smtClean="0">
               <a:latin typeface="Consolas" panose="020B0609020204030204" pitchFamily="49" charset="0"/>
@@ -10429,6 +9524,13 @@
   <p:clrMapOvr>
     <a:masterClrMapping/>
   </p:clrMapOvr>
+  <p:timing>
+    <p:tnLst>
+      <p:par>
+        <p:cTn id="1" dur="indefinite" restart="never" nodeType="tmRoot"/>
+      </p:par>
+    </p:tnLst>
+  </p:timing>
 </p:sld>
 </file>
 
@@ -10508,67 +9610,43 @@
               <a:rPr lang="en-US">
                 <a:latin typeface="Consolas" panose="020B0609020204030204" pitchFamily="49" charset="0"/>
               </a:rPr>
-              <a:t>void</a:t>
+              <a:t>void </a:t>
+            </a:r>
+            <a:r>
+              <a:rPr lang="en-US" smtClean="0">
+                <a:latin typeface="Consolas" panose="020B0609020204030204" pitchFamily="49" charset="0"/>
+              </a:rPr>
+              <a:t>rotate(FwIt </a:t>
             </a:r>
             <a:r>
               <a:rPr lang="en-US">
                 <a:latin typeface="Consolas" panose="020B0609020204030204" pitchFamily="49" charset="0"/>
               </a:rPr>
-              <a:t> </a:t>
-            </a:r>
-            <a:r>
-              <a:rPr lang="en-US" smtClean="0">
-                <a:latin typeface="Consolas" panose="020B0609020204030204" pitchFamily="49" charset="0"/>
-              </a:rPr>
-              <a:t>rotate(FwIt </a:t>
+              <a:t>first, </a:t>
+            </a:r>
+            <a:r>
+              <a:rPr lang="en-US" smtClean="0">
+                <a:latin typeface="Consolas" panose="020B0609020204030204" pitchFamily="49" charset="0"/>
+              </a:rPr>
+              <a:t>FwIt </a:t>
             </a:r>
             <a:r>
               <a:rPr lang="en-US">
                 <a:latin typeface="Consolas" panose="020B0609020204030204" pitchFamily="49" charset="0"/>
               </a:rPr>
-              <a:t>first</a:t>
+              <a:t>n_first, </a:t>
+            </a:r>
+            <a:r>
+              <a:rPr lang="en-US" smtClean="0">
+                <a:latin typeface="Consolas" panose="020B0609020204030204" pitchFamily="49" charset="0"/>
+              </a:rPr>
+              <a:t>FwIt </a:t>
             </a:r>
             <a:r>
               <a:rPr lang="en-US">
                 <a:latin typeface="Consolas" panose="020B0609020204030204" pitchFamily="49" charset="0"/>
               </a:rPr>
-              <a:t>, </a:t>
-            </a:r>
-            <a:r>
-              <a:rPr lang="en-US" smtClean="0">
-                <a:latin typeface="Consolas" panose="020B0609020204030204" pitchFamily="49" charset="0"/>
-              </a:rPr>
-              <a:t>FwIt </a:t>
-            </a:r>
-            <a:r>
-              <a:rPr lang="en-US">
-                <a:latin typeface="Consolas" panose="020B0609020204030204" pitchFamily="49" charset="0"/>
-              </a:rPr>
-              <a:t>n_first</a:t>
-            </a:r>
-            <a:r>
-              <a:rPr lang="en-US">
-                <a:latin typeface="Consolas" panose="020B0609020204030204" pitchFamily="49" charset="0"/>
-              </a:rPr>
-              <a:t>, </a:t>
-            </a:r>
-            <a:r>
-              <a:rPr lang="en-US" smtClean="0">
-                <a:latin typeface="Consolas" panose="020B0609020204030204" pitchFamily="49" charset="0"/>
-              </a:rPr>
-              <a:t>FwIt </a:t>
-            </a:r>
-            <a:r>
-              <a:rPr lang="en-US">
-                <a:latin typeface="Consolas" panose="020B0609020204030204" pitchFamily="49" charset="0"/>
-              </a:rPr>
-              <a:t>last</a:t>
-            </a:r>
-            <a:r>
-              <a:rPr lang="en-US">
-                <a:latin typeface="Consolas" panose="020B0609020204030204" pitchFamily="49" charset="0"/>
-              </a:rPr>
-              <a:t> </a:t>
+              <a:t>last </a:t>
             </a:r>
             <a:r>
               <a:rPr lang="en-US" smtClean="0">
@@ -11906,6 +10984,13 @@
   <p:clrMapOvr>
     <a:masterClrMapping/>
   </p:clrMapOvr>
+  <p:timing>
+    <p:tnLst>
+      <p:par>
+        <p:cTn id="1" dur="indefinite" restart="never" nodeType="tmRoot"/>
+      </p:par>
+    </p:tnLst>
+  </p:timing>
 </p:sld>
 </file>
 
@@ -11981,67 +11066,43 @@
               <a:rPr lang="en-US">
                 <a:latin typeface="Consolas" panose="020B0609020204030204" pitchFamily="49" charset="0"/>
               </a:rPr>
-              <a:t>void</a:t>
+              <a:t>void </a:t>
+            </a:r>
+            <a:r>
+              <a:rPr lang="en-US" smtClean="0">
+                <a:latin typeface="Consolas" panose="020B0609020204030204" pitchFamily="49" charset="0"/>
+              </a:rPr>
+              <a:t>rotate(FwIt </a:t>
             </a:r>
             <a:r>
               <a:rPr lang="en-US">
                 <a:latin typeface="Consolas" panose="020B0609020204030204" pitchFamily="49" charset="0"/>
               </a:rPr>
-              <a:t> </a:t>
-            </a:r>
-            <a:r>
-              <a:rPr lang="en-US" smtClean="0">
-                <a:latin typeface="Consolas" panose="020B0609020204030204" pitchFamily="49" charset="0"/>
-              </a:rPr>
-              <a:t>rotate(FwIt </a:t>
+              <a:t>first, </a:t>
+            </a:r>
+            <a:r>
+              <a:rPr lang="en-US" smtClean="0">
+                <a:latin typeface="Consolas" panose="020B0609020204030204" pitchFamily="49" charset="0"/>
+              </a:rPr>
+              <a:t>FwIt </a:t>
             </a:r>
             <a:r>
               <a:rPr lang="en-US">
                 <a:latin typeface="Consolas" panose="020B0609020204030204" pitchFamily="49" charset="0"/>
               </a:rPr>
-              <a:t>first</a:t>
+              <a:t>n_first, </a:t>
+            </a:r>
+            <a:r>
+              <a:rPr lang="en-US" smtClean="0">
+                <a:latin typeface="Consolas" panose="020B0609020204030204" pitchFamily="49" charset="0"/>
+              </a:rPr>
+              <a:t>FwIt </a:t>
             </a:r>
             <a:r>
               <a:rPr lang="en-US">
                 <a:latin typeface="Consolas" panose="020B0609020204030204" pitchFamily="49" charset="0"/>
               </a:rPr>
-              <a:t>, </a:t>
-            </a:r>
-            <a:r>
-              <a:rPr lang="en-US" smtClean="0">
-                <a:latin typeface="Consolas" panose="020B0609020204030204" pitchFamily="49" charset="0"/>
-              </a:rPr>
-              <a:t>FwIt </a:t>
-            </a:r>
-            <a:r>
-              <a:rPr lang="en-US">
-                <a:latin typeface="Consolas" panose="020B0609020204030204" pitchFamily="49" charset="0"/>
-              </a:rPr>
-              <a:t>n_first</a:t>
-            </a:r>
-            <a:r>
-              <a:rPr lang="en-US">
-                <a:latin typeface="Consolas" panose="020B0609020204030204" pitchFamily="49" charset="0"/>
-              </a:rPr>
-              <a:t>, </a:t>
-            </a:r>
-            <a:r>
-              <a:rPr lang="en-US" smtClean="0">
-                <a:latin typeface="Consolas" panose="020B0609020204030204" pitchFamily="49" charset="0"/>
-              </a:rPr>
-              <a:t>FwIt </a:t>
-            </a:r>
-            <a:r>
-              <a:rPr lang="en-US">
-                <a:latin typeface="Consolas" panose="020B0609020204030204" pitchFamily="49" charset="0"/>
-              </a:rPr>
-              <a:t>last</a:t>
-            </a:r>
-            <a:r>
-              <a:rPr lang="en-US">
-                <a:latin typeface="Consolas" panose="020B0609020204030204" pitchFamily="49" charset="0"/>
-              </a:rPr>
-              <a:t> </a:t>
+              <a:t>last </a:t>
             </a:r>
             <a:r>
               <a:rPr lang="en-US" smtClean="0">
@@ -13200,6 +12261,13 @@
   <p:clrMapOvr>
     <a:masterClrMapping/>
   </p:clrMapOvr>
+  <p:timing>
+    <p:tnLst>
+      <p:par>
+        <p:cTn id="1" dur="indefinite" restart="never" nodeType="tmRoot"/>
+      </p:par>
+    </p:tnLst>
+  </p:timing>
 </p:sld>
 </file>
 
@@ -13275,67 +12343,43 @@
               <a:rPr lang="en-US">
                 <a:latin typeface="Consolas" panose="020B0609020204030204" pitchFamily="49" charset="0"/>
               </a:rPr>
-              <a:t>void</a:t>
+              <a:t>void </a:t>
+            </a:r>
+            <a:r>
+              <a:rPr lang="en-US" smtClean="0">
+                <a:latin typeface="Consolas" panose="020B0609020204030204" pitchFamily="49" charset="0"/>
+              </a:rPr>
+              <a:t>rotate(FwIt </a:t>
             </a:r>
             <a:r>
               <a:rPr lang="en-US">
                 <a:latin typeface="Consolas" panose="020B0609020204030204" pitchFamily="49" charset="0"/>
               </a:rPr>
-              <a:t> </a:t>
-            </a:r>
-            <a:r>
-              <a:rPr lang="en-US" smtClean="0">
-                <a:latin typeface="Consolas" panose="020B0609020204030204" pitchFamily="49" charset="0"/>
-              </a:rPr>
-              <a:t>rotate(FwIt </a:t>
+              <a:t>first, </a:t>
+            </a:r>
+            <a:r>
+              <a:rPr lang="en-US" smtClean="0">
+                <a:latin typeface="Consolas" panose="020B0609020204030204" pitchFamily="49" charset="0"/>
+              </a:rPr>
+              <a:t>FwIt </a:t>
             </a:r>
             <a:r>
               <a:rPr lang="en-US">
                 <a:latin typeface="Consolas" panose="020B0609020204030204" pitchFamily="49" charset="0"/>
               </a:rPr>
-              <a:t>first</a:t>
+              <a:t>n_first, </a:t>
+            </a:r>
+            <a:r>
+              <a:rPr lang="en-US" smtClean="0">
+                <a:latin typeface="Consolas" panose="020B0609020204030204" pitchFamily="49" charset="0"/>
+              </a:rPr>
+              <a:t>FwIt </a:t>
             </a:r>
             <a:r>
               <a:rPr lang="en-US">
                 <a:latin typeface="Consolas" panose="020B0609020204030204" pitchFamily="49" charset="0"/>
               </a:rPr>
-              <a:t>, </a:t>
-            </a:r>
-            <a:r>
-              <a:rPr lang="en-US" smtClean="0">
-                <a:latin typeface="Consolas" panose="020B0609020204030204" pitchFamily="49" charset="0"/>
-              </a:rPr>
-              <a:t>FwIt </a:t>
-            </a:r>
-            <a:r>
-              <a:rPr lang="en-US">
-                <a:latin typeface="Consolas" panose="020B0609020204030204" pitchFamily="49" charset="0"/>
-              </a:rPr>
-              <a:t>n_first</a:t>
-            </a:r>
-            <a:r>
-              <a:rPr lang="en-US">
-                <a:latin typeface="Consolas" panose="020B0609020204030204" pitchFamily="49" charset="0"/>
-              </a:rPr>
-              <a:t>, </a:t>
-            </a:r>
-            <a:r>
-              <a:rPr lang="en-US" smtClean="0">
-                <a:latin typeface="Consolas" panose="020B0609020204030204" pitchFamily="49" charset="0"/>
-              </a:rPr>
-              <a:t>FwIt </a:t>
-            </a:r>
-            <a:r>
-              <a:rPr lang="en-US">
-                <a:latin typeface="Consolas" panose="020B0609020204030204" pitchFamily="49" charset="0"/>
-              </a:rPr>
-              <a:t>last</a:t>
-            </a:r>
-            <a:r>
-              <a:rPr lang="en-US">
-                <a:latin typeface="Consolas" panose="020B0609020204030204" pitchFamily="49" charset="0"/>
-              </a:rPr>
-              <a:t> </a:t>
+              <a:t>last </a:t>
             </a:r>
             <a:r>
               <a:rPr lang="en-US" smtClean="0">
@@ -14693,6 +13737,13 @@
   <p:clrMapOvr>
     <a:masterClrMapping/>
   </p:clrMapOvr>
+  <p:timing>
+    <p:tnLst>
+      <p:par>
+        <p:cTn id="1" dur="indefinite" restart="never" nodeType="tmRoot"/>
+      </p:par>
+    </p:tnLst>
+  </p:timing>
 </p:sld>
 </file>
 
@@ -14765,11 +13816,7 @@
             <a:pPr lvl="1"/>
             <a:r>
               <a:rPr lang="ru-RU"/>
-              <a:t>начало </a:t>
-            </a:r>
-            <a:r>
-              <a:rPr lang="ru-RU"/>
-              <a:t>группы</a:t>
+              <a:t>начало группы</a:t>
             </a:r>
             <a:r>
               <a:rPr lang="en-US"/>
@@ -14797,11 +13844,7 @@
             <a:pPr lvl="1"/>
             <a:r>
               <a:rPr lang="ru-RU"/>
-              <a:t>конец </a:t>
-            </a:r>
-            <a:r>
-              <a:rPr lang="ru-RU"/>
-              <a:t>группы </a:t>
+              <a:t>конец группы </a:t>
             </a:r>
             <a:r>
               <a:rPr lang="en-US" b="1" smtClean="0">
@@ -14839,11 +13882,7 @@
             </a:r>
             <a:r>
               <a:rPr lang="ru-RU"/>
-              <a:t> куда группа должна </a:t>
-            </a:r>
-            <a:r>
-              <a:rPr lang="ru-RU"/>
-              <a:t>быть </a:t>
+              <a:t> куда группа должна быть </a:t>
             </a:r>
             <a:r>
               <a:rPr lang="ru-RU" smtClean="0"/>
@@ -15805,6 +14844,13 @@
   <p:clrMapOvr>
     <a:masterClrMapping/>
   </p:clrMapOvr>
+  <p:timing>
+    <p:tnLst>
+      <p:par>
+        <p:cTn id="1" dur="indefinite" restart="never" nodeType="tmRoot"/>
+      </p:par>
+    </p:tnLst>
+  </p:timing>
 </p:sld>
 </file>
 
@@ -16052,6 +15098,13 @@
   <p:clrMapOvr>
     <a:masterClrMapping/>
   </p:clrMapOvr>
+  <p:timing>
+    <p:tnLst>
+      <p:par>
+        <p:cTn id="1" dur="indefinite" restart="never" nodeType="tmRoot"/>
+      </p:par>
+    </p:tnLst>
+  </p:timing>
 </p:sld>
 </file>
 
@@ -16146,6 +15199,13 @@
   <p:clrMapOvr>
     <a:masterClrMapping/>
   </p:clrMapOvr>
+  <p:timing>
+    <p:tnLst>
+      <p:par>
+        <p:cTn id="1" dur="indefinite" restart="never" nodeType="tmRoot"/>
+      </p:par>
+    </p:tnLst>
+  </p:timing>
 </p:sld>
 </file>
 
@@ -16236,6 +15296,13 @@
   <p:clrMapOvr>
     <a:masterClrMapping/>
   </p:clrMapOvr>
+  <p:timing>
+    <p:tnLst>
+      <p:par>
+        <p:cTn id="1" dur="indefinite" restart="never" nodeType="tmRoot"/>
+      </p:par>
+    </p:tnLst>
+  </p:timing>
 </p:sld>
 </file>
 
@@ -16408,13 +15475,7 @@
               <a:rPr lang="en-US" sz="1600">
                 <a:latin typeface="Consolas" panose="020B0609020204030204" pitchFamily="49" charset="0"/>
               </a:rPr>
-              <a:t>expanded_panels_.</a:t>
-            </a:r>
-            <a:r>
-              <a:rPr lang="en-US" sz="1600">
-                <a:latin typeface="Consolas" panose="020B0609020204030204" pitchFamily="49" charset="0"/>
-              </a:rPr>
-              <a:t>size</a:t>
+              <a:t>expanded_panels_.size</a:t>
             </a:r>
             <a:r>
               <a:rPr lang="en-US" sz="1600" smtClean="0">
@@ -16506,13 +15567,7 @@
               <a:rPr lang="en-US" sz="1600">
                 <a:latin typeface="Consolas" panose="020B0609020204030204" pitchFamily="49" charset="0"/>
               </a:rPr>
-              <a:t>expanded_panels_.</a:t>
-            </a:r>
-            <a:r>
-              <a:rPr lang="en-US" sz="1600">
-                <a:latin typeface="Consolas" panose="020B0609020204030204" pitchFamily="49" charset="0"/>
-              </a:rPr>
-              <a:t>size</a:t>
+              <a:t>expanded_panels_.size</a:t>
             </a:r>
             <a:r>
               <a:rPr lang="en-US" sz="1600" smtClean="0">
@@ -16643,6 +15698,13 @@
   <p:clrMapOvr>
     <a:masterClrMapping/>
   </p:clrMapOvr>
+  <p:timing>
+    <p:tnLst>
+      <p:par>
+        <p:cTn id="1" dur="indefinite" restart="never" nodeType="tmRoot"/>
+      </p:par>
+    </p:tnLst>
+  </p:timing>
 </p:sld>
 </file>
 
@@ -16870,16 +15932,7 @@
                 </a:solidFill>
                 <a:latin typeface="Consolas" panose="020B0609020204030204" pitchFamily="49" charset="0"/>
               </a:rPr>
-              <a:t>expanded_panels_.</a:t>
-            </a:r>
-            <a:r>
-              <a:rPr lang="en-US" sz="1600">
-                <a:solidFill>
-                  <a:srgbClr val="0000FF"/>
-                </a:solidFill>
-                <a:latin typeface="Consolas" panose="020B0609020204030204" pitchFamily="49" charset="0"/>
-              </a:rPr>
-              <a:t>size</a:t>
+              <a:t>expanded_panels_.size</a:t>
             </a:r>
             <a:r>
               <a:rPr lang="en-US" sz="1600" smtClean="0">
@@ -17010,16 +16063,7 @@
                 </a:solidFill>
                 <a:latin typeface="Consolas" panose="020B0609020204030204" pitchFamily="49" charset="0"/>
               </a:rPr>
-              <a:t>expanded_panels_.</a:t>
-            </a:r>
-            <a:r>
-              <a:rPr lang="en-US" sz="1600">
-                <a:solidFill>
-                  <a:srgbClr val="0000FF"/>
-                </a:solidFill>
-                <a:latin typeface="Consolas" panose="020B0609020204030204" pitchFamily="49" charset="0"/>
-              </a:rPr>
-              <a:t>size</a:t>
+              <a:t>expanded_panels_.size</a:t>
             </a:r>
             <a:r>
               <a:rPr lang="en-US" sz="1600" smtClean="0">
@@ -17204,6 +16248,13 @@
   <p:clrMapOvr>
     <a:masterClrMapping/>
   </p:clrMapOvr>
+  <p:timing>
+    <p:tnLst>
+      <p:par>
+        <p:cTn id="1" dur="indefinite" restart="never" nodeType="tmRoot"/>
+      </p:par>
+    </p:tnLst>
+  </p:timing>
 </p:sld>
 </file>
 
@@ -17411,16 +16462,7 @@
                 </a:solidFill>
                 <a:latin typeface="Consolas" panose="020B0609020204030204" pitchFamily="49" charset="0"/>
               </a:rPr>
-              <a:t>expanded_panels_.</a:t>
-            </a:r>
-            <a:r>
-              <a:rPr lang="en-US" sz="1600">
-                <a:solidFill>
-                  <a:srgbClr val="0000FF"/>
-                </a:solidFill>
-                <a:latin typeface="Consolas" panose="020B0609020204030204" pitchFamily="49" charset="0"/>
-              </a:rPr>
-              <a:t>size</a:t>
+              <a:t>expanded_panels_.size</a:t>
             </a:r>
             <a:r>
               <a:rPr lang="en-US" sz="1600" smtClean="0">
@@ -17741,6 +16783,13 @@
   <p:clrMapOvr>
     <a:masterClrMapping/>
   </p:clrMapOvr>
+  <p:timing>
+    <p:tnLst>
+      <p:par>
+        <p:cTn id="1" dur="indefinite" restart="never" nodeType="tmRoot"/>
+      </p:par>
+    </p:tnLst>
+  </p:timing>
 </p:sld>
 </file>
 
@@ -17930,16 +16979,7 @@
                 </a:solidFill>
                 <a:latin typeface="Consolas" panose="020B0609020204030204" pitchFamily="49" charset="0"/>
               </a:rPr>
-              <a:t>expanded_panels_.</a:t>
-            </a:r>
-            <a:r>
-              <a:rPr lang="en-US" sz="1600">
-                <a:solidFill>
-                  <a:srgbClr val="0000FF"/>
-                </a:solidFill>
-                <a:latin typeface="Consolas" panose="020B0609020204030204" pitchFamily="49" charset="0"/>
-              </a:rPr>
-              <a:t>size</a:t>
+              <a:t>expanded_panels_.size</a:t>
             </a:r>
             <a:r>
               <a:rPr lang="en-US" sz="1600" smtClean="0">
@@ -18083,12 +17123,6 @@
                 <a:latin typeface="Consolas" panose="020B0609020204030204" pitchFamily="49" charset="0"/>
               </a:rPr>
               <a:t>= fixed_panel) {</a:t>
-            </a:r>
-            <a:r>
-              <a:rPr lang="en-US" sz="1600">
-                <a:latin typeface="Consolas" panose="020B0609020204030204" pitchFamily="49" charset="0"/>
-              </a:rPr>
-              <a:t/>
             </a:r>
             <a:br>
               <a:rPr lang="en-US" sz="1600">
@@ -18221,6 +17255,13 @@
   <p:clrMapOvr>
     <a:masterClrMapping/>
   </p:clrMapOvr>
+  <p:timing>
+    <p:tnLst>
+      <p:par>
+        <p:cTn id="1" dur="indefinite" restart="never" nodeType="tmRoot"/>
+      </p:par>
+    </p:tnLst>
+  </p:timing>
 </p:sld>
 </file>
 
@@ -18612,12 +17653,6 @@
               </a:rPr>
               <a:t>= fixed_panel) {</a:t>
             </a:r>
-            <a:r>
-              <a:rPr lang="en-US" sz="1600">
-                <a:latin typeface="Consolas" panose="020B0609020204030204" pitchFamily="49" charset="0"/>
-              </a:rPr>
-              <a:t/>
-            </a:r>
             <a:br>
               <a:rPr lang="en-US" sz="1600">
                 <a:latin typeface="Consolas" panose="020B0609020204030204" pitchFamily="49" charset="0"/>
@@ -18737,7 +17772,41 @@
           <a:p>
             <a:r>
               <a:rPr lang="ru-RU" sz="1600" smtClean="0"/>
-              <a:t>Теперь посвеченное это стандартный алгоритм. Кто узнает какой?</a:t>
+              <a:t>Теперь </a:t>
+            </a:r>
+            <a:r>
+              <a:rPr lang="ru-RU" sz="1600" smtClean="0">
+                <a:effectLst>
+                  <a:glow rad="127000">
+                    <a:srgbClr val="FFFF00"/>
+                  </a:glow>
+                </a:effectLst>
+              </a:rPr>
+              <a:t>по</a:t>
+            </a:r>
+            <a:r>
+              <a:rPr lang="ru-RU" sz="1600">
+                <a:effectLst>
+                  <a:glow rad="127000">
+                    <a:srgbClr val="FFFF00"/>
+                  </a:glow>
+                </a:effectLst>
+              </a:rPr>
+              <a:t>д</a:t>
+            </a:r>
+            <a:r>
+              <a:rPr lang="ru-RU" sz="1600" smtClean="0">
+                <a:effectLst>
+                  <a:glow rad="127000">
+                    <a:srgbClr val="FFFF00"/>
+                  </a:glow>
+                </a:effectLst>
+              </a:rPr>
+              <a:t>свеченное</a:t>
+            </a:r>
+            <a:r>
+              <a:rPr lang="ru-RU" sz="1600" smtClean="0"/>
+              <a:t> это стандартный алгоритм. Кто узнает какой?</a:t>
             </a:r>
             <a:endParaRPr lang="en-US" sz="1600" smtClean="0"/>
           </a:p>
@@ -18753,6 +17822,13 @@
   <p:clrMapOvr>
     <a:masterClrMapping/>
   </p:clrMapOvr>
+  <p:timing>
+    <p:tnLst>
+      <p:par>
+        <p:cTn id="1" dur="indefinite" restart="never" nodeType="tmRoot"/>
+      </p:par>
+    </p:tnLst>
+  </p:timing>
 </p:sld>
 </file>
 
@@ -18974,16 +18050,7 @@
                 </a:solidFill>
                 <a:latin typeface="Consolas" panose="020B0609020204030204" pitchFamily="49" charset="0"/>
               </a:rPr>
-              <a:t>// Fix this code: panel is panel </a:t>
-            </a:r>
-            <a:r>
-              <a:rPr lang="en-US" sz="1600">
-                <a:solidFill>
-                  <a:srgbClr val="00B050"/>
-                </a:solidFill>
-                <a:latin typeface="Consolas" panose="020B0609020204030204" pitchFamily="49" charset="0"/>
-              </a:rPr>
-              <a:t>found </a:t>
+              <a:t>// Fix this code: panel is panel found </a:t>
             </a:r>
             <a:r>
               <a:rPr lang="en-US" sz="1600" smtClean="0">
@@ -19043,12 +18110,6 @@
                 <a:latin typeface="Consolas" panose="020B0609020204030204" pitchFamily="49" charset="0"/>
               </a:rPr>
               <a:t>= fixed_panel) {</a:t>
-            </a:r>
-            <a:r>
-              <a:rPr lang="en-US" sz="1600">
-                <a:latin typeface="Consolas" panose="020B0609020204030204" pitchFamily="49" charset="0"/>
-              </a:rPr>
-              <a:t/>
             </a:r>
             <a:br>
               <a:rPr lang="en-US" sz="1600">
@@ -19203,6 +18264,13 @@
   <p:clrMapOvr>
     <a:masterClrMapping/>
   </p:clrMapOvr>
+  <p:timing>
+    <p:tnLst>
+      <p:par>
+        <p:cTn id="1" dur="indefinite" restart="never" nodeType="tmRoot"/>
+      </p:par>
+    </p:tnLst>
+  </p:timing>
 </p:sld>
 </file>
 
@@ -19293,79 +18361,6 @@
             </a:br>
             <a:r>
               <a:rPr lang="en-US" sz="1600" smtClean="0">
-                <a:solidFill>
-                  <a:srgbClr val="00B050"/>
-                </a:solidFill>
-                <a:latin typeface="Consolas" panose="020B0609020204030204" pitchFamily="49" charset="0"/>
-              </a:rPr>
-              <a:t>  // </a:t>
-            </a:r>
-            <a:r>
-              <a:rPr lang="ru-RU" sz="1600" smtClean="0">
-                <a:solidFill>
-                  <a:srgbClr val="00B050"/>
-                </a:solidFill>
-                <a:latin typeface="Consolas" panose="020B0609020204030204" pitchFamily="49" charset="0"/>
-              </a:rPr>
-              <a:t>здесь мы уверены, что </a:t>
-            </a:r>
-            <a:r>
-              <a:rPr lang="en-US" sz="1600" smtClean="0">
-                <a:solidFill>
-                  <a:srgbClr val="00B050"/>
-                </a:solidFill>
-                <a:latin typeface="Consolas" panose="020B0609020204030204" pitchFamily="49" charset="0"/>
-              </a:rPr>
-              <a:t>fixed_index</a:t>
-            </a:r>
-            <a:r>
-              <a:rPr lang="ru-RU" sz="1600" smtClean="0">
-                <a:solidFill>
-                  <a:srgbClr val="00B050"/>
-                </a:solidFill>
-                <a:latin typeface="Consolas" panose="020B0609020204030204" pitchFamily="49" charset="0"/>
-              </a:rPr>
-              <a:t> это индекс для </a:t>
-            </a:r>
-            <a:r>
-              <a:rPr lang="en-US" sz="1600">
-                <a:solidFill>
-                  <a:srgbClr val="00B050"/>
-                </a:solidFill>
-                <a:latin typeface="Consolas" panose="020B0609020204030204" pitchFamily="49" charset="0"/>
-              </a:rPr>
-              <a:t>fixed_panel</a:t>
-            </a:r>
-            <a:r>
-              <a:rPr lang="en-US" sz="1600" smtClean="0">
-                <a:solidFill>
-                  <a:srgbClr val="00B050"/>
-                </a:solidFill>
-                <a:latin typeface="Consolas" panose="020B0609020204030204" pitchFamily="49" charset="0"/>
-              </a:rPr>
-              <a:t/>
-            </a:r>
-            <a:br>
-              <a:rPr lang="en-US" sz="1600" smtClean="0">
-                <a:solidFill>
-                  <a:srgbClr val="00B050"/>
-                </a:solidFill>
-                <a:latin typeface="Consolas" panose="020B0609020204030204" pitchFamily="49" charset="0"/>
-              </a:rPr>
-            </a:br>
-            <a:r>
-              <a:rPr lang="en-US" sz="1600" smtClean="0">
-                <a:latin typeface="Consolas" panose="020B0609020204030204" pitchFamily="49" charset="0"/>
-              </a:rPr>
-              <a:t/>
-            </a:r>
-            <a:br>
-              <a:rPr lang="en-US" sz="1600" smtClean="0">
-                <a:latin typeface="Consolas" panose="020B0609020204030204" pitchFamily="49" charset="0"/>
-              </a:rPr>
-            </a:br>
-            <a:r>
-              <a:rPr lang="en-US" sz="1600" smtClean="0">
                 <a:latin typeface="Consolas" panose="020B0609020204030204" pitchFamily="49" charset="0"/>
               </a:rPr>
               <a:t>  const int center_x = fixed_panel-&gt;cur_panel_center();</a:t>
@@ -19520,13 +18515,7 @@
               <a:rPr lang="en-US" sz="1600">
                 <a:latin typeface="Consolas" panose="020B0609020204030204" pitchFamily="49" charset="0"/>
               </a:rPr>
-              <a:t>= fixed_panel</a:t>
-            </a:r>
-            <a:r>
-              <a:rPr lang="en-US" sz="1600">
-                <a:latin typeface="Consolas" panose="020B0609020204030204" pitchFamily="49" charset="0"/>
-              </a:rPr>
-              <a:t>) </a:t>
+              <a:t>= fixed_panel) </a:t>
             </a:r>
             <a:r>
               <a:rPr lang="en-US" sz="1600" smtClean="0">
@@ -19639,7 +18628,7 @@
           <a:p>
             <a:r>
               <a:rPr lang="ru-RU" sz="1600" smtClean="0"/>
-              <a:t>Ещё идеи? Может наконец сделаем код рабочим заменил </a:t>
+              <a:t>Ещё идеи? Может наконец сделаем код рабочим, заменив </a:t>
             </a:r>
             <a:r>
               <a:rPr lang="en-US" sz="1600" smtClean="0">
@@ -19679,6 +18668,13 @@
   <p:clrMapOvr>
     <a:masterClrMapping/>
   </p:clrMapOvr>
+  <p:timing>
+    <p:tnLst>
+      <p:par>
+        <p:cTn id="1" dur="indefinite" restart="never" nodeType="tmRoot"/>
+      </p:par>
+    </p:tnLst>
+  </p:timing>
 </p:sld>
 </file>
 
@@ -19768,83 +18764,16 @@
               </a:rPr>
             </a:br>
             <a:r>
+              <a:rPr lang="ru-RU" sz="1600" smtClean="0">
+                <a:latin typeface="Consolas" panose="020B0609020204030204" pitchFamily="49" charset="0"/>
+              </a:rPr>
+              <a:t>  </a:t>
+            </a:r>
+            <a:r>
               <a:rPr lang="en-US" sz="1600" smtClean="0">
-                <a:solidFill>
-                  <a:srgbClr val="00B050"/>
-                </a:solidFill>
-                <a:latin typeface="Consolas" panose="020B0609020204030204" pitchFamily="49" charset="0"/>
-              </a:rPr>
-              <a:t>  // </a:t>
-            </a:r>
-            <a:r>
-              <a:rPr lang="ru-RU" sz="1600" smtClean="0">
-                <a:solidFill>
-                  <a:srgbClr val="00B050"/>
-                </a:solidFill>
-                <a:latin typeface="Consolas" panose="020B0609020204030204" pitchFamily="49" charset="0"/>
-              </a:rPr>
-              <a:t>здесь мы уверены, что </a:t>
-            </a:r>
-            <a:r>
-              <a:rPr lang="en-US" sz="1600" smtClean="0">
-                <a:solidFill>
-                  <a:srgbClr val="00B050"/>
-                </a:solidFill>
-                <a:latin typeface="Consolas" panose="020B0609020204030204" pitchFamily="49" charset="0"/>
-              </a:rPr>
-              <a:t>fixed_index</a:t>
-            </a:r>
-            <a:r>
-              <a:rPr lang="ru-RU" sz="1600" smtClean="0">
-                <a:solidFill>
-                  <a:srgbClr val="00B050"/>
-                </a:solidFill>
-                <a:latin typeface="Consolas" panose="020B0609020204030204" pitchFamily="49" charset="0"/>
-              </a:rPr>
-              <a:t> это индекс для </a:t>
-            </a:r>
-            <a:r>
-              <a:rPr lang="en-US" sz="1600">
-                <a:solidFill>
-                  <a:srgbClr val="00B050"/>
-                </a:solidFill>
-                <a:latin typeface="Consolas" panose="020B0609020204030204" pitchFamily="49" charset="0"/>
-              </a:rPr>
-              <a:t>fixed_panel</a:t>
-            </a:r>
-            <a:r>
-              <a:rPr lang="en-US" sz="1600" smtClean="0">
-                <a:solidFill>
-                  <a:srgbClr val="00B050"/>
-                </a:solidFill>
-                <a:latin typeface="Consolas" panose="020B0609020204030204" pitchFamily="49" charset="0"/>
-              </a:rPr>
-              <a:t/>
-            </a:r>
-            <a:br>
-              <a:rPr lang="en-US" sz="1600" smtClean="0">
-                <a:solidFill>
-                  <a:srgbClr val="00B050"/>
-                </a:solidFill>
-                <a:latin typeface="Consolas" panose="020B0609020204030204" pitchFamily="49" charset="0"/>
-              </a:rPr>
-            </a:br>
-            <a:r>
-              <a:rPr lang="en-US" sz="1600" smtClean="0">
-                <a:latin typeface="Consolas" panose="020B0609020204030204" pitchFamily="49" charset="0"/>
-              </a:rPr>
-              <a:t/>
-            </a:r>
-            <a:br>
-              <a:rPr lang="en-US" sz="1600" smtClean="0">
-                <a:latin typeface="Consolas" panose="020B0609020204030204" pitchFamily="49" charset="0"/>
-              </a:rPr>
-            </a:br>
-            <a:r>
-              <a:rPr lang="en-US" sz="1600" smtClean="0">
-                <a:latin typeface="Consolas" panose="020B0609020204030204" pitchFamily="49" charset="0"/>
-              </a:rPr>
-              <a:t>  const int center_x = fixed_panel-&gt;cur_panel_center();</a:t>
+                <a:latin typeface="Consolas" panose="020B0609020204030204" pitchFamily="49" charset="0"/>
+              </a:rPr>
+              <a:t>const int center_x = fixed_panel-&gt;cur_panel_center();</a:t>
             </a:r>
             <a:r>
               <a:rPr lang="ru-RU" sz="1600" smtClean="0">
@@ -20016,6 +18945,13 @@
   <p:clrMapOvr>
     <a:masterClrMapping/>
   </p:clrMapOvr>
+  <p:timing>
+    <p:tnLst>
+      <p:par>
+        <p:cTn id="1" dur="indefinite" restart="never" nodeType="tmRoot"/>
+      </p:par>
+    </p:tnLst>
+  </p:timing>
 </p:sld>
 </file>
 
@@ -20098,6 +19034,13 @@
   <p:clrMapOvr>
     <a:masterClrMapping/>
   </p:clrMapOvr>
+  <p:timing>
+    <p:tnLst>
+      <p:par>
+        <p:cTn id="1" dur="indefinite" restart="never" nodeType="tmRoot"/>
+      </p:par>
+    </p:tnLst>
+  </p:timing>
 </p:sld>
 </file>
 
@@ -20341,6 +19284,13 @@
   <p:clrMapOvr>
     <a:masterClrMapping/>
   </p:clrMapOvr>
+  <p:timing>
+    <p:tnLst>
+      <p:par>
+        <p:cTn id="1" dur="indefinite" restart="never" nodeType="tmRoot"/>
+      </p:par>
+    </p:tnLst>
+  </p:timing>
 </p:sld>
 </file>
 
@@ -20392,13 +19342,8 @@
             </a:pPr>
             <a:r>
               <a:rPr lang="ru-RU" sz="4800" smtClean="0"/>
-              <a:t> </a:t>
-            </a:r>
-            <a:r>
-              <a:rPr lang="ru-RU" sz="4800" smtClean="0"/>
-              <a:t>Введение в алгоритмы</a:t>
-            </a:r>
-            <a:endParaRPr lang="ru-RU" sz="4800" smtClean="0"/>
+              <a:t> Введение в алгоритмы</a:t>
+            </a:r>
           </a:p>
           <a:p>
             <a:pPr>
@@ -20410,13 +19355,8 @@
             </a:pPr>
             <a:r>
               <a:rPr lang="ru-RU" sz="4800" smtClean="0"/>
-              <a:t> </a:t>
-            </a:r>
-            <a:r>
-              <a:rPr lang="ru-RU" sz="4800" smtClean="0"/>
-              <a:t>Абстракция циклов</a:t>
-            </a:r>
-            <a:endParaRPr lang="ru-RU" sz="4800" smtClean="0"/>
+              <a:t> Абстракция циклов</a:t>
+            </a:r>
           </a:p>
           <a:p>
             <a:pPr>
@@ -20428,11 +19368,7 @@
             </a:pPr>
             <a:r>
               <a:rPr lang="ru-RU" sz="4800" smtClean="0"/>
-              <a:t> </a:t>
-            </a:r>
-            <a:r>
-              <a:rPr lang="ru-RU" sz="4800" smtClean="0"/>
-              <a:t>Трансформации</a:t>
+              <a:t> Трансформации</a:t>
             </a:r>
             <a:endParaRPr lang="en-US" sz="4800" smtClean="0"/>
           </a:p>
@@ -20452,7 +19388,6 @@
               <a:rPr lang="ru-RU" sz="4800" smtClean="0"/>
               <a:t>Варианты бинарного поиска</a:t>
             </a:r>
-            <a:endParaRPr lang="ru-RU" sz="4800" smtClean="0"/>
           </a:p>
         </p:txBody>
       </p:sp>
@@ -20466,6 +19401,13 @@
   <p:clrMapOvr>
     <a:masterClrMapping/>
   </p:clrMapOvr>
+  <p:timing>
+    <p:tnLst>
+      <p:par>
+        <p:cTn id="1" dur="indefinite" restart="never" nodeType="tmRoot"/>
+      </p:par>
+    </p:tnLst>
+  </p:timing>
 </p:sld>
 </file>
 
@@ -20606,6 +19548,13 @@
   <p:clrMapOvr>
     <a:masterClrMapping/>
   </p:clrMapOvr>
+  <p:timing>
+    <p:tnLst>
+      <p:par>
+        <p:cTn id="1" dur="indefinite" restart="never" nodeType="tmRoot"/>
+      </p:par>
+    </p:tnLst>
+  </p:timing>
 </p:sld>
 </file>
 
@@ -20827,6 +19776,13 @@
   <p:clrMapOvr>
     <a:masterClrMapping/>
   </p:clrMapOvr>
+  <p:timing>
+    <p:tnLst>
+      <p:par>
+        <p:cTn id="1" dur="indefinite" restart="never" nodeType="tmRoot"/>
+      </p:par>
+    </p:tnLst>
+  </p:timing>
 </p:sld>
 </file>
 
@@ -20870,8 +19826,8 @@
           </a:p>
         </p:txBody>
       </p:sp>
-      <mc:AlternateContent xmlns:mc="http://schemas.openxmlformats.org/markup-compatibility/2006">
-        <mc:Choice xmlns:a14="http://schemas.microsoft.com/office/drawing/2010/main" Requires="a14">
+      <mc:AlternateContent xmlns:mc="http://schemas.openxmlformats.org/markup-compatibility/2006" xmlns:a14="http://schemas.microsoft.com/office/drawing/2010/main">
+        <mc:Choice Requires="a14">
           <p:sp>
             <p:nvSpPr>
               <p:cNvPr id="3" name="Content Placeholder 2"/>
@@ -21015,7 +19971,7 @@
             </p:txBody>
           </p:sp>
         </mc:Choice>
-        <mc:Fallback>
+        <mc:Fallback xmlns="">
           <p:sp>
             <p:nvSpPr>
               <p:cNvPr id="3" name="Content Placeholder 2"/>
@@ -21063,6 +20019,13 @@
   <p:clrMapOvr>
     <a:masterClrMapping/>
   </p:clrMapOvr>
+  <p:timing>
+    <p:tnLst>
+      <p:par>
+        <p:cTn id="1" dur="indefinite" restart="never" nodeType="tmRoot"/>
+      </p:par>
+    </p:tnLst>
+  </p:timing>
 </p:sld>
 </file>
 
@@ -21106,8 +20069,8 @@
           </a:p>
         </p:txBody>
       </p:sp>
-      <mc:AlternateContent xmlns:mc="http://schemas.openxmlformats.org/markup-compatibility/2006">
-        <mc:Choice xmlns:a14="http://schemas.microsoft.com/office/drawing/2010/main" Requires="a14">
+      <mc:AlternateContent xmlns:mc="http://schemas.openxmlformats.org/markup-compatibility/2006" xmlns:a14="http://schemas.microsoft.com/office/drawing/2010/main">
+        <mc:Choice Requires="a14">
           <p:sp>
             <p:nvSpPr>
               <p:cNvPr id="3" name="Content Placeholder 2"/>
@@ -21243,7 +20206,7 @@
             </p:txBody>
           </p:sp>
         </mc:Choice>
-        <mc:Fallback>
+        <mc:Fallback xmlns="">
           <p:sp>
             <p:nvSpPr>
               <p:cNvPr id="3" name="Content Placeholder 2"/>
@@ -21291,6 +20254,13 @@
   <p:clrMapOvr>
     <a:masterClrMapping/>
   </p:clrMapOvr>
+  <p:timing>
+    <p:tnLst>
+      <p:par>
+        <p:cTn id="1" dur="indefinite" restart="never" nodeType="tmRoot"/>
+      </p:par>
+    </p:tnLst>
+  </p:timing>
 </p:sld>
 </file>
 
@@ -21469,6 +20439,13 @@
   <p:clrMapOvr>
     <a:masterClrMapping/>
   </p:clrMapOvr>
+  <p:timing>
+    <p:tnLst>
+      <p:par>
+        <p:cTn id="1" dur="indefinite" restart="never" nodeType="tmRoot"/>
+      </p:par>
+    </p:tnLst>
+  </p:timing>
 </p:sld>
 </file>
 
@@ -21751,6 +20728,13 @@
   <p:clrMapOvr>
     <a:masterClrMapping/>
   </p:clrMapOvr>
+  <p:timing>
+    <p:tnLst>
+      <p:par>
+        <p:cTn id="1" dur="indefinite" restart="never" nodeType="tmRoot"/>
+      </p:par>
+    </p:tnLst>
+  </p:timing>
 </p:sld>
 </file>
 
@@ -21794,8 +20778,8 @@
           </a:p>
         </p:txBody>
       </p:sp>
-      <mc:AlternateContent xmlns:mc="http://schemas.openxmlformats.org/markup-compatibility/2006">
-        <mc:Choice xmlns:a14="http://schemas.microsoft.com/office/drawing/2010/main" Requires="a14">
+      <mc:AlternateContent xmlns:mc="http://schemas.openxmlformats.org/markup-compatibility/2006" xmlns:a14="http://schemas.microsoft.com/office/drawing/2010/main">
+        <mc:Choice Requires="a14">
           <p:sp>
             <p:nvSpPr>
               <p:cNvPr id="3" name="Content Placeholder 2"/>
@@ -21977,7 +20961,7 @@
             </p:txBody>
           </p:sp>
         </mc:Choice>
-        <mc:Fallback>
+        <mc:Fallback xmlns="">
           <p:sp>
             <p:nvSpPr>
               <p:cNvPr id="3" name="Content Placeholder 2"/>
@@ -22025,6 +21009,13 @@
   <p:clrMapOvr>
     <a:masterClrMapping/>
   </p:clrMapOvr>
+  <p:timing>
+    <p:tnLst>
+      <p:par>
+        <p:cTn id="1" dur="indefinite" restart="never" nodeType="tmRoot"/>
+      </p:par>
+    </p:tnLst>
+  </p:timing>
 </p:sld>
 </file>
 
@@ -22231,6 +21222,13 @@
   <p:clrMapOvr>
     <a:masterClrMapping/>
   </p:clrMapOvr>
+  <p:timing>
+    <p:tnLst>
+      <p:par>
+        <p:cTn id="1" dur="indefinite" restart="never" nodeType="tmRoot"/>
+      </p:par>
+    </p:tnLst>
+  </p:timing>
 </p:sld>
 </file>
 
@@ -22454,6 +21452,13 @@
   <p:clrMapOvr>
     <a:masterClrMapping/>
   </p:clrMapOvr>
+  <p:timing>
+    <p:tnLst>
+      <p:par>
+        <p:cTn id="1" dur="indefinite" restart="never" nodeType="tmRoot"/>
+      </p:par>
+    </p:tnLst>
+  </p:timing>
 </p:sld>
 </file>
 
@@ -22738,6 +21743,13 @@
   <p:clrMapOvr>
     <a:masterClrMapping/>
   </p:clrMapOvr>
+  <p:timing>
+    <p:tnLst>
+      <p:par>
+        <p:cTn id="1" dur="indefinite" restart="never" nodeType="tmRoot"/>
+      </p:par>
+    </p:tnLst>
+  </p:timing>
 </p:sld>
 </file>
 
@@ -22912,6 +21924,13 @@
   <p:clrMapOvr>
     <a:masterClrMapping/>
   </p:clrMapOvr>
+  <p:timing>
+    <p:tnLst>
+      <p:par>
+        <p:cTn id="1" dur="indefinite" restart="never" nodeType="tmRoot"/>
+      </p:par>
+    </p:tnLst>
+  </p:timing>
 </p:sld>
 </file>
 
@@ -23102,10 +22121,16 @@
               <a:t>       string </a:t>
             </a:r>
             <a:r>
+              <a:rPr lang="en-US" smtClean="0">
+                <a:latin typeface="Consolas" panose="020B0609020204030204" pitchFamily="49" charset="0"/>
+              </a:rPr>
+              <a:t>temp = de.path</a:t>
+            </a:r>
+            <a:r>
               <a:rPr lang="en-US">
                 <a:latin typeface="Consolas" panose="020B0609020204030204" pitchFamily="49" charset="0"/>
               </a:rPr>
-              <a:t>temp=de.path().string</a:t>
+              <a:t>().string</a:t>
             </a:r>
             <a:r>
               <a:rPr lang="en-US" smtClean="0">
@@ -23276,6 +22301,13 @@
   <p:clrMapOvr>
     <a:masterClrMapping/>
   </p:clrMapOvr>
+  <p:timing>
+    <p:tnLst>
+      <p:par>
+        <p:cTn id="1" dur="indefinite" restart="never" nodeType="tmRoot"/>
+      </p:par>
+    </p:tnLst>
+  </p:timing>
 </p:sld>
 </file>
 
@@ -23390,7 +22422,22 @@
               <a:rPr lang="en-US">
                 <a:latin typeface="Consolas" panose="020B0609020204030204" pitchFamily="49" charset="0"/>
               </a:rPr>
-              <a:t>(make_move_iterator(buffer.begin</a:t>
+              <a:t>(</a:t>
+            </a:r>
+            <a:r>
+              <a:rPr lang="en-US">
+                <a:solidFill>
+                  <a:srgbClr val="0000FF"/>
+                </a:solidFill>
+                <a:latin typeface="Consolas" panose="020B0609020204030204" pitchFamily="49" charset="0"/>
+              </a:rPr>
+              <a:t>make_move_iterator</a:t>
+            </a:r>
+            <a:r>
+              <a:rPr lang="en-US">
+                <a:latin typeface="Consolas" panose="020B0609020204030204" pitchFamily="49" charset="0"/>
+              </a:rPr>
+              <a:t>(buffer.begin</a:t>
             </a:r>
             <a:r>
               <a:rPr lang="en-US" smtClean="0">
@@ -23496,15 +22543,27 @@
             </a:r>
             <a:r>
               <a:rPr lang="en-US">
+                <a:solidFill>
+                  <a:srgbClr val="0000FF"/>
+                </a:solidFill>
                 <a:latin typeface="Consolas" panose="020B0609020204030204" pitchFamily="49" charset="0"/>
               </a:rPr>
               <a:t>boost::filesystem::directory_entry </a:t>
             </a:r>
             <a:r>
               <a:rPr lang="en-US" smtClean="0">
-                <a:latin typeface="Consolas" panose="020B0609020204030204" pitchFamily="49" charset="0"/>
-              </a:rPr>
-              <a:t>&amp;&amp;de)</a:t>
+                <a:solidFill>
+                  <a:srgbClr val="0000FF"/>
+                </a:solidFill>
+                <a:latin typeface="Consolas" panose="020B0609020204030204" pitchFamily="49" charset="0"/>
+              </a:rPr>
+              <a:t>&amp;&amp;</a:t>
+            </a:r>
+            <a:r>
+              <a:rPr lang="en-US" smtClean="0">
+                <a:latin typeface="Consolas" panose="020B0609020204030204" pitchFamily="49" charset="0"/>
+              </a:rPr>
+              <a:t>de)</a:t>
             </a:r>
             <a:r>
               <a:rPr lang="ru-RU" smtClean="0">
@@ -23542,10 +22601,16 @@
               <a:t>       string </a:t>
             </a:r>
             <a:r>
+              <a:rPr lang="en-US" smtClean="0">
+                <a:latin typeface="Consolas" panose="020B0609020204030204" pitchFamily="49" charset="0"/>
+              </a:rPr>
+              <a:t>temp = de.path</a:t>
+            </a:r>
+            <a:r>
               <a:rPr lang="en-US">
                 <a:latin typeface="Consolas" panose="020B0609020204030204" pitchFamily="49" charset="0"/>
               </a:rPr>
-              <a:t>temp=de.path().string</a:t>
+              <a:t>().string</a:t>
             </a:r>
             <a:r>
               <a:rPr lang="en-US" smtClean="0">
@@ -23709,6 +22774,13 @@
   <p:clrMapOvr>
     <a:masterClrMapping/>
   </p:clrMapOvr>
+  <p:timing>
+    <p:tnLst>
+      <p:par>
+        <p:cTn id="1" dur="indefinite" restart="never" nodeType="tmRoot"/>
+      </p:par>
+    </p:tnLst>
+  </p:timing>
 </p:sld>
 </file>
 
@@ -23922,6 +22994,13 @@
   <p:clrMapOvr>
     <a:masterClrMapping/>
   </p:clrMapOvr>
+  <p:timing>
+    <p:tnLst>
+      <p:par>
+        <p:cTn id="1" dur="indefinite" restart="never" nodeType="tmRoot"/>
+      </p:par>
+    </p:tnLst>
+  </p:timing>
 </p:sld>
 </file>
 
@@ -24074,15 +23153,7 @@
           <a:p>
             <a:r>
               <a:rPr lang="ru-RU" smtClean="0"/>
-              <a:t>Обсуждение: возможно вы предпочли бы явный цикл</a:t>
-            </a:r>
-            <a:r>
-              <a:rPr lang="en-US" smtClean="0"/>
-              <a:t>?</a:t>
-            </a:r>
-            <a:r>
-              <a:rPr lang="ru-RU" smtClean="0"/>
-              <a:t> Как его записать?</a:t>
+              <a:t>Синтаксис не слишком удачен, конечно</a:t>
             </a:r>
           </a:p>
         </p:txBody>
@@ -24097,6 +23168,13 @@
   <p:clrMapOvr>
     <a:masterClrMapping/>
   </p:clrMapOvr>
+  <p:timing>
+    <p:tnLst>
+      <p:par>
+        <p:cTn id="1" dur="indefinite" restart="never" nodeType="tmRoot"/>
+      </p:par>
+    </p:tnLst>
+  </p:timing>
 </p:sld>
 </file>
 
@@ -24181,15 +23259,7 @@
             </a:r>
             <a:r>
               <a:rPr lang="ru-RU" smtClean="0"/>
-              <a:t>в </a:t>
-            </a:r>
-            <a:r>
-              <a:rPr lang="ru-RU" smtClean="0"/>
-              <a:t>функциональном </a:t>
-            </a:r>
-            <a:r>
-              <a:rPr lang="ru-RU" smtClean="0"/>
-              <a:t>программировании</a:t>
+              <a:t>в функциональном программировании</a:t>
             </a:r>
             <a:endParaRPr lang="en-US"/>
           </a:p>
@@ -24205,6 +23275,13 @@
   <p:clrMapOvr>
     <a:masterClrMapping/>
   </p:clrMapOvr>
+  <p:timing>
+    <p:tnLst>
+      <p:par>
+        <p:cTn id="1" dur="indefinite" restart="never" nodeType="tmRoot"/>
+      </p:par>
+    </p:tnLst>
+  </p:timing>
 </p:sld>
 </file>
 
@@ -24256,13 +23333,8 @@
             </a:pPr>
             <a:r>
               <a:rPr lang="ru-RU" sz="4800" smtClean="0"/>
-              <a:t> </a:t>
-            </a:r>
-            <a:r>
-              <a:rPr lang="ru-RU" sz="4800" smtClean="0"/>
-              <a:t>Введение в алгоритмы</a:t>
-            </a:r>
-            <a:endParaRPr lang="ru-RU" sz="4800" smtClean="0"/>
+              <a:t> Введение в алгоритмы</a:t>
+            </a:r>
           </a:p>
           <a:p>
             <a:pPr>
@@ -24274,13 +23346,8 @@
             </a:pPr>
             <a:r>
               <a:rPr lang="ru-RU" sz="4800" smtClean="0"/>
-              <a:t> </a:t>
-            </a:r>
-            <a:r>
-              <a:rPr lang="ru-RU" sz="4800" smtClean="0"/>
-              <a:t>Абстракция циклов</a:t>
-            </a:r>
-            <a:endParaRPr lang="ru-RU" sz="4800" smtClean="0"/>
+              <a:t> Абстракция циклов</a:t>
+            </a:r>
           </a:p>
           <a:p>
             <a:pPr>
@@ -24292,11 +23359,7 @@
             </a:pPr>
             <a:r>
               <a:rPr lang="ru-RU" sz="4800" smtClean="0"/>
-              <a:t> </a:t>
-            </a:r>
-            <a:r>
-              <a:rPr lang="ru-RU" sz="4800" smtClean="0"/>
-              <a:t>Трансформации</a:t>
+              <a:t> Трансформации</a:t>
             </a:r>
             <a:endParaRPr lang="en-US" sz="4800" smtClean="0"/>
           </a:p>
@@ -24316,7 +23379,6 @@
               <a:rPr lang="ru-RU" sz="4800" smtClean="0"/>
               <a:t>Варианты бинарного поиска</a:t>
             </a:r>
-            <a:endParaRPr lang="ru-RU" sz="4800" smtClean="0"/>
           </a:p>
         </p:txBody>
       </p:sp>
@@ -24330,6 +23392,13 @@
   <p:clrMapOvr>
     <a:masterClrMapping/>
   </p:clrMapOvr>
+  <p:timing>
+    <p:tnLst>
+      <p:par>
+        <p:cTn id="1" dur="indefinite" restart="never" nodeType="tmRoot"/>
+      </p:par>
+    </p:tnLst>
+  </p:timing>
 </p:sld>
 </file>
 
@@ -24483,7 +23552,19 @@
               <a:rPr lang="en-US" smtClean="0">
                 <a:latin typeface="Consolas" panose="020B0609020204030204" pitchFamily="49" charset="0"/>
               </a:rPr>
-              <a:t>if (binary_search (v.begin(), v.end(), 37) {</a:t>
+              <a:t>if (binary_search (v.begin(), v.end(), 37</a:t>
+            </a:r>
+            <a:r>
+              <a:rPr lang="en-US" smtClean="0">
+                <a:latin typeface="Consolas" panose="020B0609020204030204" pitchFamily="49" charset="0"/>
+              </a:rPr>
+              <a:t>)) </a:t>
+            </a:r>
+            <a:r>
+              <a:rPr lang="en-US" smtClean="0">
+                <a:latin typeface="Consolas" panose="020B0609020204030204" pitchFamily="49" charset="0"/>
+              </a:rPr>
+              <a:t>{</a:t>
             </a:r>
           </a:p>
           <a:p>
@@ -24538,6 +23619,13 @@
   <p:clrMapOvr>
     <a:masterClrMapping/>
   </p:clrMapOvr>
+  <p:timing>
+    <p:tnLst>
+      <p:par>
+        <p:cTn id="1" dur="indefinite" restart="never" nodeType="tmRoot"/>
+      </p:par>
+    </p:tnLst>
+  </p:timing>
 </p:sld>
 </file>
 
@@ -24703,6 +23791,13 @@
   <p:clrMapOvr>
     <a:masterClrMapping/>
   </p:clrMapOvr>
+  <p:timing>
+    <p:tnLst>
+      <p:par>
+        <p:cTn id="1" dur="indefinite" restart="never" nodeType="tmRoot"/>
+      </p:par>
+    </p:tnLst>
+  </p:timing>
 </p:sld>
 </file>
 
@@ -26171,6 +25266,13 @@
   <p:clrMapOvr>
     <a:masterClrMapping/>
   </p:clrMapOvr>
+  <p:timing>
+    <p:tnLst>
+      <p:par>
+        <p:cTn id="1" dur="indefinite" restart="never" nodeType="tmRoot"/>
+      </p:par>
+    </p:tnLst>
+  </p:timing>
 </p:sld>
 </file>
 
@@ -26451,6 +25553,13 @@
   <p:clrMapOvr>
     <a:masterClrMapping/>
   </p:clrMapOvr>
+  <p:timing>
+    <p:tnLst>
+      <p:par>
+        <p:cTn id="1" dur="indefinite" restart="never" nodeType="tmRoot"/>
+      </p:par>
+    </p:tnLst>
+  </p:timing>
 </p:sld>
 </file>
 
@@ -26618,13 +25727,7 @@
               <a:rPr lang="en-US" sz="1600">
                 <a:latin typeface="Consolas" panose="020B0609020204030204" pitchFamily="49" charset="0"/>
               </a:rPr>
-              <a:t>expanded_panels_.</a:t>
-            </a:r>
-            <a:r>
-              <a:rPr lang="en-US" sz="1600">
-                <a:latin typeface="Consolas" panose="020B0609020204030204" pitchFamily="49" charset="0"/>
-              </a:rPr>
-              <a:t>size</a:t>
+              <a:t>expanded_panels_.size</a:t>
             </a:r>
             <a:r>
               <a:rPr lang="en-US" sz="1600" smtClean="0">
@@ -26716,13 +25819,7 @@
               <a:rPr lang="en-US" sz="1600">
                 <a:latin typeface="Consolas" panose="020B0609020204030204" pitchFamily="49" charset="0"/>
               </a:rPr>
-              <a:t>expanded_panels_.</a:t>
-            </a:r>
-            <a:r>
-              <a:rPr lang="en-US" sz="1600">
-                <a:latin typeface="Consolas" panose="020B0609020204030204" pitchFamily="49" charset="0"/>
-              </a:rPr>
-              <a:t>size</a:t>
+              <a:t>expanded_panels_.size</a:t>
             </a:r>
             <a:r>
               <a:rPr lang="en-US" sz="1600" smtClean="0">
@@ -26853,6 +25950,13 @@
   <p:clrMapOvr>
     <a:masterClrMapping/>
   </p:clrMapOvr>
+  <p:timing>
+    <p:tnLst>
+      <p:par>
+        <p:cTn id="1" dur="indefinite" restart="never" nodeType="tmRoot"/>
+      </p:par>
+    </p:tnLst>
+  </p:timing>
 </p:sld>
 </file>
 
@@ -27411,16 +26515,7 @@
                 </a:solidFill>
                 <a:latin typeface="Consolas" panose="020B0609020204030204" pitchFamily="49" charset="0"/>
               </a:rPr>
-              <a:t>e-&gt;cur_panel_center</a:t>
-            </a:r>
-            <a:r>
-              <a:rPr lang="en-US" sz="1600">
-                <a:solidFill>
-                  <a:srgbClr val="0000FF"/>
-                </a:solidFill>
-                <a:latin typeface="Consolas" panose="020B0609020204030204" pitchFamily="49" charset="0"/>
-              </a:rPr>
-              <a:t>()</a:t>
+              <a:t>e-&gt;cur_panel_center()</a:t>
             </a:r>
             <a:r>
               <a:rPr lang="en-US" sz="1600" smtClean="0">
@@ -28019,11 +27114,7 @@
             </a:r>
             <a:r>
               <a:rPr lang="ru-RU" smtClean="0"/>
-              <a:t>привыкли к контролю времени компиляции. Можно ли устроить контроль времени компиляции на сортированность интервала</a:t>
-            </a:r>
-            <a:r>
-              <a:rPr lang="ru-RU" smtClean="0"/>
-              <a:t>?</a:t>
+              <a:t>привыкли к контролю времени компиляции. Можно ли устроить контроль времени компиляции на сортированность интервала?</a:t>
             </a:r>
           </a:p>
         </p:txBody>
@@ -28108,16 +27199,11 @@
               <a:rPr lang="ru-RU" smtClean="0"/>
               <a:t>привыкли к контролю времени компиляции. Можно ли устроить контроль времени компиляции на сортированность интервала? </a:t>
             </a:r>
-            <a:endParaRPr lang="ru-RU" smtClean="0"/>
           </a:p>
           <a:p>
             <a:r>
               <a:rPr lang="ru-RU" smtClean="0"/>
-              <a:t>Тут </a:t>
-            </a:r>
-            <a:r>
-              <a:rPr lang="ru-RU" smtClean="0"/>
-              <a:t>надо подумать о том, что сортированность это инвариант и мы </a:t>
+              <a:t>Тут надо подумать о том, что сортированность это инвариант и мы </a:t>
             </a:r>
             <a:r>
               <a:rPr lang="ru-RU" b="1" smtClean="0"/>
@@ -28184,8 +27270,8 @@
           </a:p>
         </p:txBody>
       </p:sp>
-      <mc:AlternateContent xmlns:mc="http://schemas.openxmlformats.org/markup-compatibility/2006">
-        <mc:Choice xmlns:a14="http://schemas.microsoft.com/office/drawing/2010/main" Requires="a14">
+      <mc:AlternateContent xmlns:mc="http://schemas.openxmlformats.org/markup-compatibility/2006" xmlns:a14="http://schemas.microsoft.com/office/drawing/2010/main">
+        <mc:Choice Requires="a14">
           <p:sp>
             <p:nvSpPr>
               <p:cNvPr id="3" name="Content Placeholder 2"/>
@@ -28424,7 +27510,7 @@
             </p:txBody>
           </p:sp>
         </mc:Choice>
-        <mc:Fallback>
+        <mc:Fallback xmlns="">
           <p:sp>
             <p:nvSpPr>
               <p:cNvPr id="3" name="Content Placeholder 2"/>
@@ -28471,6 +27557,82 @@
 </p:sld>
 </file>
 
+<file path=ppt/slides/slide69.xml><?xml version="1.0" encoding="utf-8"?>
+<p:sld xmlns:a="http://schemas.openxmlformats.org/drawingml/2006/main" xmlns:r="http://schemas.openxmlformats.org/officeDocument/2006/relationships" xmlns:p="http://schemas.openxmlformats.org/presentationml/2006/main">
+  <p:cSld>
+    <p:spTree>
+      <p:nvGrpSpPr>
+        <p:cNvPr id="1" name=""/>
+        <p:cNvGrpSpPr/>
+        <p:nvPr/>
+      </p:nvGrpSpPr>
+      <p:grpSpPr>
+        <a:xfrm>
+          <a:off x="0" y="0"/>
+          <a:ext cx="0" cy="0"/>
+          <a:chOff x="0" y="0"/>
+          <a:chExt cx="0" cy="0"/>
+        </a:xfrm>
+      </p:grpSpPr>
+      <p:sp>
+        <p:nvSpPr>
+          <p:cNvPr id="4" name="Title 3"/>
+          <p:cNvSpPr>
+            <a:spLocks noGrp="1"/>
+          </p:cNvSpPr>
+          <p:nvPr>
+            <p:ph type="title"/>
+          </p:nvPr>
+        </p:nvSpPr>
+        <p:spPr/>
+        <p:txBody>
+          <a:bodyPr/>
+          <a:lstStyle/>
+          <a:p>
+            <a:r>
+              <a:rPr lang="en-US" smtClean="0"/>
+              <a:t>CASE STUDY</a:t>
+            </a:r>
+            <a:endParaRPr lang="en-US"/>
+          </a:p>
+        </p:txBody>
+      </p:sp>
+      <p:sp>
+        <p:nvSpPr>
+          <p:cNvPr id="5" name="Text Placeholder 4"/>
+          <p:cNvSpPr>
+            <a:spLocks noGrp="1"/>
+          </p:cNvSpPr>
+          <p:nvPr>
+            <p:ph type="body" idx="1"/>
+          </p:nvPr>
+        </p:nvSpPr>
+        <p:spPr/>
+        <p:txBody>
+          <a:bodyPr/>
+          <a:lstStyle/>
+          <a:p>
+            <a:r>
+              <a:rPr lang="ru-RU" smtClean="0"/>
+              <a:t>Циклические перестановки</a:t>
+            </a:r>
+            <a:endParaRPr lang="en-US"/>
+          </a:p>
+        </p:txBody>
+      </p:sp>
+    </p:spTree>
+    <p:extLst>
+      <p:ext uri="{BB962C8B-B14F-4D97-AF65-F5344CB8AC3E}">
+        <p14:creationId xmlns:p14="http://schemas.microsoft.com/office/powerpoint/2010/main" val="1713271876"/>
+      </p:ext>
+    </p:extLst>
+  </p:cSld>
+  <p:clrMapOvr>
+    <a:masterClrMapping/>
+  </p:clrMapOvr>
+</p:sld>
+</file>
+
 <file path=ppt/slides/slide7.xml><?xml version="1.0" encoding="utf-8"?>
 <p:sld xmlns:a="http://schemas.openxmlformats.org/drawingml/2006/main" xmlns:r="http://schemas.openxmlformats.org/officeDocument/2006/relationships" xmlns:p="http://schemas.openxmlformats.org/presentationml/2006/main">
   <p:cSld>
@@ -28815,6 +27977,3101 @@
     <p:extLst>
       <p:ext uri="{BB962C8B-B14F-4D97-AF65-F5344CB8AC3E}">
         <p14:creationId xmlns:p14="http://schemas.microsoft.com/office/powerpoint/2010/main" val="1637377271"/>
+      </p:ext>
+    </p:extLst>
+  </p:cSld>
+  <p:clrMapOvr>
+    <a:masterClrMapping/>
+  </p:clrMapOvr>
+  <p:timing>
+    <p:tnLst>
+      <p:par>
+        <p:cTn id="1" dur="indefinite" restart="never" nodeType="tmRoot"/>
+      </p:par>
+    </p:tnLst>
+  </p:timing>
+</p:sld>
+</file>
+
+<file path=ppt/slides/slide70.xml><?xml version="1.0" encoding="utf-8"?>
+<p:sld xmlns:a="http://schemas.openxmlformats.org/drawingml/2006/main" xmlns:r="http://schemas.openxmlformats.org/officeDocument/2006/relationships" xmlns:p="http://schemas.openxmlformats.org/presentationml/2006/main">
+  <p:cSld>
+    <p:spTree>
+      <p:nvGrpSpPr>
+        <p:cNvPr id="1" name=""/>
+        <p:cNvGrpSpPr/>
+        <p:nvPr/>
+      </p:nvGrpSpPr>
+      <p:grpSpPr>
+        <a:xfrm>
+          <a:off x="0" y="0"/>
+          <a:ext cx="0" cy="0"/>
+          <a:chOff x="0" y="0"/>
+          <a:chExt cx="0" cy="0"/>
+        </a:xfrm>
+      </p:grpSpPr>
+      <p:sp>
+        <p:nvSpPr>
+          <p:cNvPr id="2" name="Title 1"/>
+          <p:cNvSpPr>
+            <a:spLocks noGrp="1"/>
+          </p:cNvSpPr>
+          <p:nvPr>
+            <p:ph type="title"/>
+          </p:nvPr>
+        </p:nvSpPr>
+        <p:spPr/>
+        <p:txBody>
+          <a:bodyPr/>
+          <a:lstStyle/>
+          <a:p>
+            <a:r>
+              <a:rPr lang="ru-RU" smtClean="0"/>
+              <a:t>Циклические перестановки</a:t>
+            </a:r>
+            <a:endParaRPr lang="en-US"/>
+          </a:p>
+        </p:txBody>
+      </p:sp>
+      <p:sp>
+        <p:nvSpPr>
+          <p:cNvPr id="3" name="Content Placeholder 2"/>
+          <p:cNvSpPr>
+            <a:spLocks noGrp="1"/>
+          </p:cNvSpPr>
+          <p:nvPr>
+            <p:ph idx="1"/>
+          </p:nvPr>
+        </p:nvSpPr>
+        <p:spPr/>
+        <p:txBody>
+          <a:bodyPr/>
+          <a:lstStyle/>
+          <a:p>
+            <a:r>
+              <a:rPr lang="ru-RU" smtClean="0"/>
+              <a:t>Мы можем кодировать перестановки любых объектов как циклические перестановки. </a:t>
+            </a:r>
+            <a:endParaRPr lang="en-US" smtClean="0"/>
+          </a:p>
+          <a:p>
+            <a:r>
+              <a:rPr lang="ru-RU" smtClean="0"/>
+              <a:t>Простейший цикл это </a:t>
+            </a:r>
+            <a:r>
+              <a:rPr lang="en-US" smtClean="0">
+                <a:latin typeface="Consolas" panose="020B0609020204030204" pitchFamily="49" charset="0"/>
+              </a:rPr>
+              <a:t>(1 2) </a:t>
+            </a:r>
+            <a:r>
+              <a:rPr lang="ru-RU" smtClean="0"/>
+              <a:t>означает</a:t>
+            </a:r>
+            <a:r>
+              <a:rPr lang="en-US" smtClean="0"/>
+              <a:t> </a:t>
+            </a:r>
+            <a:r>
+              <a:rPr lang="en-US" smtClean="0">
+                <a:latin typeface="Consolas" panose="020B0609020204030204" pitchFamily="49" charset="0"/>
+              </a:rPr>
+              <a:t>1 </a:t>
+            </a:r>
+            <a:r>
+              <a:rPr lang="ru-RU" smtClean="0">
+                <a:latin typeface="Consolas" panose="020B0609020204030204" pitchFamily="49" charset="0"/>
+                <a:sym typeface="Symbol" panose="05050102010706020507" pitchFamily="18" charset="2"/>
+              </a:rPr>
+              <a:t> </a:t>
+            </a:r>
+            <a:r>
+              <a:rPr lang="en-US" smtClean="0">
+                <a:latin typeface="Consolas" panose="020B0609020204030204" pitchFamily="49" charset="0"/>
+                <a:sym typeface="Symbol" panose="05050102010706020507" pitchFamily="18" charset="2"/>
+              </a:rPr>
+              <a:t>2, 2 </a:t>
+            </a:r>
+            <a:r>
+              <a:rPr lang="ru-RU" smtClean="0">
+                <a:latin typeface="Consolas" panose="020B0609020204030204" pitchFamily="49" charset="0"/>
+                <a:sym typeface="Symbol" panose="05050102010706020507" pitchFamily="18" charset="2"/>
+              </a:rPr>
+              <a:t></a:t>
+            </a:r>
+            <a:r>
+              <a:rPr lang="en-US" smtClean="0">
+                <a:latin typeface="Consolas" panose="020B0609020204030204" pitchFamily="49" charset="0"/>
+                <a:sym typeface="Symbol" panose="05050102010706020507" pitchFamily="18" charset="2"/>
+              </a:rPr>
+              <a:t> 1</a:t>
+            </a:r>
+            <a:endParaRPr lang="ru-RU" smtClean="0">
+              <a:latin typeface="Consolas" panose="020B0609020204030204" pitchFamily="49" charset="0"/>
+            </a:endParaRPr>
+          </a:p>
+          <a:p>
+            <a:r>
+              <a:rPr lang="en-US" smtClean="0">
+                <a:latin typeface="Consolas" panose="020B0609020204030204" pitchFamily="49" charset="0"/>
+              </a:rPr>
+              <a:t>(</a:t>
+            </a:r>
+            <a:r>
+              <a:rPr lang="en-US">
+                <a:latin typeface="Consolas" panose="020B0609020204030204" pitchFamily="49" charset="0"/>
+              </a:rPr>
+              <a:t>2 3 </a:t>
+            </a:r>
+            <a:r>
+              <a:rPr lang="en-US" smtClean="0">
+                <a:latin typeface="Consolas" panose="020B0609020204030204" pitchFamily="49" charset="0"/>
+              </a:rPr>
+              <a:t>1)</a:t>
+            </a:r>
+            <a:r>
+              <a:rPr lang="en-US" smtClean="0"/>
+              <a:t> </a:t>
+            </a:r>
+            <a:r>
+              <a:rPr lang="ru-RU" smtClean="0"/>
+              <a:t>означает</a:t>
+            </a:r>
+            <a:r>
+              <a:rPr lang="en-US" smtClean="0"/>
+              <a:t> </a:t>
+            </a:r>
+            <a:r>
+              <a:rPr lang="ru-RU" smtClean="0">
+                <a:latin typeface="Consolas" panose="020B0609020204030204" pitchFamily="49" charset="0"/>
+              </a:rPr>
+              <a:t>2 </a:t>
+            </a:r>
+            <a:r>
+              <a:rPr lang="ru-RU">
+                <a:latin typeface="Consolas" panose="020B0609020204030204" pitchFamily="49" charset="0"/>
+                <a:sym typeface="Symbol" panose="05050102010706020507" pitchFamily="18" charset="2"/>
+              </a:rPr>
+              <a:t> </a:t>
+            </a:r>
+            <a:r>
+              <a:rPr lang="ru-RU" smtClean="0">
+                <a:latin typeface="Consolas" panose="020B0609020204030204" pitchFamily="49" charset="0"/>
+                <a:sym typeface="Symbol" panose="05050102010706020507" pitchFamily="18" charset="2"/>
+              </a:rPr>
+              <a:t>3</a:t>
+            </a:r>
+            <a:r>
+              <a:rPr lang="en-US">
+                <a:latin typeface="Consolas" panose="020B0609020204030204" pitchFamily="49" charset="0"/>
+                <a:sym typeface="Symbol" panose="05050102010706020507" pitchFamily="18" charset="2"/>
+              </a:rPr>
+              <a:t>, </a:t>
+            </a:r>
+            <a:r>
+              <a:rPr lang="en-US" smtClean="0">
+                <a:latin typeface="Consolas" panose="020B0609020204030204" pitchFamily="49" charset="0"/>
+              </a:rPr>
+              <a:t>3</a:t>
+            </a:r>
+            <a:r>
+              <a:rPr lang="ru-RU" smtClean="0">
+                <a:latin typeface="Consolas" panose="020B0609020204030204" pitchFamily="49" charset="0"/>
+              </a:rPr>
+              <a:t> </a:t>
+            </a:r>
+            <a:r>
+              <a:rPr lang="ru-RU">
+                <a:latin typeface="Consolas" panose="020B0609020204030204" pitchFamily="49" charset="0"/>
+                <a:sym typeface="Symbol" panose="05050102010706020507" pitchFamily="18" charset="2"/>
+              </a:rPr>
+              <a:t> </a:t>
+            </a:r>
+            <a:r>
+              <a:rPr lang="en-US" smtClean="0">
+                <a:latin typeface="Consolas" panose="020B0609020204030204" pitchFamily="49" charset="0"/>
+                <a:sym typeface="Symbol" panose="05050102010706020507" pitchFamily="18" charset="2"/>
+              </a:rPr>
+              <a:t>1</a:t>
+            </a:r>
+            <a:r>
+              <a:rPr lang="en-US">
+                <a:latin typeface="Consolas" panose="020B0609020204030204" pitchFamily="49" charset="0"/>
+                <a:sym typeface="Symbol" panose="05050102010706020507" pitchFamily="18" charset="2"/>
+              </a:rPr>
+              <a:t>, </a:t>
+            </a:r>
+            <a:r>
+              <a:rPr lang="en-US" smtClean="0">
+                <a:latin typeface="Consolas" panose="020B0609020204030204" pitchFamily="49" charset="0"/>
+                <a:sym typeface="Symbol" panose="05050102010706020507" pitchFamily="18" charset="2"/>
+              </a:rPr>
+              <a:t>1</a:t>
+            </a:r>
+            <a:r>
+              <a:rPr lang="ru-RU" smtClean="0">
+                <a:latin typeface="Consolas" panose="020B0609020204030204" pitchFamily="49" charset="0"/>
+              </a:rPr>
+              <a:t> </a:t>
+            </a:r>
+            <a:r>
+              <a:rPr lang="ru-RU">
+                <a:latin typeface="Consolas" panose="020B0609020204030204" pitchFamily="49" charset="0"/>
+                <a:sym typeface="Symbol" panose="05050102010706020507" pitchFamily="18" charset="2"/>
+              </a:rPr>
+              <a:t> </a:t>
+            </a:r>
+            <a:r>
+              <a:rPr lang="en-US" smtClean="0">
+                <a:latin typeface="Consolas" panose="020B0609020204030204" pitchFamily="49" charset="0"/>
+                <a:sym typeface="Symbol" panose="05050102010706020507" pitchFamily="18" charset="2"/>
+              </a:rPr>
+              <a:t>2</a:t>
+            </a:r>
+          </a:p>
+          <a:p>
+            <a:r>
+              <a:rPr lang="ru-RU" smtClean="0"/>
+              <a:t>Очевидно, что </a:t>
+            </a:r>
+            <a:r>
+              <a:rPr lang="en-US">
+                <a:latin typeface="Consolas" panose="020B0609020204030204" pitchFamily="49" charset="0"/>
+              </a:rPr>
+              <a:t>(2 3 1</a:t>
+            </a:r>
+            <a:r>
+              <a:rPr lang="en-US" smtClean="0">
+                <a:latin typeface="Consolas" panose="020B0609020204030204" pitchFamily="49" charset="0"/>
+              </a:rPr>
+              <a:t>)</a:t>
+            </a:r>
+            <a:r>
+              <a:rPr lang="ru-RU" smtClean="0">
+                <a:latin typeface="Consolas" panose="020B0609020204030204" pitchFamily="49" charset="0"/>
+              </a:rPr>
+              <a:t> == </a:t>
+            </a:r>
+            <a:r>
+              <a:rPr lang="en-US" smtClean="0">
+                <a:latin typeface="Consolas" panose="020B0609020204030204" pitchFamily="49" charset="0"/>
+              </a:rPr>
+              <a:t>(</a:t>
+            </a:r>
+            <a:r>
+              <a:rPr lang="ru-RU" smtClean="0">
+                <a:latin typeface="Consolas" panose="020B0609020204030204" pitchFamily="49" charset="0"/>
+              </a:rPr>
+              <a:t>1 </a:t>
+            </a:r>
+            <a:r>
+              <a:rPr lang="en-US" smtClean="0">
+                <a:latin typeface="Consolas" panose="020B0609020204030204" pitchFamily="49" charset="0"/>
+              </a:rPr>
+              <a:t>2 3)</a:t>
+            </a:r>
+            <a:r>
+              <a:rPr lang="ru-RU" smtClean="0">
+                <a:latin typeface="Consolas" panose="020B0609020204030204" pitchFamily="49" charset="0"/>
+              </a:rPr>
+              <a:t> == </a:t>
+            </a:r>
+            <a:r>
+              <a:rPr lang="en-US" smtClean="0">
+                <a:latin typeface="Consolas" panose="020B0609020204030204" pitchFamily="49" charset="0"/>
+              </a:rPr>
+              <a:t>(</a:t>
+            </a:r>
+            <a:r>
+              <a:rPr lang="ru-RU" smtClean="0">
+                <a:latin typeface="Consolas" panose="020B0609020204030204" pitchFamily="49" charset="0"/>
+              </a:rPr>
+              <a:t>3 1 </a:t>
+            </a:r>
+            <a:r>
+              <a:rPr lang="en-US" smtClean="0">
+                <a:latin typeface="Consolas" panose="020B0609020204030204" pitchFamily="49" charset="0"/>
+              </a:rPr>
+              <a:t>2)</a:t>
+            </a:r>
+            <a:endParaRPr lang="ru-RU">
+              <a:latin typeface="Consolas" panose="020B0609020204030204" pitchFamily="49" charset="0"/>
+            </a:endParaRPr>
+          </a:p>
+        </p:txBody>
+      </p:sp>
+    </p:spTree>
+    <p:extLst>
+      <p:ext uri="{BB962C8B-B14F-4D97-AF65-F5344CB8AC3E}">
+        <p14:creationId xmlns:p14="http://schemas.microsoft.com/office/powerpoint/2010/main" val="1094116380"/>
+      </p:ext>
+    </p:extLst>
+  </p:cSld>
+  <p:clrMapOvr>
+    <a:masterClrMapping/>
+  </p:clrMapOvr>
+</p:sld>
+</file>
+
+<file path=ppt/slides/slide71.xml><?xml version="1.0" encoding="utf-8"?>
+<p:sld xmlns:a="http://schemas.openxmlformats.org/drawingml/2006/main" xmlns:r="http://schemas.openxmlformats.org/officeDocument/2006/relationships" xmlns:p="http://schemas.openxmlformats.org/presentationml/2006/main">
+  <p:cSld>
+    <p:spTree>
+      <p:nvGrpSpPr>
+        <p:cNvPr id="1" name=""/>
+        <p:cNvGrpSpPr/>
+        <p:nvPr/>
+      </p:nvGrpSpPr>
+      <p:grpSpPr>
+        <a:xfrm>
+          <a:off x="0" y="0"/>
+          <a:ext cx="0" cy="0"/>
+          <a:chOff x="0" y="0"/>
+          <a:chExt cx="0" cy="0"/>
+        </a:xfrm>
+      </p:grpSpPr>
+      <p:sp>
+        <p:nvSpPr>
+          <p:cNvPr id="2" name="Title 1"/>
+          <p:cNvSpPr>
+            <a:spLocks noGrp="1"/>
+          </p:cNvSpPr>
+          <p:nvPr>
+            <p:ph type="title"/>
+          </p:nvPr>
+        </p:nvSpPr>
+        <p:spPr/>
+        <p:txBody>
+          <a:bodyPr/>
+          <a:lstStyle/>
+          <a:p>
+            <a:r>
+              <a:rPr lang="ru-RU" smtClean="0"/>
+              <a:t>Циклические перестановки</a:t>
+            </a:r>
+            <a:endParaRPr lang="en-US"/>
+          </a:p>
+        </p:txBody>
+      </p:sp>
+      <p:sp>
+        <p:nvSpPr>
+          <p:cNvPr id="3" name="Content Placeholder 2"/>
+          <p:cNvSpPr>
+            <a:spLocks noGrp="1"/>
+          </p:cNvSpPr>
+          <p:nvPr>
+            <p:ph idx="1"/>
+          </p:nvPr>
+        </p:nvSpPr>
+        <p:spPr/>
+        <p:txBody>
+          <a:bodyPr/>
+          <a:lstStyle/>
+          <a:p>
+            <a:r>
+              <a:rPr lang="ru-RU" smtClean="0"/>
+              <a:t>Мы можем кодировать перестановки любых объектов как циклические перестановки. </a:t>
+            </a:r>
+            <a:endParaRPr lang="en-US" smtClean="0"/>
+          </a:p>
+          <a:p>
+            <a:r>
+              <a:rPr lang="ru-RU" smtClean="0"/>
+              <a:t>Простейший цикл это </a:t>
+            </a:r>
+            <a:r>
+              <a:rPr lang="en-US" smtClean="0">
+                <a:latin typeface="Consolas" panose="020B0609020204030204" pitchFamily="49" charset="0"/>
+              </a:rPr>
+              <a:t>(1 2) </a:t>
+            </a:r>
+            <a:r>
+              <a:rPr lang="ru-RU" smtClean="0"/>
+              <a:t>означает</a:t>
+            </a:r>
+            <a:r>
+              <a:rPr lang="en-US" smtClean="0"/>
+              <a:t> </a:t>
+            </a:r>
+            <a:r>
+              <a:rPr lang="en-US" smtClean="0">
+                <a:latin typeface="Consolas" panose="020B0609020204030204" pitchFamily="49" charset="0"/>
+              </a:rPr>
+              <a:t>1 </a:t>
+            </a:r>
+            <a:r>
+              <a:rPr lang="ru-RU" smtClean="0">
+                <a:latin typeface="Consolas" panose="020B0609020204030204" pitchFamily="49" charset="0"/>
+                <a:sym typeface="Symbol" panose="05050102010706020507" pitchFamily="18" charset="2"/>
+              </a:rPr>
+              <a:t> </a:t>
+            </a:r>
+            <a:r>
+              <a:rPr lang="en-US" smtClean="0">
+                <a:latin typeface="Consolas" panose="020B0609020204030204" pitchFamily="49" charset="0"/>
+                <a:sym typeface="Symbol" panose="05050102010706020507" pitchFamily="18" charset="2"/>
+              </a:rPr>
+              <a:t>2, 2 </a:t>
+            </a:r>
+            <a:r>
+              <a:rPr lang="ru-RU" smtClean="0">
+                <a:latin typeface="Consolas" panose="020B0609020204030204" pitchFamily="49" charset="0"/>
+                <a:sym typeface="Symbol" panose="05050102010706020507" pitchFamily="18" charset="2"/>
+              </a:rPr>
+              <a:t></a:t>
+            </a:r>
+            <a:r>
+              <a:rPr lang="en-US" smtClean="0">
+                <a:latin typeface="Consolas" panose="020B0609020204030204" pitchFamily="49" charset="0"/>
+                <a:sym typeface="Symbol" panose="05050102010706020507" pitchFamily="18" charset="2"/>
+              </a:rPr>
+              <a:t> 1</a:t>
+            </a:r>
+            <a:endParaRPr lang="ru-RU" smtClean="0">
+              <a:latin typeface="Consolas" panose="020B0609020204030204" pitchFamily="49" charset="0"/>
+            </a:endParaRPr>
+          </a:p>
+          <a:p>
+            <a:r>
+              <a:rPr lang="en-US" smtClean="0">
+                <a:latin typeface="Consolas" panose="020B0609020204030204" pitchFamily="49" charset="0"/>
+              </a:rPr>
+              <a:t>(</a:t>
+            </a:r>
+            <a:r>
+              <a:rPr lang="en-US">
+                <a:latin typeface="Consolas" panose="020B0609020204030204" pitchFamily="49" charset="0"/>
+              </a:rPr>
+              <a:t>2 3 </a:t>
+            </a:r>
+            <a:r>
+              <a:rPr lang="en-US" smtClean="0">
+                <a:latin typeface="Consolas" panose="020B0609020204030204" pitchFamily="49" charset="0"/>
+              </a:rPr>
+              <a:t>1)</a:t>
+            </a:r>
+            <a:r>
+              <a:rPr lang="en-US" smtClean="0"/>
+              <a:t> </a:t>
+            </a:r>
+            <a:r>
+              <a:rPr lang="ru-RU" smtClean="0"/>
+              <a:t>означает</a:t>
+            </a:r>
+            <a:r>
+              <a:rPr lang="en-US" smtClean="0"/>
+              <a:t> </a:t>
+            </a:r>
+            <a:r>
+              <a:rPr lang="ru-RU" smtClean="0">
+                <a:latin typeface="Consolas" panose="020B0609020204030204" pitchFamily="49" charset="0"/>
+              </a:rPr>
+              <a:t>2 </a:t>
+            </a:r>
+            <a:r>
+              <a:rPr lang="ru-RU">
+                <a:latin typeface="Consolas" panose="020B0609020204030204" pitchFamily="49" charset="0"/>
+                <a:sym typeface="Symbol" panose="05050102010706020507" pitchFamily="18" charset="2"/>
+              </a:rPr>
+              <a:t> </a:t>
+            </a:r>
+            <a:r>
+              <a:rPr lang="ru-RU" smtClean="0">
+                <a:latin typeface="Consolas" panose="020B0609020204030204" pitchFamily="49" charset="0"/>
+                <a:sym typeface="Symbol" panose="05050102010706020507" pitchFamily="18" charset="2"/>
+              </a:rPr>
+              <a:t>3</a:t>
+            </a:r>
+            <a:r>
+              <a:rPr lang="en-US">
+                <a:latin typeface="Consolas" panose="020B0609020204030204" pitchFamily="49" charset="0"/>
+                <a:sym typeface="Symbol" panose="05050102010706020507" pitchFamily="18" charset="2"/>
+              </a:rPr>
+              <a:t>, </a:t>
+            </a:r>
+            <a:r>
+              <a:rPr lang="en-US" smtClean="0">
+                <a:latin typeface="Consolas" panose="020B0609020204030204" pitchFamily="49" charset="0"/>
+              </a:rPr>
+              <a:t>3</a:t>
+            </a:r>
+            <a:r>
+              <a:rPr lang="ru-RU" smtClean="0">
+                <a:latin typeface="Consolas" panose="020B0609020204030204" pitchFamily="49" charset="0"/>
+              </a:rPr>
+              <a:t> </a:t>
+            </a:r>
+            <a:r>
+              <a:rPr lang="ru-RU">
+                <a:latin typeface="Consolas" panose="020B0609020204030204" pitchFamily="49" charset="0"/>
+                <a:sym typeface="Symbol" panose="05050102010706020507" pitchFamily="18" charset="2"/>
+              </a:rPr>
+              <a:t> </a:t>
+            </a:r>
+            <a:r>
+              <a:rPr lang="en-US" smtClean="0">
+                <a:latin typeface="Consolas" panose="020B0609020204030204" pitchFamily="49" charset="0"/>
+                <a:sym typeface="Symbol" panose="05050102010706020507" pitchFamily="18" charset="2"/>
+              </a:rPr>
+              <a:t>1</a:t>
+            </a:r>
+            <a:r>
+              <a:rPr lang="en-US">
+                <a:latin typeface="Consolas" panose="020B0609020204030204" pitchFamily="49" charset="0"/>
+                <a:sym typeface="Symbol" panose="05050102010706020507" pitchFamily="18" charset="2"/>
+              </a:rPr>
+              <a:t>, </a:t>
+            </a:r>
+            <a:r>
+              <a:rPr lang="en-US" smtClean="0">
+                <a:latin typeface="Consolas" panose="020B0609020204030204" pitchFamily="49" charset="0"/>
+                <a:sym typeface="Symbol" panose="05050102010706020507" pitchFamily="18" charset="2"/>
+              </a:rPr>
+              <a:t>1</a:t>
+            </a:r>
+            <a:r>
+              <a:rPr lang="ru-RU" smtClean="0">
+                <a:latin typeface="Consolas" panose="020B0609020204030204" pitchFamily="49" charset="0"/>
+              </a:rPr>
+              <a:t> </a:t>
+            </a:r>
+            <a:r>
+              <a:rPr lang="ru-RU">
+                <a:latin typeface="Consolas" panose="020B0609020204030204" pitchFamily="49" charset="0"/>
+                <a:sym typeface="Symbol" panose="05050102010706020507" pitchFamily="18" charset="2"/>
+              </a:rPr>
+              <a:t> </a:t>
+            </a:r>
+            <a:r>
+              <a:rPr lang="en-US" smtClean="0">
+                <a:latin typeface="Consolas" panose="020B0609020204030204" pitchFamily="49" charset="0"/>
+                <a:sym typeface="Symbol" panose="05050102010706020507" pitchFamily="18" charset="2"/>
+              </a:rPr>
+              <a:t>2</a:t>
+            </a:r>
+          </a:p>
+          <a:p>
+            <a:r>
+              <a:rPr lang="ru-RU" smtClean="0"/>
+              <a:t>Очевидно, что </a:t>
+            </a:r>
+            <a:r>
+              <a:rPr lang="en-US">
+                <a:latin typeface="Consolas" panose="020B0609020204030204" pitchFamily="49" charset="0"/>
+              </a:rPr>
+              <a:t>(2 3 1</a:t>
+            </a:r>
+            <a:r>
+              <a:rPr lang="en-US" smtClean="0">
+                <a:latin typeface="Consolas" panose="020B0609020204030204" pitchFamily="49" charset="0"/>
+              </a:rPr>
+              <a:t>)</a:t>
+            </a:r>
+            <a:r>
+              <a:rPr lang="ru-RU" smtClean="0">
+                <a:latin typeface="Consolas" panose="020B0609020204030204" pitchFamily="49" charset="0"/>
+              </a:rPr>
+              <a:t> == </a:t>
+            </a:r>
+            <a:r>
+              <a:rPr lang="en-US" smtClean="0">
+                <a:solidFill>
+                  <a:srgbClr val="0000FF"/>
+                </a:solidFill>
+                <a:latin typeface="Consolas" panose="020B0609020204030204" pitchFamily="49" charset="0"/>
+              </a:rPr>
+              <a:t>(</a:t>
+            </a:r>
+            <a:r>
+              <a:rPr lang="ru-RU" smtClean="0">
+                <a:solidFill>
+                  <a:srgbClr val="0000FF"/>
+                </a:solidFill>
+                <a:latin typeface="Consolas" panose="020B0609020204030204" pitchFamily="49" charset="0"/>
+              </a:rPr>
+              <a:t>1 </a:t>
+            </a:r>
+            <a:r>
+              <a:rPr lang="en-US" smtClean="0">
+                <a:solidFill>
+                  <a:srgbClr val="0000FF"/>
+                </a:solidFill>
+                <a:latin typeface="Consolas" panose="020B0609020204030204" pitchFamily="49" charset="0"/>
+              </a:rPr>
+              <a:t>2 3)</a:t>
+            </a:r>
+            <a:r>
+              <a:rPr lang="ru-RU" smtClean="0">
+                <a:latin typeface="Consolas" panose="020B0609020204030204" pitchFamily="49" charset="0"/>
+              </a:rPr>
+              <a:t> == </a:t>
+            </a:r>
+            <a:r>
+              <a:rPr lang="en-US" smtClean="0">
+                <a:latin typeface="Consolas" panose="020B0609020204030204" pitchFamily="49" charset="0"/>
+              </a:rPr>
+              <a:t>(</a:t>
+            </a:r>
+            <a:r>
+              <a:rPr lang="ru-RU" smtClean="0">
+                <a:latin typeface="Consolas" panose="020B0609020204030204" pitchFamily="49" charset="0"/>
+              </a:rPr>
+              <a:t>3 1 </a:t>
+            </a:r>
+            <a:r>
+              <a:rPr lang="en-US" smtClean="0">
+                <a:latin typeface="Consolas" panose="020B0609020204030204" pitchFamily="49" charset="0"/>
+              </a:rPr>
+              <a:t>2)</a:t>
+            </a:r>
+            <a:endParaRPr lang="ru-RU" smtClean="0">
+              <a:latin typeface="Consolas" panose="020B0609020204030204" pitchFamily="49" charset="0"/>
+            </a:endParaRPr>
+          </a:p>
+          <a:p>
+            <a:r>
+              <a:rPr lang="ru-RU" smtClean="0">
+                <a:solidFill>
+                  <a:srgbClr val="0000FF"/>
+                </a:solidFill>
+              </a:rPr>
+              <a:t>Нормальной формой</a:t>
+            </a:r>
+            <a:r>
+              <a:rPr lang="ru-RU" smtClean="0"/>
+              <a:t> называется цикл с минимальным элементом впереди</a:t>
+            </a:r>
+          </a:p>
+          <a:p>
+            <a:r>
+              <a:rPr lang="ru-RU" smtClean="0"/>
+              <a:t>Нормальная форма для </a:t>
+            </a:r>
+            <a:r>
+              <a:rPr lang="en-US" smtClean="0">
+                <a:latin typeface="Consolas" panose="020B0609020204030204" pitchFamily="49" charset="0"/>
+              </a:rPr>
+              <a:t>(4 2 1 3)</a:t>
+            </a:r>
+            <a:r>
+              <a:rPr lang="en-US" smtClean="0"/>
+              <a:t>?</a:t>
+            </a:r>
+          </a:p>
+          <a:p>
+            <a:r>
+              <a:rPr lang="ru-RU" smtClean="0"/>
+              <a:t>Есть ли разница между </a:t>
+            </a:r>
+            <a:r>
+              <a:rPr lang="en-US">
+                <a:latin typeface="Consolas" panose="020B0609020204030204" pitchFamily="49" charset="0"/>
+              </a:rPr>
+              <a:t>(4 2 1 </a:t>
+            </a:r>
+            <a:r>
+              <a:rPr lang="en-US" smtClean="0">
+                <a:latin typeface="Consolas" panose="020B0609020204030204" pitchFamily="49" charset="0"/>
+              </a:rPr>
+              <a:t>3)</a:t>
+            </a:r>
+            <a:r>
+              <a:rPr lang="ru-RU" smtClean="0"/>
+              <a:t> и </a:t>
+            </a:r>
+            <a:r>
+              <a:rPr lang="en-US" smtClean="0"/>
+              <a:t>"</a:t>
+            </a:r>
+            <a:r>
+              <a:rPr lang="en-US" smtClean="0">
+                <a:latin typeface="Consolas" panose="020B0609020204030204" pitchFamily="49" charset="0"/>
+              </a:rPr>
+              <a:t>(4 2</a:t>
+            </a:r>
+            <a:r>
+              <a:rPr lang="ru-RU" smtClean="0">
+                <a:latin typeface="Consolas" panose="020B0609020204030204" pitchFamily="49" charset="0"/>
+              </a:rPr>
+              <a:t>)</a:t>
+            </a:r>
+            <a:r>
+              <a:rPr lang="en-US" smtClean="0"/>
+              <a:t>, </a:t>
+            </a:r>
+            <a:r>
+              <a:rPr lang="ru-RU" smtClean="0"/>
+              <a:t>а потом (</a:t>
+            </a:r>
+            <a:r>
+              <a:rPr lang="en-US" smtClean="0">
+                <a:latin typeface="Consolas" panose="020B0609020204030204" pitchFamily="49" charset="0"/>
+              </a:rPr>
+              <a:t>1 </a:t>
+            </a:r>
+            <a:r>
+              <a:rPr lang="en-US">
+                <a:latin typeface="Consolas" panose="020B0609020204030204" pitchFamily="49" charset="0"/>
+              </a:rPr>
+              <a:t>3</a:t>
+            </a:r>
+            <a:r>
+              <a:rPr lang="en-US" smtClean="0">
+                <a:latin typeface="Consolas" panose="020B0609020204030204" pitchFamily="49" charset="0"/>
+              </a:rPr>
+              <a:t>)"</a:t>
+            </a:r>
+            <a:r>
+              <a:rPr lang="en-US" smtClean="0"/>
+              <a:t>?</a:t>
+            </a:r>
+            <a:endParaRPr lang="ru-RU"/>
+          </a:p>
+        </p:txBody>
+      </p:sp>
+    </p:spTree>
+    <p:extLst>
+      <p:ext uri="{BB962C8B-B14F-4D97-AF65-F5344CB8AC3E}">
+        <p14:creationId xmlns:p14="http://schemas.microsoft.com/office/powerpoint/2010/main" val="2126091403"/>
+      </p:ext>
+    </p:extLst>
+  </p:cSld>
+  <p:clrMapOvr>
+    <a:masterClrMapping/>
+  </p:clrMapOvr>
+</p:sld>
+</file>
+
+<file path=ppt/slides/slide72.xml><?xml version="1.0" encoding="utf-8"?>
+<p:sld xmlns:a="http://schemas.openxmlformats.org/drawingml/2006/main" xmlns:r="http://schemas.openxmlformats.org/officeDocument/2006/relationships" xmlns:p="http://schemas.openxmlformats.org/presentationml/2006/main">
+  <p:cSld>
+    <p:spTree>
+      <p:nvGrpSpPr>
+        <p:cNvPr id="1" name=""/>
+        <p:cNvGrpSpPr/>
+        <p:nvPr/>
+      </p:nvGrpSpPr>
+      <p:grpSpPr>
+        <a:xfrm>
+          <a:off x="0" y="0"/>
+          <a:ext cx="0" cy="0"/>
+          <a:chOff x="0" y="0"/>
+          <a:chExt cx="0" cy="0"/>
+        </a:xfrm>
+      </p:grpSpPr>
+      <p:sp>
+        <p:nvSpPr>
+          <p:cNvPr id="2" name="Title 1"/>
+          <p:cNvSpPr>
+            <a:spLocks noGrp="1"/>
+          </p:cNvSpPr>
+          <p:nvPr>
+            <p:ph type="title"/>
+          </p:nvPr>
+        </p:nvSpPr>
+        <p:spPr/>
+        <p:txBody>
+          <a:bodyPr/>
+          <a:lstStyle/>
+          <a:p>
+            <a:r>
+              <a:rPr lang="ru-RU" smtClean="0"/>
+              <a:t>Циклические перестановки</a:t>
+            </a:r>
+            <a:endParaRPr lang="en-US"/>
+          </a:p>
+        </p:txBody>
+      </p:sp>
+      <p:sp>
+        <p:nvSpPr>
+          <p:cNvPr id="3" name="Content Placeholder 2"/>
+          <p:cNvSpPr>
+            <a:spLocks noGrp="1"/>
+          </p:cNvSpPr>
+          <p:nvPr>
+            <p:ph idx="1"/>
+          </p:nvPr>
+        </p:nvSpPr>
+        <p:spPr/>
+        <p:txBody>
+          <a:bodyPr/>
+          <a:lstStyle/>
+          <a:p>
+            <a:r>
+              <a:rPr lang="ru-RU" smtClean="0"/>
+              <a:t>Мы можем кодировать перестановки любых объектов как циклические перестановки. </a:t>
+            </a:r>
+            <a:endParaRPr lang="en-US" smtClean="0"/>
+          </a:p>
+          <a:p>
+            <a:r>
+              <a:rPr lang="ru-RU" smtClean="0"/>
+              <a:t>Простейший цикл это </a:t>
+            </a:r>
+            <a:r>
+              <a:rPr lang="en-US" smtClean="0">
+                <a:latin typeface="Consolas" panose="020B0609020204030204" pitchFamily="49" charset="0"/>
+              </a:rPr>
+              <a:t>(1 2) </a:t>
+            </a:r>
+            <a:r>
+              <a:rPr lang="ru-RU" smtClean="0"/>
+              <a:t>означает</a:t>
+            </a:r>
+            <a:r>
+              <a:rPr lang="en-US" smtClean="0"/>
+              <a:t> </a:t>
+            </a:r>
+            <a:r>
+              <a:rPr lang="en-US" smtClean="0">
+                <a:latin typeface="Consolas" panose="020B0609020204030204" pitchFamily="49" charset="0"/>
+              </a:rPr>
+              <a:t>1 </a:t>
+            </a:r>
+            <a:r>
+              <a:rPr lang="ru-RU" smtClean="0">
+                <a:latin typeface="Consolas" panose="020B0609020204030204" pitchFamily="49" charset="0"/>
+                <a:sym typeface="Symbol" panose="05050102010706020507" pitchFamily="18" charset="2"/>
+              </a:rPr>
+              <a:t> </a:t>
+            </a:r>
+            <a:r>
+              <a:rPr lang="en-US" smtClean="0">
+                <a:latin typeface="Consolas" panose="020B0609020204030204" pitchFamily="49" charset="0"/>
+                <a:sym typeface="Symbol" panose="05050102010706020507" pitchFamily="18" charset="2"/>
+              </a:rPr>
+              <a:t>2, 2 </a:t>
+            </a:r>
+            <a:r>
+              <a:rPr lang="ru-RU" smtClean="0">
+                <a:latin typeface="Consolas" panose="020B0609020204030204" pitchFamily="49" charset="0"/>
+                <a:sym typeface="Symbol" panose="05050102010706020507" pitchFamily="18" charset="2"/>
+              </a:rPr>
+              <a:t></a:t>
+            </a:r>
+            <a:r>
+              <a:rPr lang="en-US" smtClean="0">
+                <a:latin typeface="Consolas" panose="020B0609020204030204" pitchFamily="49" charset="0"/>
+                <a:sym typeface="Symbol" panose="05050102010706020507" pitchFamily="18" charset="2"/>
+              </a:rPr>
+              <a:t> 1</a:t>
+            </a:r>
+            <a:endParaRPr lang="ru-RU" smtClean="0">
+              <a:latin typeface="Consolas" panose="020B0609020204030204" pitchFamily="49" charset="0"/>
+            </a:endParaRPr>
+          </a:p>
+          <a:p>
+            <a:r>
+              <a:rPr lang="en-US" smtClean="0">
+                <a:latin typeface="Consolas" panose="020B0609020204030204" pitchFamily="49" charset="0"/>
+              </a:rPr>
+              <a:t>(</a:t>
+            </a:r>
+            <a:r>
+              <a:rPr lang="en-US">
+                <a:latin typeface="Consolas" panose="020B0609020204030204" pitchFamily="49" charset="0"/>
+              </a:rPr>
+              <a:t>2 3 </a:t>
+            </a:r>
+            <a:r>
+              <a:rPr lang="en-US" smtClean="0">
+                <a:latin typeface="Consolas" panose="020B0609020204030204" pitchFamily="49" charset="0"/>
+              </a:rPr>
+              <a:t>1)</a:t>
+            </a:r>
+            <a:r>
+              <a:rPr lang="en-US" smtClean="0"/>
+              <a:t> </a:t>
+            </a:r>
+            <a:r>
+              <a:rPr lang="ru-RU" smtClean="0"/>
+              <a:t>означает</a:t>
+            </a:r>
+            <a:r>
+              <a:rPr lang="en-US" smtClean="0"/>
+              <a:t> </a:t>
+            </a:r>
+            <a:r>
+              <a:rPr lang="ru-RU" smtClean="0">
+                <a:latin typeface="Consolas" panose="020B0609020204030204" pitchFamily="49" charset="0"/>
+              </a:rPr>
+              <a:t>2 </a:t>
+            </a:r>
+            <a:r>
+              <a:rPr lang="ru-RU">
+                <a:latin typeface="Consolas" panose="020B0609020204030204" pitchFamily="49" charset="0"/>
+                <a:sym typeface="Symbol" panose="05050102010706020507" pitchFamily="18" charset="2"/>
+              </a:rPr>
+              <a:t> </a:t>
+            </a:r>
+            <a:r>
+              <a:rPr lang="ru-RU" smtClean="0">
+                <a:latin typeface="Consolas" panose="020B0609020204030204" pitchFamily="49" charset="0"/>
+                <a:sym typeface="Symbol" panose="05050102010706020507" pitchFamily="18" charset="2"/>
+              </a:rPr>
+              <a:t>3</a:t>
+            </a:r>
+            <a:r>
+              <a:rPr lang="en-US">
+                <a:latin typeface="Consolas" panose="020B0609020204030204" pitchFamily="49" charset="0"/>
+                <a:sym typeface="Symbol" panose="05050102010706020507" pitchFamily="18" charset="2"/>
+              </a:rPr>
+              <a:t>, </a:t>
+            </a:r>
+            <a:r>
+              <a:rPr lang="en-US" smtClean="0">
+                <a:latin typeface="Consolas" panose="020B0609020204030204" pitchFamily="49" charset="0"/>
+              </a:rPr>
+              <a:t>3</a:t>
+            </a:r>
+            <a:r>
+              <a:rPr lang="ru-RU" smtClean="0">
+                <a:latin typeface="Consolas" panose="020B0609020204030204" pitchFamily="49" charset="0"/>
+              </a:rPr>
+              <a:t> </a:t>
+            </a:r>
+            <a:r>
+              <a:rPr lang="ru-RU">
+                <a:latin typeface="Consolas" panose="020B0609020204030204" pitchFamily="49" charset="0"/>
+                <a:sym typeface="Symbol" panose="05050102010706020507" pitchFamily="18" charset="2"/>
+              </a:rPr>
+              <a:t> </a:t>
+            </a:r>
+            <a:r>
+              <a:rPr lang="en-US" smtClean="0">
+                <a:latin typeface="Consolas" panose="020B0609020204030204" pitchFamily="49" charset="0"/>
+                <a:sym typeface="Symbol" panose="05050102010706020507" pitchFamily="18" charset="2"/>
+              </a:rPr>
+              <a:t>1</a:t>
+            </a:r>
+            <a:r>
+              <a:rPr lang="en-US">
+                <a:latin typeface="Consolas" panose="020B0609020204030204" pitchFamily="49" charset="0"/>
+                <a:sym typeface="Symbol" panose="05050102010706020507" pitchFamily="18" charset="2"/>
+              </a:rPr>
+              <a:t>, </a:t>
+            </a:r>
+            <a:r>
+              <a:rPr lang="en-US" smtClean="0">
+                <a:latin typeface="Consolas" panose="020B0609020204030204" pitchFamily="49" charset="0"/>
+                <a:sym typeface="Symbol" panose="05050102010706020507" pitchFamily="18" charset="2"/>
+              </a:rPr>
+              <a:t>1</a:t>
+            </a:r>
+            <a:r>
+              <a:rPr lang="ru-RU" smtClean="0">
+                <a:latin typeface="Consolas" panose="020B0609020204030204" pitchFamily="49" charset="0"/>
+              </a:rPr>
+              <a:t> </a:t>
+            </a:r>
+            <a:r>
+              <a:rPr lang="ru-RU">
+                <a:latin typeface="Consolas" panose="020B0609020204030204" pitchFamily="49" charset="0"/>
+                <a:sym typeface="Symbol" panose="05050102010706020507" pitchFamily="18" charset="2"/>
+              </a:rPr>
+              <a:t> </a:t>
+            </a:r>
+            <a:r>
+              <a:rPr lang="en-US" smtClean="0">
+                <a:latin typeface="Consolas" panose="020B0609020204030204" pitchFamily="49" charset="0"/>
+                <a:sym typeface="Symbol" panose="05050102010706020507" pitchFamily="18" charset="2"/>
+              </a:rPr>
+              <a:t>2</a:t>
+            </a:r>
+          </a:p>
+          <a:p>
+            <a:r>
+              <a:rPr lang="ru-RU" smtClean="0"/>
+              <a:t>Очевидно, что </a:t>
+            </a:r>
+            <a:r>
+              <a:rPr lang="en-US">
+                <a:latin typeface="Consolas" panose="020B0609020204030204" pitchFamily="49" charset="0"/>
+              </a:rPr>
+              <a:t>(2 3 1</a:t>
+            </a:r>
+            <a:r>
+              <a:rPr lang="en-US" smtClean="0">
+                <a:latin typeface="Consolas" panose="020B0609020204030204" pitchFamily="49" charset="0"/>
+              </a:rPr>
+              <a:t>)</a:t>
+            </a:r>
+            <a:r>
+              <a:rPr lang="ru-RU" smtClean="0">
+                <a:latin typeface="Consolas" panose="020B0609020204030204" pitchFamily="49" charset="0"/>
+              </a:rPr>
+              <a:t> == </a:t>
+            </a:r>
+            <a:r>
+              <a:rPr lang="en-US" smtClean="0">
+                <a:solidFill>
+                  <a:srgbClr val="0000FF"/>
+                </a:solidFill>
+                <a:latin typeface="Consolas" panose="020B0609020204030204" pitchFamily="49" charset="0"/>
+              </a:rPr>
+              <a:t>(</a:t>
+            </a:r>
+            <a:r>
+              <a:rPr lang="ru-RU" smtClean="0">
+                <a:solidFill>
+                  <a:srgbClr val="0000FF"/>
+                </a:solidFill>
+                <a:latin typeface="Consolas" panose="020B0609020204030204" pitchFamily="49" charset="0"/>
+              </a:rPr>
+              <a:t>1 </a:t>
+            </a:r>
+            <a:r>
+              <a:rPr lang="en-US" smtClean="0">
+                <a:solidFill>
+                  <a:srgbClr val="0000FF"/>
+                </a:solidFill>
+                <a:latin typeface="Consolas" panose="020B0609020204030204" pitchFamily="49" charset="0"/>
+              </a:rPr>
+              <a:t>2 3)</a:t>
+            </a:r>
+            <a:r>
+              <a:rPr lang="ru-RU" smtClean="0">
+                <a:latin typeface="Consolas" panose="020B0609020204030204" pitchFamily="49" charset="0"/>
+              </a:rPr>
+              <a:t> == </a:t>
+            </a:r>
+            <a:r>
+              <a:rPr lang="en-US" smtClean="0">
+                <a:latin typeface="Consolas" panose="020B0609020204030204" pitchFamily="49" charset="0"/>
+              </a:rPr>
+              <a:t>(</a:t>
+            </a:r>
+            <a:r>
+              <a:rPr lang="ru-RU" smtClean="0">
+                <a:latin typeface="Consolas" panose="020B0609020204030204" pitchFamily="49" charset="0"/>
+              </a:rPr>
+              <a:t>3 1 </a:t>
+            </a:r>
+            <a:r>
+              <a:rPr lang="en-US" smtClean="0">
+                <a:latin typeface="Consolas" panose="020B0609020204030204" pitchFamily="49" charset="0"/>
+              </a:rPr>
+              <a:t>2)</a:t>
+            </a:r>
+            <a:endParaRPr lang="ru-RU" smtClean="0">
+              <a:latin typeface="Consolas" panose="020B0609020204030204" pitchFamily="49" charset="0"/>
+            </a:endParaRPr>
+          </a:p>
+          <a:p>
+            <a:r>
+              <a:rPr lang="ru-RU" smtClean="0">
+                <a:solidFill>
+                  <a:srgbClr val="0000FF"/>
+                </a:solidFill>
+              </a:rPr>
+              <a:t>Нормальной формой</a:t>
+            </a:r>
+            <a:r>
+              <a:rPr lang="ru-RU" smtClean="0"/>
+              <a:t> называется цикл с минимальным элементом впереди</a:t>
+            </a:r>
+          </a:p>
+          <a:p>
+            <a:r>
+              <a:rPr lang="ru-RU" smtClean="0"/>
+              <a:t>Нормальная форма для </a:t>
+            </a:r>
+            <a:r>
+              <a:rPr lang="en-US" smtClean="0">
+                <a:latin typeface="Consolas" panose="020B0609020204030204" pitchFamily="49" charset="0"/>
+              </a:rPr>
+              <a:t>(4 2 1 3)</a:t>
+            </a:r>
+            <a:r>
+              <a:rPr lang="en-US" smtClean="0"/>
+              <a:t> </a:t>
+            </a:r>
+            <a:r>
+              <a:rPr lang="ru-RU" smtClean="0"/>
+              <a:t>это </a:t>
+            </a:r>
+            <a:r>
+              <a:rPr lang="en-US" smtClean="0">
+                <a:latin typeface="Consolas" panose="020B0609020204030204" pitchFamily="49" charset="0"/>
+              </a:rPr>
+              <a:t>(1 3</a:t>
+            </a:r>
+            <a:r>
+              <a:rPr lang="ru-RU" smtClean="0">
+                <a:latin typeface="Consolas" panose="020B0609020204030204" pitchFamily="49" charset="0"/>
+              </a:rPr>
+              <a:t> 4 2</a:t>
+            </a:r>
+            <a:r>
+              <a:rPr lang="en-US" smtClean="0">
+                <a:latin typeface="Consolas" panose="020B0609020204030204" pitchFamily="49" charset="0"/>
+              </a:rPr>
+              <a:t>)</a:t>
+            </a:r>
+            <a:endParaRPr lang="en-US" smtClean="0"/>
+          </a:p>
+          <a:p>
+            <a:r>
+              <a:rPr lang="ru-RU" smtClean="0"/>
+              <a:t>Да разница есть. </a:t>
+            </a:r>
+            <a:r>
+              <a:rPr lang="en-US">
+                <a:latin typeface="Consolas" panose="020B0609020204030204" pitchFamily="49" charset="0"/>
+              </a:rPr>
+              <a:t>(4 2 1 </a:t>
+            </a:r>
+            <a:r>
+              <a:rPr lang="en-US" smtClean="0">
+                <a:latin typeface="Consolas" panose="020B0609020204030204" pitchFamily="49" charset="0"/>
+              </a:rPr>
+              <a:t>3)</a:t>
+            </a:r>
+            <a:r>
+              <a:rPr lang="ru-RU" smtClean="0"/>
+              <a:t> изменяет в том числе </a:t>
+            </a:r>
+            <a:r>
+              <a:rPr lang="en-US">
+                <a:latin typeface="Consolas" panose="020B0609020204030204" pitchFamily="49" charset="0"/>
+                <a:sym typeface="Symbol" panose="05050102010706020507" pitchFamily="18" charset="2"/>
+              </a:rPr>
+              <a:t>2 </a:t>
+            </a:r>
+            <a:r>
+              <a:rPr lang="ru-RU">
+                <a:latin typeface="Consolas" panose="020B0609020204030204" pitchFamily="49" charset="0"/>
+                <a:sym typeface="Symbol" panose="05050102010706020507" pitchFamily="18" charset="2"/>
+              </a:rPr>
+              <a:t></a:t>
+            </a:r>
+            <a:r>
+              <a:rPr lang="en-US">
+                <a:latin typeface="Consolas" panose="020B0609020204030204" pitchFamily="49" charset="0"/>
+                <a:sym typeface="Symbol" panose="05050102010706020507" pitchFamily="18" charset="2"/>
+              </a:rPr>
+              <a:t> 1</a:t>
+            </a:r>
+            <a:endParaRPr lang="ru-RU"/>
+          </a:p>
+        </p:txBody>
+      </p:sp>
+    </p:spTree>
+    <p:extLst>
+      <p:ext uri="{BB962C8B-B14F-4D97-AF65-F5344CB8AC3E}">
+        <p14:creationId xmlns:p14="http://schemas.microsoft.com/office/powerpoint/2010/main" val="2992804903"/>
+      </p:ext>
+    </p:extLst>
+  </p:cSld>
+  <p:clrMapOvr>
+    <a:masterClrMapping/>
+  </p:clrMapOvr>
+</p:sld>
+</file>
+
+<file path=ppt/slides/slide73.xml><?xml version="1.0" encoding="utf-8"?>
+<p:sld xmlns:a="http://schemas.openxmlformats.org/drawingml/2006/main" xmlns:r="http://schemas.openxmlformats.org/officeDocument/2006/relationships" xmlns:p="http://schemas.openxmlformats.org/presentationml/2006/main">
+  <p:cSld>
+    <p:spTree>
+      <p:nvGrpSpPr>
+        <p:cNvPr id="1" name=""/>
+        <p:cNvGrpSpPr/>
+        <p:nvPr/>
+      </p:nvGrpSpPr>
+      <p:grpSpPr>
+        <a:xfrm>
+          <a:off x="0" y="0"/>
+          <a:ext cx="0" cy="0"/>
+          <a:chOff x="0" y="0"/>
+          <a:chExt cx="0" cy="0"/>
+        </a:xfrm>
+      </p:grpSpPr>
+      <p:sp>
+        <p:nvSpPr>
+          <p:cNvPr id="2" name="Title 1"/>
+          <p:cNvSpPr>
+            <a:spLocks noGrp="1"/>
+          </p:cNvSpPr>
+          <p:nvPr>
+            <p:ph type="title"/>
+          </p:nvPr>
+        </p:nvSpPr>
+        <p:spPr/>
+        <p:txBody>
+          <a:bodyPr/>
+          <a:lstStyle/>
+          <a:p>
+            <a:r>
+              <a:rPr lang="ru-RU" smtClean="0"/>
+              <a:t>От перестановок к циклической записи</a:t>
+            </a:r>
+            <a:endParaRPr lang="en-US"/>
+          </a:p>
+        </p:txBody>
+      </p:sp>
+      <p:sp>
+        <p:nvSpPr>
+          <p:cNvPr id="3" name="Content Placeholder 2"/>
+          <p:cNvSpPr>
+            <a:spLocks noGrp="1"/>
+          </p:cNvSpPr>
+          <p:nvPr>
+            <p:ph idx="1"/>
+          </p:nvPr>
+        </p:nvSpPr>
+        <p:spPr/>
+        <p:txBody>
+          <a:bodyPr/>
+          <a:lstStyle/>
+          <a:p>
+            <a:r>
+              <a:rPr lang="ru-RU" smtClean="0"/>
+              <a:t>Обычная перестановка</a:t>
+            </a:r>
+            <a:r>
+              <a:rPr lang="en-US" smtClean="0"/>
+              <a:t>: </a:t>
+            </a:r>
+            <a:r>
+              <a:rPr lang="ru-RU" smtClean="0"/>
+              <a:t>пишется в два столбика</a:t>
+            </a:r>
+          </a:p>
+          <a:p>
+            <a:pPr marL="45720" indent="0">
+              <a:buNone/>
+            </a:pPr>
+            <a:r>
+              <a:rPr lang="en-US" smtClean="0">
+                <a:latin typeface="Consolas" panose="020B0609020204030204" pitchFamily="49" charset="0"/>
+              </a:rPr>
+              <a:t>1 2 3 4 5 6 7 8 9 -- </a:t>
+            </a:r>
+            <a:r>
+              <a:rPr lang="ru-RU" smtClean="0">
+                <a:latin typeface="Consolas" panose="020B0609020204030204" pitchFamily="49" charset="0"/>
+              </a:rPr>
+              <a:t>исходный</a:t>
+            </a:r>
+            <a:endParaRPr lang="en-US" smtClean="0">
+              <a:latin typeface="Consolas" panose="020B0609020204030204" pitchFamily="49" charset="0"/>
+            </a:endParaRPr>
+          </a:p>
+          <a:p>
+            <a:pPr marL="45720" indent="0">
+              <a:buNone/>
+            </a:pPr>
+            <a:r>
+              <a:rPr lang="en-US" smtClean="0">
+                <a:latin typeface="Consolas" panose="020B0609020204030204" pitchFamily="49" charset="0"/>
+              </a:rPr>
+              <a:t>9 2 3 1 7 6 8 5 4</a:t>
+            </a:r>
+            <a:r>
+              <a:rPr lang="ru-RU" smtClean="0">
+                <a:latin typeface="Consolas" panose="020B0609020204030204" pitchFamily="49" charset="0"/>
+              </a:rPr>
+              <a:t> -- результирующий</a:t>
+            </a:r>
+          </a:p>
+          <a:p>
+            <a:r>
+              <a:rPr lang="ru-RU" smtClean="0"/>
+              <a:t>Ей соответствует циклическая форма</a:t>
+            </a:r>
+          </a:p>
+          <a:p>
+            <a:pPr marL="45720" indent="0">
+              <a:buNone/>
+            </a:pPr>
+            <a:r>
+              <a:rPr lang="ru-RU" smtClean="0">
+                <a:latin typeface="Consolas" panose="020B0609020204030204" pitchFamily="49" charset="0"/>
+              </a:rPr>
+              <a:t>(1</a:t>
+            </a:r>
+            <a:r>
+              <a:rPr lang="en-US" smtClean="0">
+                <a:latin typeface="Consolas" panose="020B0609020204030204" pitchFamily="49" charset="0"/>
+              </a:rPr>
+              <a:t> </a:t>
+            </a:r>
+            <a:r>
+              <a:rPr lang="ru-RU" smtClean="0">
+                <a:latin typeface="Consolas" panose="020B0609020204030204" pitchFamily="49" charset="0"/>
+              </a:rPr>
+              <a:t>9</a:t>
+            </a:r>
+            <a:r>
+              <a:rPr lang="en-US" smtClean="0">
+                <a:latin typeface="Consolas" panose="020B0609020204030204" pitchFamily="49" charset="0"/>
+              </a:rPr>
+              <a:t> </a:t>
+            </a:r>
+            <a:r>
+              <a:rPr lang="ru-RU" smtClean="0">
+                <a:latin typeface="Consolas" panose="020B0609020204030204" pitchFamily="49" charset="0"/>
+              </a:rPr>
+              <a:t>4)(3)(5 7 8)(6)</a:t>
+            </a:r>
+          </a:p>
+          <a:p>
+            <a:r>
+              <a:rPr lang="ru-RU" smtClean="0"/>
+              <a:t>Необходимо написать функцию</a:t>
+            </a:r>
+            <a:r>
+              <a:rPr lang="en-US" smtClean="0"/>
+              <a:t>:</a:t>
+            </a:r>
+          </a:p>
+          <a:p>
+            <a:pPr marL="45720" indent="0">
+              <a:buNone/>
+            </a:pPr>
+            <a:r>
+              <a:rPr lang="en-US" smtClean="0">
+                <a:latin typeface="Consolas" panose="020B0609020204030204" pitchFamily="49" charset="0"/>
+              </a:rPr>
+              <a:t>[9 </a:t>
+            </a:r>
+            <a:r>
+              <a:rPr lang="en-US">
+                <a:latin typeface="Consolas" panose="020B0609020204030204" pitchFamily="49" charset="0"/>
+              </a:rPr>
+              <a:t>2 3 1 7 6 8 5 </a:t>
+            </a:r>
+            <a:r>
+              <a:rPr lang="en-US" smtClean="0">
+                <a:latin typeface="Consolas" panose="020B0609020204030204" pitchFamily="49" charset="0"/>
+              </a:rPr>
+              <a:t>4] </a:t>
+            </a:r>
+            <a:r>
+              <a:rPr lang="ru-RU" smtClean="0">
+                <a:latin typeface="Consolas" panose="020B0609020204030204" pitchFamily="49" charset="0"/>
+                <a:sym typeface="Symbol" panose="05050102010706020507" pitchFamily="18" charset="2"/>
+              </a:rPr>
+              <a:t></a:t>
+            </a:r>
+            <a:r>
+              <a:rPr lang="en-US" smtClean="0">
+                <a:latin typeface="Consolas" panose="020B0609020204030204" pitchFamily="49" charset="0"/>
+                <a:sym typeface="Symbol" panose="05050102010706020507" pitchFamily="18" charset="2"/>
+              </a:rPr>
+              <a:t> </a:t>
+            </a:r>
+            <a:r>
+              <a:rPr lang="ru-RU">
+                <a:latin typeface="Consolas" panose="020B0609020204030204" pitchFamily="49" charset="0"/>
+              </a:rPr>
+              <a:t>(1</a:t>
+            </a:r>
+            <a:r>
+              <a:rPr lang="en-US">
+                <a:latin typeface="Consolas" panose="020B0609020204030204" pitchFamily="49" charset="0"/>
+              </a:rPr>
+              <a:t> </a:t>
+            </a:r>
+            <a:r>
+              <a:rPr lang="ru-RU">
+                <a:latin typeface="Consolas" panose="020B0609020204030204" pitchFamily="49" charset="0"/>
+              </a:rPr>
+              <a:t>9</a:t>
+            </a:r>
+            <a:r>
+              <a:rPr lang="en-US">
+                <a:latin typeface="Consolas" panose="020B0609020204030204" pitchFamily="49" charset="0"/>
+              </a:rPr>
+              <a:t> </a:t>
+            </a:r>
+            <a:r>
+              <a:rPr lang="ru-RU" smtClean="0">
+                <a:latin typeface="Consolas" panose="020B0609020204030204" pitchFamily="49" charset="0"/>
+              </a:rPr>
+              <a:t>4)</a:t>
+            </a:r>
+            <a:r>
+              <a:rPr lang="en-US" smtClean="0">
+                <a:latin typeface="Consolas" panose="020B0609020204030204" pitchFamily="49" charset="0"/>
+              </a:rPr>
+              <a:t>(2)(3)</a:t>
+            </a:r>
+            <a:r>
+              <a:rPr lang="ru-RU" smtClean="0">
+                <a:latin typeface="Consolas" panose="020B0609020204030204" pitchFamily="49" charset="0"/>
+              </a:rPr>
+              <a:t>(5 </a:t>
+            </a:r>
+            <a:r>
+              <a:rPr lang="ru-RU">
+                <a:latin typeface="Consolas" panose="020B0609020204030204" pitchFamily="49" charset="0"/>
+              </a:rPr>
+              <a:t>7 8</a:t>
+            </a:r>
+            <a:r>
+              <a:rPr lang="ru-RU" smtClean="0">
+                <a:latin typeface="Consolas" panose="020B0609020204030204" pitchFamily="49" charset="0"/>
+              </a:rPr>
+              <a:t>)</a:t>
+            </a:r>
+            <a:r>
+              <a:rPr lang="en-US" smtClean="0">
+                <a:latin typeface="Consolas" panose="020B0609020204030204" pitchFamily="49" charset="0"/>
+              </a:rPr>
+              <a:t>(6)</a:t>
+            </a:r>
+            <a:endParaRPr lang="ru-RU" smtClean="0">
+              <a:latin typeface="Consolas" panose="020B0609020204030204" pitchFamily="49" charset="0"/>
+            </a:endParaRPr>
+          </a:p>
+          <a:p>
+            <a:r>
+              <a:rPr lang="ru-RU" smtClean="0"/>
+              <a:t>Для начала: какая сигнатура должна быть у  этой функции?</a:t>
+            </a:r>
+            <a:endParaRPr lang="en-US" smtClean="0"/>
+          </a:p>
+        </p:txBody>
+      </p:sp>
+    </p:spTree>
+    <p:extLst>
+      <p:ext uri="{BB962C8B-B14F-4D97-AF65-F5344CB8AC3E}">
+        <p14:creationId xmlns:p14="http://schemas.microsoft.com/office/powerpoint/2010/main" val="3049598079"/>
+      </p:ext>
+    </p:extLst>
+  </p:cSld>
+  <p:clrMapOvr>
+    <a:masterClrMapping/>
+  </p:clrMapOvr>
+</p:sld>
+</file>
+
+<file path=ppt/slides/slide74.xml><?xml version="1.0" encoding="utf-8"?>
+<p:sld xmlns:a="http://schemas.openxmlformats.org/drawingml/2006/main" xmlns:r="http://schemas.openxmlformats.org/officeDocument/2006/relationships" xmlns:p="http://schemas.openxmlformats.org/presentationml/2006/main">
+  <p:cSld>
+    <p:spTree>
+      <p:nvGrpSpPr>
+        <p:cNvPr id="1" name=""/>
+        <p:cNvGrpSpPr/>
+        <p:nvPr/>
+      </p:nvGrpSpPr>
+      <p:grpSpPr>
+        <a:xfrm>
+          <a:off x="0" y="0"/>
+          <a:ext cx="0" cy="0"/>
+          <a:chOff x="0" y="0"/>
+          <a:chExt cx="0" cy="0"/>
+        </a:xfrm>
+      </p:grpSpPr>
+      <p:sp>
+        <p:nvSpPr>
+          <p:cNvPr id="2" name="Title 1"/>
+          <p:cNvSpPr>
+            <a:spLocks noGrp="1"/>
+          </p:cNvSpPr>
+          <p:nvPr>
+            <p:ph type="title"/>
+          </p:nvPr>
+        </p:nvSpPr>
+        <p:spPr/>
+        <p:txBody>
+          <a:bodyPr/>
+          <a:lstStyle/>
+          <a:p>
+            <a:r>
+              <a:rPr lang="ru-RU" smtClean="0"/>
+              <a:t>От перестановок к циклической записи</a:t>
+            </a:r>
+            <a:endParaRPr lang="en-US"/>
+          </a:p>
+        </p:txBody>
+      </p:sp>
+      <p:sp>
+        <p:nvSpPr>
+          <p:cNvPr id="3" name="Content Placeholder 2"/>
+          <p:cNvSpPr>
+            <a:spLocks noGrp="1"/>
+          </p:cNvSpPr>
+          <p:nvPr>
+            <p:ph idx="1"/>
+          </p:nvPr>
+        </p:nvSpPr>
+        <p:spPr>
+          <a:xfrm>
+            <a:off x="1143000" y="2057400"/>
+            <a:ext cx="10200503" cy="4038600"/>
+          </a:xfrm>
+        </p:spPr>
+        <p:txBody>
+          <a:bodyPr/>
+          <a:lstStyle/>
+          <a:p>
+            <a:r>
+              <a:rPr lang="ru-RU" smtClean="0"/>
+              <a:t>Предлагамая сигнатура</a:t>
+            </a:r>
+          </a:p>
+          <a:p>
+            <a:pPr marL="45720" indent="0">
+              <a:buNone/>
+            </a:pPr>
+            <a:r>
+              <a:rPr lang="en-US">
+                <a:latin typeface="Consolas" panose="020B0609020204030204" pitchFamily="49" charset="0"/>
+              </a:rPr>
+              <a:t>// creates array of loops from permutation given by </a:t>
+            </a:r>
+            <a:r>
+              <a:rPr lang="en-US" smtClean="0">
+                <a:latin typeface="Consolas" panose="020B0609020204030204" pitchFamily="49" charset="0"/>
+              </a:rPr>
+              <a:t>table</a:t>
+            </a:r>
+            <a:r>
+              <a:rPr lang="ru-RU" smtClean="0">
+                <a:latin typeface="Consolas" panose="020B0609020204030204" pitchFamily="49" charset="0"/>
+              </a:rPr>
+              <a:t/>
+            </a:r>
+            <a:br>
+              <a:rPr lang="ru-RU" smtClean="0">
+                <a:latin typeface="Consolas" panose="020B0609020204030204" pitchFamily="49" charset="0"/>
+              </a:rPr>
+            </a:br>
+            <a:r>
+              <a:rPr lang="en-US" smtClean="0">
+                <a:latin typeface="Consolas" panose="020B0609020204030204" pitchFamily="49" charset="0"/>
+              </a:rPr>
+              <a:t>// </a:t>
+            </a:r>
+            <a:r>
+              <a:rPr lang="en-US">
+                <a:latin typeface="Consolas" panose="020B0609020204030204" pitchFamily="49" charset="0"/>
+              </a:rPr>
+              <a:t>say: a, g, [d, c, e, g, b, f, a] </a:t>
+            </a:r>
+            <a:r>
+              <a:rPr lang="ru-RU" smtClean="0">
+                <a:latin typeface="Consolas" panose="020B0609020204030204" pitchFamily="49" charset="0"/>
+              </a:rPr>
+              <a:t/>
+            </a:r>
+            <a:br>
+              <a:rPr lang="ru-RU" smtClean="0">
+                <a:latin typeface="Consolas" panose="020B0609020204030204" pitchFamily="49" charset="0"/>
+              </a:rPr>
+            </a:br>
+            <a:r>
+              <a:rPr lang="en-US" smtClean="0">
+                <a:latin typeface="Consolas" panose="020B0609020204030204" pitchFamily="49" charset="0"/>
+              </a:rPr>
+              <a:t>// </a:t>
+            </a:r>
+            <a:r>
+              <a:rPr lang="en-US">
+                <a:latin typeface="Consolas" panose="020B0609020204030204" pitchFamily="49" charset="0"/>
+              </a:rPr>
+              <a:t>gives: [(a, d, g), (b, c, e), (f)]</a:t>
+            </a:r>
+          </a:p>
+          <a:p>
+            <a:pPr marL="45720" indent="0">
+              <a:buNone/>
+            </a:pPr>
+            <a:r>
+              <a:rPr lang="en-US">
+                <a:latin typeface="Consolas" panose="020B0609020204030204" pitchFamily="49" charset="0"/>
+              </a:rPr>
+              <a:t>template &lt;typename </a:t>
+            </a:r>
+            <a:r>
+              <a:rPr lang="en-US" smtClean="0">
+                <a:latin typeface="Consolas" panose="020B0609020204030204" pitchFamily="49" charset="0"/>
+              </a:rPr>
+              <a:t>T&gt;</a:t>
+            </a:r>
+            <a:r>
+              <a:rPr lang="ru-RU" smtClean="0">
+                <a:latin typeface="Consolas" panose="020B0609020204030204" pitchFamily="49" charset="0"/>
+              </a:rPr>
+              <a:t/>
+            </a:r>
+            <a:br>
+              <a:rPr lang="ru-RU" smtClean="0">
+                <a:latin typeface="Consolas" panose="020B0609020204030204" pitchFamily="49" charset="0"/>
+              </a:rPr>
+            </a:br>
+            <a:r>
+              <a:rPr lang="en-US" smtClean="0">
+                <a:latin typeface="Consolas" panose="020B0609020204030204" pitchFamily="49" charset="0"/>
+              </a:rPr>
+              <a:t>void create_loops(T </a:t>
+            </a:r>
+            <a:r>
+              <a:rPr lang="en-US">
+                <a:latin typeface="Consolas" panose="020B0609020204030204" pitchFamily="49" charset="0"/>
+              </a:rPr>
+              <a:t>start, T fin, const vector&lt;T&gt;&amp; </a:t>
+            </a:r>
+            <a:r>
+              <a:rPr lang="en-US" smtClean="0">
+                <a:latin typeface="Consolas" panose="020B0609020204030204" pitchFamily="49" charset="0"/>
+              </a:rPr>
+              <a:t>table,</a:t>
+            </a:r>
+            <a:br>
+              <a:rPr lang="en-US" smtClean="0">
+                <a:latin typeface="Consolas" panose="020B0609020204030204" pitchFamily="49" charset="0"/>
+              </a:rPr>
+            </a:br>
+            <a:r>
+              <a:rPr lang="en-US" smtClean="0">
+                <a:latin typeface="Consolas" panose="020B0609020204030204" pitchFamily="49" charset="0"/>
+              </a:rPr>
+              <a:t>                  </a:t>
+            </a:r>
+            <a:r>
+              <a:rPr lang="en-US">
+                <a:latin typeface="Consolas" panose="020B0609020204030204" pitchFamily="49" charset="0"/>
+              </a:rPr>
+              <a:t>vector&lt;PermLoop&lt;T</a:t>
+            </a:r>
+            <a:r>
+              <a:rPr lang="en-US" smtClean="0">
+                <a:latin typeface="Consolas" panose="020B0609020204030204" pitchFamily="49" charset="0"/>
+              </a:rPr>
+              <a:t>&gt;&gt;&amp; out);</a:t>
+            </a:r>
+            <a:endParaRPr lang="en-US">
+              <a:latin typeface="Consolas" panose="020B0609020204030204" pitchFamily="49" charset="0"/>
+            </a:endParaRPr>
+          </a:p>
+          <a:p>
+            <a:r>
+              <a:rPr lang="ru-RU" smtClean="0"/>
+              <a:t>Ваша критика?</a:t>
+            </a:r>
+            <a:endParaRPr lang="en-US"/>
+          </a:p>
+        </p:txBody>
+      </p:sp>
+    </p:spTree>
+    <p:extLst>
+      <p:ext uri="{BB962C8B-B14F-4D97-AF65-F5344CB8AC3E}">
+        <p14:creationId xmlns:p14="http://schemas.microsoft.com/office/powerpoint/2010/main" val="4043186402"/>
+      </p:ext>
+    </p:extLst>
+  </p:cSld>
+  <p:clrMapOvr>
+    <a:masterClrMapping/>
+  </p:clrMapOvr>
+</p:sld>
+</file>
+
+<file path=ppt/slides/slide75.xml><?xml version="1.0" encoding="utf-8"?>
+<p:sld xmlns:a="http://schemas.openxmlformats.org/drawingml/2006/main" xmlns:r="http://schemas.openxmlformats.org/officeDocument/2006/relationships" xmlns:p="http://schemas.openxmlformats.org/presentationml/2006/main">
+  <p:cSld>
+    <p:spTree>
+      <p:nvGrpSpPr>
+        <p:cNvPr id="1" name=""/>
+        <p:cNvGrpSpPr/>
+        <p:nvPr/>
+      </p:nvGrpSpPr>
+      <p:grpSpPr>
+        <a:xfrm>
+          <a:off x="0" y="0"/>
+          <a:ext cx="0" cy="0"/>
+          <a:chOff x="0" y="0"/>
+          <a:chExt cx="0" cy="0"/>
+        </a:xfrm>
+      </p:grpSpPr>
+      <p:sp>
+        <p:nvSpPr>
+          <p:cNvPr id="2" name="Title 1"/>
+          <p:cNvSpPr>
+            <a:spLocks noGrp="1"/>
+          </p:cNvSpPr>
+          <p:nvPr>
+            <p:ph type="title"/>
+          </p:nvPr>
+        </p:nvSpPr>
+        <p:spPr/>
+        <p:txBody>
+          <a:bodyPr/>
+          <a:lstStyle/>
+          <a:p>
+            <a:r>
+              <a:rPr lang="ru-RU" smtClean="0"/>
+              <a:t>От перестановок к циклической записи</a:t>
+            </a:r>
+            <a:endParaRPr lang="en-US"/>
+          </a:p>
+        </p:txBody>
+      </p:sp>
+      <p:sp>
+        <p:nvSpPr>
+          <p:cNvPr id="3" name="Content Placeholder 2"/>
+          <p:cNvSpPr>
+            <a:spLocks noGrp="1"/>
+          </p:cNvSpPr>
+          <p:nvPr>
+            <p:ph idx="1"/>
+          </p:nvPr>
+        </p:nvSpPr>
+        <p:spPr>
+          <a:xfrm>
+            <a:off x="1143000" y="2057400"/>
+            <a:ext cx="10200503" cy="4038600"/>
+          </a:xfrm>
+        </p:spPr>
+        <p:txBody>
+          <a:bodyPr/>
+          <a:lstStyle/>
+          <a:p>
+            <a:r>
+              <a:rPr lang="ru-RU" smtClean="0"/>
+              <a:t>Предлагамая сигнатура</a:t>
+            </a:r>
+          </a:p>
+          <a:p>
+            <a:pPr marL="45720" indent="0">
+              <a:buNone/>
+            </a:pPr>
+            <a:r>
+              <a:rPr lang="en-US">
+                <a:latin typeface="Consolas" panose="020B0609020204030204" pitchFamily="49" charset="0"/>
+              </a:rPr>
+              <a:t>// creates array of loops from permutation given by </a:t>
+            </a:r>
+            <a:r>
+              <a:rPr lang="en-US" smtClean="0">
+                <a:latin typeface="Consolas" panose="020B0609020204030204" pitchFamily="49" charset="0"/>
+              </a:rPr>
+              <a:t>table</a:t>
+            </a:r>
+            <a:r>
+              <a:rPr lang="ru-RU" smtClean="0">
+                <a:latin typeface="Consolas" panose="020B0609020204030204" pitchFamily="49" charset="0"/>
+              </a:rPr>
+              <a:t/>
+            </a:r>
+            <a:br>
+              <a:rPr lang="ru-RU" smtClean="0">
+                <a:latin typeface="Consolas" panose="020B0609020204030204" pitchFamily="49" charset="0"/>
+              </a:rPr>
+            </a:br>
+            <a:r>
+              <a:rPr lang="en-US" smtClean="0">
+                <a:latin typeface="Consolas" panose="020B0609020204030204" pitchFamily="49" charset="0"/>
+              </a:rPr>
+              <a:t>// </a:t>
+            </a:r>
+            <a:r>
+              <a:rPr lang="en-US">
+                <a:latin typeface="Consolas" panose="020B0609020204030204" pitchFamily="49" charset="0"/>
+              </a:rPr>
+              <a:t>say: a, g, [d, c, e, g, b, f, a] </a:t>
+            </a:r>
+            <a:r>
+              <a:rPr lang="ru-RU" smtClean="0">
+                <a:latin typeface="Consolas" panose="020B0609020204030204" pitchFamily="49" charset="0"/>
+              </a:rPr>
+              <a:t/>
+            </a:r>
+            <a:br>
+              <a:rPr lang="ru-RU" smtClean="0">
+                <a:latin typeface="Consolas" panose="020B0609020204030204" pitchFamily="49" charset="0"/>
+              </a:rPr>
+            </a:br>
+            <a:r>
+              <a:rPr lang="en-US" smtClean="0">
+                <a:latin typeface="Consolas" panose="020B0609020204030204" pitchFamily="49" charset="0"/>
+              </a:rPr>
+              <a:t>// </a:t>
+            </a:r>
+            <a:r>
+              <a:rPr lang="en-US">
+                <a:latin typeface="Consolas" panose="020B0609020204030204" pitchFamily="49" charset="0"/>
+              </a:rPr>
+              <a:t>gives: [(a, d, g), (b, c, e), (f)]</a:t>
+            </a:r>
+          </a:p>
+          <a:p>
+            <a:pPr marL="45720" indent="0">
+              <a:buNone/>
+            </a:pPr>
+            <a:r>
+              <a:rPr lang="en-US">
+                <a:latin typeface="Consolas" panose="020B0609020204030204" pitchFamily="49" charset="0"/>
+              </a:rPr>
+              <a:t>template &lt;typename </a:t>
+            </a:r>
+            <a:r>
+              <a:rPr lang="en-US" smtClean="0">
+                <a:latin typeface="Consolas" panose="020B0609020204030204" pitchFamily="49" charset="0"/>
+              </a:rPr>
+              <a:t>T&gt;</a:t>
+            </a:r>
+            <a:r>
+              <a:rPr lang="ru-RU" smtClean="0">
+                <a:latin typeface="Consolas" panose="020B0609020204030204" pitchFamily="49" charset="0"/>
+              </a:rPr>
+              <a:t/>
+            </a:r>
+            <a:br>
+              <a:rPr lang="ru-RU" smtClean="0">
+                <a:latin typeface="Consolas" panose="020B0609020204030204" pitchFamily="49" charset="0"/>
+              </a:rPr>
+            </a:br>
+            <a:r>
+              <a:rPr lang="en-US" smtClean="0">
+                <a:latin typeface="Consolas" panose="020B0609020204030204" pitchFamily="49" charset="0"/>
+              </a:rPr>
+              <a:t>void create_loops(T </a:t>
+            </a:r>
+            <a:r>
+              <a:rPr lang="en-US">
+                <a:latin typeface="Consolas" panose="020B0609020204030204" pitchFamily="49" charset="0"/>
+              </a:rPr>
+              <a:t>start, T fin, const vector&lt;T&gt;&amp; </a:t>
+            </a:r>
+            <a:r>
+              <a:rPr lang="en-US" smtClean="0">
+                <a:latin typeface="Consolas" panose="020B0609020204030204" pitchFamily="49" charset="0"/>
+              </a:rPr>
+              <a:t>table,</a:t>
+            </a:r>
+            <a:br>
+              <a:rPr lang="en-US" smtClean="0">
+                <a:latin typeface="Consolas" panose="020B0609020204030204" pitchFamily="49" charset="0"/>
+              </a:rPr>
+            </a:br>
+            <a:r>
+              <a:rPr lang="en-US" smtClean="0">
+                <a:latin typeface="Consolas" panose="020B0609020204030204" pitchFamily="49" charset="0"/>
+              </a:rPr>
+              <a:t>                  </a:t>
+            </a:r>
+            <a:r>
+              <a:rPr lang="en-US">
+                <a:latin typeface="Consolas" panose="020B0609020204030204" pitchFamily="49" charset="0"/>
+              </a:rPr>
+              <a:t>vector&lt;PermLoop&lt;T</a:t>
+            </a:r>
+            <a:r>
+              <a:rPr lang="en-US" smtClean="0">
+                <a:latin typeface="Consolas" panose="020B0609020204030204" pitchFamily="49" charset="0"/>
+              </a:rPr>
+              <a:t>&gt;&gt;&amp; out);</a:t>
+            </a:r>
+            <a:endParaRPr lang="en-US">
+              <a:latin typeface="Consolas" panose="020B0609020204030204" pitchFamily="49" charset="0"/>
+            </a:endParaRPr>
+          </a:p>
+          <a:p>
+            <a:r>
+              <a:rPr lang="ru-RU" smtClean="0"/>
+              <a:t>Ваша критика?</a:t>
+            </a:r>
+            <a:endParaRPr lang="en-US"/>
+          </a:p>
+        </p:txBody>
+      </p:sp>
+    </p:spTree>
+    <p:extLst>
+      <p:ext uri="{BB962C8B-B14F-4D97-AF65-F5344CB8AC3E}">
+        <p14:creationId xmlns:p14="http://schemas.microsoft.com/office/powerpoint/2010/main" val="3387220986"/>
+      </p:ext>
+    </p:extLst>
+  </p:cSld>
+  <p:clrMapOvr>
+    <a:masterClrMapping/>
+  </p:clrMapOvr>
+</p:sld>
+</file>
+
+<file path=ppt/slides/slide76.xml><?xml version="1.0" encoding="utf-8"?>
+<p:sld xmlns:a="http://schemas.openxmlformats.org/drawingml/2006/main" xmlns:r="http://schemas.openxmlformats.org/officeDocument/2006/relationships" xmlns:p="http://schemas.openxmlformats.org/presentationml/2006/main">
+  <p:cSld>
+    <p:spTree>
+      <p:nvGrpSpPr>
+        <p:cNvPr id="1" name=""/>
+        <p:cNvGrpSpPr/>
+        <p:nvPr/>
+      </p:nvGrpSpPr>
+      <p:grpSpPr>
+        <a:xfrm>
+          <a:off x="0" y="0"/>
+          <a:ext cx="0" cy="0"/>
+          <a:chOff x="0" y="0"/>
+          <a:chExt cx="0" cy="0"/>
+        </a:xfrm>
+      </p:grpSpPr>
+      <p:sp>
+        <p:nvSpPr>
+          <p:cNvPr id="2" name="Title 1"/>
+          <p:cNvSpPr>
+            <a:spLocks noGrp="1"/>
+          </p:cNvSpPr>
+          <p:nvPr>
+            <p:ph type="title"/>
+          </p:nvPr>
+        </p:nvSpPr>
+        <p:spPr/>
+        <p:txBody>
+          <a:bodyPr/>
+          <a:lstStyle/>
+          <a:p>
+            <a:r>
+              <a:rPr lang="ru-RU" smtClean="0"/>
+              <a:t>Области определения</a:t>
+            </a:r>
+            <a:endParaRPr lang="en-US"/>
+          </a:p>
+        </p:txBody>
+      </p:sp>
+      <p:sp>
+        <p:nvSpPr>
+          <p:cNvPr id="3" name="Content Placeholder 2"/>
+          <p:cNvSpPr>
+            <a:spLocks noGrp="1"/>
+          </p:cNvSpPr>
+          <p:nvPr>
+            <p:ph idx="1"/>
+          </p:nvPr>
+        </p:nvSpPr>
+        <p:spPr/>
+        <p:txBody>
+          <a:bodyPr/>
+          <a:lstStyle/>
+          <a:p>
+            <a:r>
+              <a:rPr lang="ru-RU" smtClean="0"/>
+              <a:t>Кодирование области определения как (</a:t>
+            </a:r>
+            <a:r>
+              <a:rPr lang="en-US" smtClean="0">
+                <a:latin typeface="Consolas" panose="020B0609020204030204" pitchFamily="49" charset="0"/>
+              </a:rPr>
+              <a:t>T </a:t>
+            </a:r>
+            <a:r>
+              <a:rPr lang="en-US">
+                <a:latin typeface="Consolas" panose="020B0609020204030204" pitchFamily="49" charset="0"/>
+              </a:rPr>
+              <a:t>start, T </a:t>
+            </a:r>
+            <a:r>
+              <a:rPr lang="en-US" smtClean="0">
+                <a:latin typeface="Consolas" panose="020B0609020204030204" pitchFamily="49" charset="0"/>
+              </a:rPr>
+              <a:t>fin</a:t>
+            </a:r>
+            <a:r>
+              <a:rPr lang="ru-RU" smtClean="0">
+                <a:latin typeface="Consolas" panose="020B0609020204030204" pitchFamily="49" charset="0"/>
+              </a:rPr>
+              <a:t>)</a:t>
+            </a:r>
+            <a:r>
+              <a:rPr lang="ru-RU" smtClean="0"/>
+              <a:t> крайне неуместно</a:t>
+            </a:r>
+          </a:p>
+          <a:p>
+            <a:r>
+              <a:rPr lang="ru-RU" smtClean="0"/>
+              <a:t>Вместо этого можно взять класс вроде такого</a:t>
+            </a:r>
+          </a:p>
+          <a:p>
+            <a:pPr marL="45720" indent="0">
+              <a:buNone/>
+            </a:pPr>
+            <a:r>
+              <a:rPr lang="en-US">
+                <a:latin typeface="Consolas" panose="020B0609020204030204" pitchFamily="49" charset="0"/>
+              </a:rPr>
+              <a:t>template &lt;typename T, T start_, T fin</a:t>
+            </a:r>
+            <a:r>
+              <a:rPr lang="en-US" smtClean="0">
+                <a:latin typeface="Consolas" panose="020B0609020204030204" pitchFamily="49" charset="0"/>
+              </a:rPr>
+              <a:t>_&gt;</a:t>
+            </a:r>
+            <a:r>
+              <a:rPr lang="ru-RU" smtClean="0">
+                <a:latin typeface="Consolas" panose="020B0609020204030204" pitchFamily="49" charset="0"/>
+              </a:rPr>
+              <a:t> </a:t>
+            </a:r>
+            <a:r>
+              <a:rPr lang="en-US" smtClean="0">
+                <a:latin typeface="Consolas" panose="020B0609020204030204" pitchFamily="49" charset="0"/>
+              </a:rPr>
+              <a:t>struct </a:t>
+            </a:r>
+            <a:r>
+              <a:rPr lang="en-US">
+                <a:latin typeface="Consolas" panose="020B0609020204030204" pitchFamily="49" charset="0"/>
+              </a:rPr>
+              <a:t>Idom </a:t>
+            </a:r>
+            <a:r>
+              <a:rPr lang="en-US" smtClean="0">
+                <a:latin typeface="Consolas" panose="020B0609020204030204" pitchFamily="49" charset="0"/>
+              </a:rPr>
+              <a:t>{</a:t>
+            </a:r>
+            <a:r>
+              <a:rPr lang="ru-RU" smtClean="0">
+                <a:latin typeface="Consolas" panose="020B0609020204030204" pitchFamily="49" charset="0"/>
+              </a:rPr>
+              <a:t/>
+            </a:r>
+            <a:br>
+              <a:rPr lang="ru-RU" smtClean="0">
+                <a:latin typeface="Consolas" panose="020B0609020204030204" pitchFamily="49" charset="0"/>
+              </a:rPr>
+            </a:br>
+            <a:r>
+              <a:rPr lang="en-US" smtClean="0">
+                <a:latin typeface="Consolas" panose="020B0609020204030204" pitchFamily="49" charset="0"/>
+              </a:rPr>
+              <a:t>  </a:t>
+            </a:r>
+            <a:r>
+              <a:rPr lang="en-US">
+                <a:latin typeface="Consolas" panose="020B0609020204030204" pitchFamily="49" charset="0"/>
+              </a:rPr>
+              <a:t>T val</a:t>
+            </a:r>
+            <a:r>
+              <a:rPr lang="en-US" smtClean="0">
+                <a:latin typeface="Consolas" panose="020B0609020204030204" pitchFamily="49" charset="0"/>
+              </a:rPr>
+              <a:t>_;</a:t>
+            </a:r>
+            <a:r>
+              <a:rPr lang="ru-RU" smtClean="0">
+                <a:latin typeface="Consolas" panose="020B0609020204030204" pitchFamily="49" charset="0"/>
+              </a:rPr>
+              <a:t/>
+            </a:r>
+            <a:br>
+              <a:rPr lang="ru-RU" smtClean="0">
+                <a:latin typeface="Consolas" panose="020B0609020204030204" pitchFamily="49" charset="0"/>
+              </a:rPr>
+            </a:br>
+            <a:r>
+              <a:rPr lang="en-US" smtClean="0">
+                <a:latin typeface="Consolas" panose="020B0609020204030204" pitchFamily="49" charset="0"/>
+              </a:rPr>
+              <a:t>  </a:t>
+            </a:r>
+            <a:r>
+              <a:rPr lang="en-US">
+                <a:latin typeface="Consolas" panose="020B0609020204030204" pitchFamily="49" charset="0"/>
+              </a:rPr>
+              <a:t>Idom(T val) : val_(val) </a:t>
+            </a:r>
+            <a:r>
+              <a:rPr lang="en-US" smtClean="0">
+                <a:latin typeface="Consolas" panose="020B0609020204030204" pitchFamily="49" charset="0"/>
+              </a:rPr>
+              <a:t>{}</a:t>
+            </a:r>
+            <a:r>
+              <a:rPr lang="ru-RU" smtClean="0">
+                <a:latin typeface="Consolas" panose="020B0609020204030204" pitchFamily="49" charset="0"/>
+              </a:rPr>
+              <a:t> </a:t>
+            </a:r>
+            <a:r>
+              <a:rPr lang="en-US" smtClean="0">
+                <a:latin typeface="Consolas" panose="020B0609020204030204" pitchFamily="49" charset="0"/>
+              </a:rPr>
+              <a:t>// range check possible</a:t>
+            </a:r>
+            <a:br>
+              <a:rPr lang="en-US" smtClean="0">
+                <a:latin typeface="Consolas" panose="020B0609020204030204" pitchFamily="49" charset="0"/>
+              </a:rPr>
+            </a:br>
+            <a:r>
+              <a:rPr lang="en-US" smtClean="0">
+                <a:latin typeface="Consolas" panose="020B0609020204030204" pitchFamily="49" charset="0"/>
+              </a:rPr>
+              <a:t>  </a:t>
+            </a:r>
+            <a:r>
+              <a:rPr lang="en-US">
+                <a:latin typeface="Consolas" panose="020B0609020204030204" pitchFamily="49" charset="0"/>
+              </a:rPr>
+              <a:t>operator T() const { return val_; </a:t>
+            </a:r>
+            <a:r>
+              <a:rPr lang="en-US" smtClean="0">
+                <a:latin typeface="Consolas" panose="020B0609020204030204" pitchFamily="49" charset="0"/>
+              </a:rPr>
+              <a:t>}</a:t>
+            </a:r>
+            <a:br>
+              <a:rPr lang="en-US" smtClean="0">
+                <a:latin typeface="Consolas" panose="020B0609020204030204" pitchFamily="49" charset="0"/>
+              </a:rPr>
+            </a:br>
+            <a:r>
+              <a:rPr lang="en-US" smtClean="0">
+                <a:latin typeface="Consolas" panose="020B0609020204030204" pitchFamily="49" charset="0"/>
+              </a:rPr>
+              <a:t>  </a:t>
+            </a:r>
+            <a:r>
+              <a:rPr lang="en-US">
+                <a:latin typeface="Consolas" panose="020B0609020204030204" pitchFamily="49" charset="0"/>
+              </a:rPr>
+              <a:t>using type = T</a:t>
+            </a:r>
+            <a:r>
+              <a:rPr lang="en-US" smtClean="0">
+                <a:latin typeface="Consolas" panose="020B0609020204030204" pitchFamily="49" charset="0"/>
+              </a:rPr>
+              <a:t>;</a:t>
+            </a:r>
+            <a:br>
+              <a:rPr lang="en-US" smtClean="0">
+                <a:latin typeface="Consolas" panose="020B0609020204030204" pitchFamily="49" charset="0"/>
+              </a:rPr>
+            </a:br>
+            <a:r>
+              <a:rPr lang="en-US" smtClean="0">
+                <a:latin typeface="Consolas" panose="020B0609020204030204" pitchFamily="49" charset="0"/>
+              </a:rPr>
+              <a:t>  </a:t>
+            </a:r>
+            <a:r>
+              <a:rPr lang="en-US">
+                <a:latin typeface="Consolas" panose="020B0609020204030204" pitchFamily="49" charset="0"/>
+              </a:rPr>
+              <a:t>static constexpr T start = start</a:t>
+            </a:r>
+            <a:r>
+              <a:rPr lang="en-US" smtClean="0">
+                <a:latin typeface="Consolas" panose="020B0609020204030204" pitchFamily="49" charset="0"/>
+              </a:rPr>
+              <a:t>_;</a:t>
+            </a:r>
+            <a:br>
+              <a:rPr lang="en-US" smtClean="0">
+                <a:latin typeface="Consolas" panose="020B0609020204030204" pitchFamily="49" charset="0"/>
+              </a:rPr>
+            </a:br>
+            <a:r>
+              <a:rPr lang="en-US" smtClean="0">
+                <a:latin typeface="Consolas" panose="020B0609020204030204" pitchFamily="49" charset="0"/>
+              </a:rPr>
+              <a:t>  </a:t>
+            </a:r>
+            <a:r>
+              <a:rPr lang="en-US">
+                <a:latin typeface="Consolas" panose="020B0609020204030204" pitchFamily="49" charset="0"/>
+              </a:rPr>
+              <a:t>static constexpr T fin = fin</a:t>
+            </a:r>
+            <a:r>
+              <a:rPr lang="en-US" smtClean="0">
+                <a:latin typeface="Consolas" panose="020B0609020204030204" pitchFamily="49" charset="0"/>
+              </a:rPr>
+              <a:t>_;</a:t>
+            </a:r>
+            <a:br>
+              <a:rPr lang="en-US" smtClean="0">
+                <a:latin typeface="Consolas" panose="020B0609020204030204" pitchFamily="49" charset="0"/>
+              </a:rPr>
+            </a:br>
+            <a:r>
+              <a:rPr lang="en-US" smtClean="0">
+                <a:latin typeface="Consolas" panose="020B0609020204030204" pitchFamily="49" charset="0"/>
+              </a:rPr>
+              <a:t>};</a:t>
+            </a:r>
+            <a:endParaRPr lang="en-US">
+              <a:latin typeface="Consolas" panose="020B0609020204030204" pitchFamily="49" charset="0"/>
+            </a:endParaRPr>
+          </a:p>
+          <a:p>
+            <a:pPr marL="45720" indent="0">
+              <a:buNone/>
+            </a:pPr>
+            <a:endParaRPr lang="en-US"/>
+          </a:p>
+        </p:txBody>
+      </p:sp>
+    </p:spTree>
+    <p:extLst>
+      <p:ext uri="{BB962C8B-B14F-4D97-AF65-F5344CB8AC3E}">
+        <p14:creationId xmlns:p14="http://schemas.microsoft.com/office/powerpoint/2010/main" val="3503373070"/>
+      </p:ext>
+    </p:extLst>
+  </p:cSld>
+  <p:clrMapOvr>
+    <a:masterClrMapping/>
+  </p:clrMapOvr>
+</p:sld>
+</file>
+
+<file path=ppt/slides/slide77.xml><?xml version="1.0" encoding="utf-8"?>
+<p:sld xmlns:a="http://schemas.openxmlformats.org/drawingml/2006/main" xmlns:r="http://schemas.openxmlformats.org/officeDocument/2006/relationships" xmlns:p="http://schemas.openxmlformats.org/presentationml/2006/main">
+  <p:cSld>
+    <p:spTree>
+      <p:nvGrpSpPr>
+        <p:cNvPr id="1" name=""/>
+        <p:cNvGrpSpPr/>
+        <p:nvPr/>
+      </p:nvGrpSpPr>
+      <p:grpSpPr>
+        <a:xfrm>
+          <a:off x="0" y="0"/>
+          <a:ext cx="0" cy="0"/>
+          <a:chOff x="0" y="0"/>
+          <a:chExt cx="0" cy="0"/>
+        </a:xfrm>
+      </p:grpSpPr>
+      <p:sp>
+        <p:nvSpPr>
+          <p:cNvPr id="2" name="Title 1"/>
+          <p:cNvSpPr>
+            <a:spLocks noGrp="1"/>
+          </p:cNvSpPr>
+          <p:nvPr>
+            <p:ph type="title"/>
+          </p:nvPr>
+        </p:nvSpPr>
+        <p:spPr/>
+        <p:txBody>
+          <a:bodyPr/>
+          <a:lstStyle/>
+          <a:p>
+            <a:r>
+              <a:rPr lang="ru-RU" smtClean="0"/>
+              <a:t>От перестановок к циклической записи</a:t>
+            </a:r>
+            <a:endParaRPr lang="en-US"/>
+          </a:p>
+        </p:txBody>
+      </p:sp>
+      <p:sp>
+        <p:nvSpPr>
+          <p:cNvPr id="3" name="Content Placeholder 2"/>
+          <p:cNvSpPr>
+            <a:spLocks noGrp="1"/>
+          </p:cNvSpPr>
+          <p:nvPr>
+            <p:ph idx="1"/>
+          </p:nvPr>
+        </p:nvSpPr>
+        <p:spPr>
+          <a:xfrm>
+            <a:off x="1143000" y="2057400"/>
+            <a:ext cx="10752438" cy="4038600"/>
+          </a:xfrm>
+        </p:spPr>
+        <p:txBody>
+          <a:bodyPr/>
+          <a:lstStyle/>
+          <a:p>
+            <a:r>
+              <a:rPr lang="ru-RU" smtClean="0"/>
+              <a:t>Предлагамая сигнатура</a:t>
+            </a:r>
+          </a:p>
+          <a:p>
+            <a:pPr marL="45720" indent="0">
+              <a:buNone/>
+            </a:pPr>
+            <a:r>
+              <a:rPr lang="en-US">
+                <a:latin typeface="Consolas" panose="020B0609020204030204" pitchFamily="49" charset="0"/>
+              </a:rPr>
+              <a:t>// creates array of loops from permutation given by </a:t>
+            </a:r>
+            <a:r>
+              <a:rPr lang="en-US" smtClean="0">
+                <a:latin typeface="Consolas" panose="020B0609020204030204" pitchFamily="49" charset="0"/>
+              </a:rPr>
+              <a:t>table</a:t>
+            </a:r>
+            <a:r>
+              <a:rPr lang="ru-RU" smtClean="0">
+                <a:latin typeface="Consolas" panose="020B0609020204030204" pitchFamily="49" charset="0"/>
+              </a:rPr>
+              <a:t/>
+            </a:r>
+            <a:br>
+              <a:rPr lang="ru-RU" smtClean="0">
+                <a:latin typeface="Consolas" panose="020B0609020204030204" pitchFamily="49" charset="0"/>
+              </a:rPr>
+            </a:br>
+            <a:r>
+              <a:rPr lang="en-US" smtClean="0">
+                <a:latin typeface="Consolas" panose="020B0609020204030204" pitchFamily="49" charset="0"/>
+              </a:rPr>
+              <a:t>// </a:t>
+            </a:r>
+            <a:r>
+              <a:rPr lang="en-US">
+                <a:latin typeface="Consolas" panose="020B0609020204030204" pitchFamily="49" charset="0"/>
+              </a:rPr>
+              <a:t>say: </a:t>
+            </a:r>
+            <a:r>
+              <a:rPr lang="en-US" smtClean="0">
+                <a:latin typeface="Consolas" panose="020B0609020204030204" pitchFamily="49" charset="0"/>
+              </a:rPr>
+              <a:t>[</a:t>
+            </a:r>
+            <a:r>
+              <a:rPr lang="en-US">
+                <a:latin typeface="Consolas" panose="020B0609020204030204" pitchFamily="49" charset="0"/>
+              </a:rPr>
+              <a:t>d, c, e, g, b, f, a] </a:t>
+            </a:r>
+            <a:r>
+              <a:rPr lang="ru-RU" smtClean="0">
+                <a:latin typeface="Consolas" panose="020B0609020204030204" pitchFamily="49" charset="0"/>
+              </a:rPr>
+              <a:t/>
+            </a:r>
+            <a:br>
+              <a:rPr lang="ru-RU" smtClean="0">
+                <a:latin typeface="Consolas" panose="020B0609020204030204" pitchFamily="49" charset="0"/>
+              </a:rPr>
+            </a:br>
+            <a:r>
+              <a:rPr lang="en-US" smtClean="0">
+                <a:latin typeface="Consolas" panose="020B0609020204030204" pitchFamily="49" charset="0"/>
+              </a:rPr>
+              <a:t>// </a:t>
+            </a:r>
+            <a:r>
+              <a:rPr lang="en-US">
+                <a:latin typeface="Consolas" panose="020B0609020204030204" pitchFamily="49" charset="0"/>
+              </a:rPr>
+              <a:t>gives: [(a, d, g), (b, c, e), (f)]</a:t>
+            </a:r>
+          </a:p>
+          <a:p>
+            <a:pPr marL="45720" indent="0">
+              <a:buNone/>
+            </a:pPr>
+            <a:r>
+              <a:rPr lang="en-US">
+                <a:latin typeface="Consolas" panose="020B0609020204030204" pitchFamily="49" charset="0"/>
+              </a:rPr>
+              <a:t>template &lt;typename </a:t>
+            </a:r>
+            <a:r>
+              <a:rPr lang="en-US" smtClean="0">
+                <a:latin typeface="Consolas" panose="020B0609020204030204" pitchFamily="49" charset="0"/>
+              </a:rPr>
+              <a:t>T&gt;</a:t>
+            </a:r>
+            <a:r>
+              <a:rPr lang="ru-RU" smtClean="0">
+                <a:latin typeface="Consolas" panose="020B0609020204030204" pitchFamily="49" charset="0"/>
+              </a:rPr>
+              <a:t/>
+            </a:r>
+            <a:br>
+              <a:rPr lang="ru-RU" smtClean="0">
+                <a:latin typeface="Consolas" panose="020B0609020204030204" pitchFamily="49" charset="0"/>
+              </a:rPr>
+            </a:br>
+            <a:r>
+              <a:rPr lang="en-US" smtClean="0">
+                <a:latin typeface="Consolas" panose="020B0609020204030204" pitchFamily="49" charset="0"/>
+              </a:rPr>
+              <a:t>void create_loops(const </a:t>
+            </a:r>
+            <a:r>
+              <a:rPr lang="en-US">
+                <a:latin typeface="Consolas" panose="020B0609020204030204" pitchFamily="49" charset="0"/>
+              </a:rPr>
+              <a:t>vector&lt;T&gt;&amp; </a:t>
+            </a:r>
+            <a:r>
+              <a:rPr lang="en-US" smtClean="0">
+                <a:latin typeface="Consolas" panose="020B0609020204030204" pitchFamily="49" charset="0"/>
+              </a:rPr>
+              <a:t>table,</a:t>
+            </a:r>
+            <a:r>
+              <a:rPr lang="ru-RU" smtClean="0">
+                <a:latin typeface="Consolas" panose="020B0609020204030204" pitchFamily="49" charset="0"/>
+              </a:rPr>
+              <a:t> </a:t>
+            </a:r>
+            <a:r>
+              <a:rPr lang="en-US" smtClean="0">
+                <a:latin typeface="Consolas" panose="020B0609020204030204" pitchFamily="49" charset="0"/>
+              </a:rPr>
+              <a:t>vector&lt;PermLoop&lt;T&gt;&gt;&amp; out);</a:t>
+            </a:r>
+            <a:endParaRPr lang="en-US">
+              <a:latin typeface="Consolas" panose="020B0609020204030204" pitchFamily="49" charset="0"/>
+            </a:endParaRPr>
+          </a:p>
+          <a:p>
+            <a:r>
+              <a:rPr lang="ru-RU" smtClean="0"/>
+              <a:t>Теперь параметр это </a:t>
+            </a:r>
+            <a:r>
+              <a:rPr lang="en-US" smtClean="0"/>
+              <a:t>domain, </a:t>
+            </a:r>
+            <a:r>
+              <a:rPr lang="ru-RU" smtClean="0"/>
+              <a:t>предполагаем, что есть </a:t>
+            </a:r>
+            <a:r>
+              <a:rPr lang="en-US">
+                <a:latin typeface="Consolas" panose="020B0609020204030204" pitchFamily="49" charset="0"/>
+              </a:rPr>
+              <a:t>T::start, T::fin</a:t>
+            </a:r>
+            <a:endParaRPr lang="ru-RU" smtClean="0"/>
+          </a:p>
+          <a:p>
+            <a:r>
+              <a:rPr lang="ru-RU" smtClean="0"/>
+              <a:t>Ещё критика?</a:t>
+            </a:r>
+            <a:endParaRPr lang="en-US"/>
+          </a:p>
+        </p:txBody>
+      </p:sp>
+    </p:spTree>
+    <p:extLst>
+      <p:ext uri="{BB962C8B-B14F-4D97-AF65-F5344CB8AC3E}">
+        <p14:creationId xmlns:p14="http://schemas.microsoft.com/office/powerpoint/2010/main" val="2711767273"/>
+      </p:ext>
+    </p:extLst>
+  </p:cSld>
+  <p:clrMapOvr>
+    <a:masterClrMapping/>
+  </p:clrMapOvr>
+</p:sld>
+</file>
+
+<file path=ppt/slides/slide78.xml><?xml version="1.0" encoding="utf-8"?>
+<p:sld xmlns:a="http://schemas.openxmlformats.org/drawingml/2006/main" xmlns:r="http://schemas.openxmlformats.org/officeDocument/2006/relationships" xmlns:p="http://schemas.openxmlformats.org/presentationml/2006/main">
+  <p:cSld>
+    <p:spTree>
+      <p:nvGrpSpPr>
+        <p:cNvPr id="1" name=""/>
+        <p:cNvGrpSpPr/>
+        <p:nvPr/>
+      </p:nvGrpSpPr>
+      <p:grpSpPr>
+        <a:xfrm>
+          <a:off x="0" y="0"/>
+          <a:ext cx="0" cy="0"/>
+          <a:chOff x="0" y="0"/>
+          <a:chExt cx="0" cy="0"/>
+        </a:xfrm>
+      </p:grpSpPr>
+      <p:sp>
+        <p:nvSpPr>
+          <p:cNvPr id="2" name="Title 1"/>
+          <p:cNvSpPr>
+            <a:spLocks noGrp="1"/>
+          </p:cNvSpPr>
+          <p:nvPr>
+            <p:ph type="title"/>
+          </p:nvPr>
+        </p:nvSpPr>
+        <p:spPr/>
+        <p:txBody>
+          <a:bodyPr/>
+          <a:lstStyle/>
+          <a:p>
+            <a:r>
+              <a:rPr lang="ru-RU" smtClean="0"/>
+              <a:t>От перестановок к циклической записи</a:t>
+            </a:r>
+            <a:endParaRPr lang="en-US"/>
+          </a:p>
+        </p:txBody>
+      </p:sp>
+      <p:sp>
+        <p:nvSpPr>
+          <p:cNvPr id="3" name="Content Placeholder 2"/>
+          <p:cNvSpPr>
+            <a:spLocks noGrp="1"/>
+          </p:cNvSpPr>
+          <p:nvPr>
+            <p:ph idx="1"/>
+          </p:nvPr>
+        </p:nvSpPr>
+        <p:spPr>
+          <a:xfrm>
+            <a:off x="1143000" y="2057400"/>
+            <a:ext cx="10752438" cy="4038600"/>
+          </a:xfrm>
+        </p:spPr>
+        <p:txBody>
+          <a:bodyPr/>
+          <a:lstStyle/>
+          <a:p>
+            <a:r>
+              <a:rPr lang="ru-RU" smtClean="0"/>
+              <a:t>Предлагамая сигнатура</a:t>
+            </a:r>
+          </a:p>
+          <a:p>
+            <a:pPr marL="45720" indent="0">
+              <a:buNone/>
+            </a:pPr>
+            <a:r>
+              <a:rPr lang="en-US">
+                <a:latin typeface="Consolas" panose="020B0609020204030204" pitchFamily="49" charset="0"/>
+              </a:rPr>
+              <a:t>// creates array of loops from permutation given by </a:t>
+            </a:r>
+            <a:r>
+              <a:rPr lang="en-US" smtClean="0">
+                <a:latin typeface="Consolas" panose="020B0609020204030204" pitchFamily="49" charset="0"/>
+              </a:rPr>
+              <a:t>table</a:t>
+            </a:r>
+            <a:r>
+              <a:rPr lang="ru-RU" smtClean="0">
+                <a:latin typeface="Consolas" panose="020B0609020204030204" pitchFamily="49" charset="0"/>
+              </a:rPr>
+              <a:t/>
+            </a:r>
+            <a:br>
+              <a:rPr lang="ru-RU" smtClean="0">
+                <a:latin typeface="Consolas" panose="020B0609020204030204" pitchFamily="49" charset="0"/>
+              </a:rPr>
+            </a:br>
+            <a:r>
+              <a:rPr lang="en-US" smtClean="0">
+                <a:latin typeface="Consolas" panose="020B0609020204030204" pitchFamily="49" charset="0"/>
+              </a:rPr>
+              <a:t>// </a:t>
+            </a:r>
+            <a:r>
+              <a:rPr lang="en-US">
+                <a:latin typeface="Consolas" panose="020B0609020204030204" pitchFamily="49" charset="0"/>
+              </a:rPr>
+              <a:t>say: </a:t>
+            </a:r>
+            <a:r>
+              <a:rPr lang="en-US" smtClean="0">
+                <a:latin typeface="Consolas" panose="020B0609020204030204" pitchFamily="49" charset="0"/>
+              </a:rPr>
+              <a:t>[</a:t>
+            </a:r>
+            <a:r>
+              <a:rPr lang="en-US">
+                <a:latin typeface="Consolas" panose="020B0609020204030204" pitchFamily="49" charset="0"/>
+              </a:rPr>
+              <a:t>d, c, e, g, b, f, a] </a:t>
+            </a:r>
+            <a:r>
+              <a:rPr lang="ru-RU" smtClean="0">
+                <a:latin typeface="Consolas" panose="020B0609020204030204" pitchFamily="49" charset="0"/>
+              </a:rPr>
+              <a:t/>
+            </a:r>
+            <a:br>
+              <a:rPr lang="ru-RU" smtClean="0">
+                <a:latin typeface="Consolas" panose="020B0609020204030204" pitchFamily="49" charset="0"/>
+              </a:rPr>
+            </a:br>
+            <a:r>
+              <a:rPr lang="en-US" smtClean="0">
+                <a:latin typeface="Consolas" panose="020B0609020204030204" pitchFamily="49" charset="0"/>
+              </a:rPr>
+              <a:t>// </a:t>
+            </a:r>
+            <a:r>
+              <a:rPr lang="en-US">
+                <a:latin typeface="Consolas" panose="020B0609020204030204" pitchFamily="49" charset="0"/>
+              </a:rPr>
+              <a:t>gives: [(a, d, g), (b, c, e), (f)]</a:t>
+            </a:r>
+          </a:p>
+          <a:p>
+            <a:pPr marL="45720" indent="0">
+              <a:buNone/>
+            </a:pPr>
+            <a:r>
+              <a:rPr lang="en-US">
+                <a:latin typeface="Consolas" panose="020B0609020204030204" pitchFamily="49" charset="0"/>
+              </a:rPr>
+              <a:t>template &lt;typename RandIt, typename </a:t>
+            </a:r>
+            <a:r>
+              <a:rPr lang="en-US" smtClean="0">
+                <a:latin typeface="Consolas" panose="020B0609020204030204" pitchFamily="49" charset="0"/>
+              </a:rPr>
+              <a:t>OutIt&gt;</a:t>
+            </a:r>
+            <a:r>
+              <a:rPr lang="ru-RU" smtClean="0">
+                <a:latin typeface="Consolas" panose="020B0609020204030204" pitchFamily="49" charset="0"/>
+              </a:rPr>
+              <a:t/>
+            </a:r>
+            <a:br>
+              <a:rPr lang="ru-RU" smtClean="0">
+                <a:latin typeface="Consolas" panose="020B0609020204030204" pitchFamily="49" charset="0"/>
+              </a:rPr>
+            </a:br>
+            <a:r>
+              <a:rPr lang="en-US" smtClean="0">
+                <a:latin typeface="Consolas" panose="020B0609020204030204" pitchFamily="49" charset="0"/>
+              </a:rPr>
+              <a:t>void </a:t>
+            </a:r>
+            <a:r>
+              <a:rPr lang="en-US">
+                <a:latin typeface="Consolas" panose="020B0609020204030204" pitchFamily="49" charset="0"/>
+              </a:rPr>
+              <a:t>create_loops(RandIt tbeg, RandIt tend, OutIt </a:t>
+            </a:r>
+            <a:r>
+              <a:rPr lang="en-US" smtClean="0">
+                <a:latin typeface="Consolas" panose="020B0609020204030204" pitchFamily="49" charset="0"/>
+              </a:rPr>
+              <a:t>lbeg)</a:t>
+            </a:r>
+            <a:r>
+              <a:rPr lang="en-US">
+                <a:latin typeface="Consolas" panose="020B0609020204030204" pitchFamily="49" charset="0"/>
+              </a:rPr>
+              <a:t>;</a:t>
+            </a:r>
+          </a:p>
+          <a:p>
+            <a:r>
+              <a:rPr lang="ru-RU" smtClean="0"/>
+              <a:t>Теперь функция это обобщённый алгоритм</a:t>
+            </a:r>
+            <a:endParaRPr lang="en-US"/>
+          </a:p>
+        </p:txBody>
+      </p:sp>
+    </p:spTree>
+    <p:extLst>
+      <p:ext uri="{BB962C8B-B14F-4D97-AF65-F5344CB8AC3E}">
+        <p14:creationId xmlns:p14="http://schemas.microsoft.com/office/powerpoint/2010/main" val="3026291219"/>
+      </p:ext>
+    </p:extLst>
+  </p:cSld>
+  <p:clrMapOvr>
+    <a:masterClrMapping/>
+  </p:clrMapOvr>
+</p:sld>
+</file>
+
+<file path=ppt/slides/slide79.xml><?xml version="1.0" encoding="utf-8"?>
+<p:sld xmlns:a="http://schemas.openxmlformats.org/drawingml/2006/main" xmlns:r="http://schemas.openxmlformats.org/officeDocument/2006/relationships" xmlns:p="http://schemas.openxmlformats.org/presentationml/2006/main">
+  <p:cSld>
+    <p:spTree>
+      <p:nvGrpSpPr>
+        <p:cNvPr id="1" name=""/>
+        <p:cNvGrpSpPr/>
+        <p:nvPr/>
+      </p:nvGrpSpPr>
+      <p:grpSpPr>
+        <a:xfrm>
+          <a:off x="0" y="0"/>
+          <a:ext cx="0" cy="0"/>
+          <a:chOff x="0" y="0"/>
+          <a:chExt cx="0" cy="0"/>
+        </a:xfrm>
+      </p:grpSpPr>
+      <p:sp>
+        <p:nvSpPr>
+          <p:cNvPr id="2" name="Title 1"/>
+          <p:cNvSpPr>
+            <a:spLocks noGrp="1"/>
+          </p:cNvSpPr>
+          <p:nvPr>
+            <p:ph type="title"/>
+          </p:nvPr>
+        </p:nvSpPr>
+        <p:spPr/>
+        <p:txBody>
+          <a:bodyPr/>
+          <a:lstStyle/>
+          <a:p>
+            <a:r>
+              <a:rPr lang="ru-RU" smtClean="0"/>
+              <a:t>Применение перестановок</a:t>
+            </a:r>
+            <a:endParaRPr lang="en-US"/>
+          </a:p>
+        </p:txBody>
+      </p:sp>
+      <p:sp>
+        <p:nvSpPr>
+          <p:cNvPr id="3" name="Content Placeholder 2"/>
+          <p:cNvSpPr>
+            <a:spLocks noGrp="1"/>
+          </p:cNvSpPr>
+          <p:nvPr>
+            <p:ph idx="1"/>
+          </p:nvPr>
+        </p:nvSpPr>
+        <p:spPr/>
+        <p:txBody>
+          <a:bodyPr/>
+          <a:lstStyle/>
+          <a:p>
+            <a:r>
+              <a:rPr lang="ru-RU" smtClean="0"/>
+              <a:t>Перестановка может быть применена</a:t>
+            </a:r>
+          </a:p>
+          <a:p>
+            <a:r>
+              <a:rPr lang="ru-RU" smtClean="0"/>
+              <a:t>Применим</a:t>
+            </a:r>
+            <a:r>
+              <a:rPr lang="en-US" smtClean="0"/>
+              <a:t> </a:t>
+            </a:r>
+            <a:r>
+              <a:rPr lang="ru-RU" smtClean="0">
+                <a:latin typeface="Consolas" panose="020B0609020204030204" pitchFamily="49" charset="0"/>
+              </a:rPr>
+              <a:t>(1</a:t>
+            </a:r>
+            <a:r>
+              <a:rPr lang="en-US" smtClean="0">
+                <a:latin typeface="Consolas" panose="020B0609020204030204" pitchFamily="49" charset="0"/>
+              </a:rPr>
+              <a:t> 2</a:t>
+            </a:r>
+            <a:r>
+              <a:rPr lang="ru-RU" smtClean="0">
+                <a:latin typeface="Consolas" panose="020B0609020204030204" pitchFamily="49" charset="0"/>
+              </a:rPr>
+              <a:t>)</a:t>
+            </a:r>
+            <a:r>
+              <a:rPr lang="ru-RU" smtClean="0"/>
+              <a:t> к числу </a:t>
+            </a:r>
+            <a:r>
+              <a:rPr lang="ru-RU" smtClean="0">
+                <a:latin typeface="Consolas" panose="020B0609020204030204" pitchFamily="49" charset="0"/>
+              </a:rPr>
+              <a:t>1</a:t>
+            </a:r>
+            <a:r>
+              <a:rPr lang="ru-RU" smtClean="0"/>
+              <a:t>, получаем </a:t>
+            </a:r>
+            <a:r>
+              <a:rPr lang="ru-RU" smtClean="0">
+                <a:latin typeface="Consolas" panose="020B0609020204030204" pitchFamily="49" charset="0"/>
+              </a:rPr>
+              <a:t>2</a:t>
+            </a:r>
+          </a:p>
+          <a:p>
+            <a:pPr marL="45720" indent="0">
+              <a:buNone/>
+            </a:pPr>
+            <a:r>
+              <a:rPr lang="en-US">
+                <a:latin typeface="Consolas" panose="020B0609020204030204" pitchFamily="49" charset="0"/>
+              </a:rPr>
+              <a:t>template &lt;typename </a:t>
+            </a:r>
+            <a:r>
+              <a:rPr lang="en-US" smtClean="0">
+                <a:latin typeface="Consolas" panose="020B0609020204030204" pitchFamily="49" charset="0"/>
+              </a:rPr>
+              <a:t>T&gt;</a:t>
+            </a:r>
+            <a:r>
+              <a:rPr lang="ru-RU" smtClean="0">
+                <a:latin typeface="Consolas" panose="020B0609020204030204" pitchFamily="49" charset="0"/>
+              </a:rPr>
+              <a:t> </a:t>
+            </a:r>
+            <a:r>
+              <a:rPr lang="en-US" smtClean="0">
+                <a:latin typeface="Consolas" panose="020B0609020204030204" pitchFamily="49" charset="0"/>
+              </a:rPr>
+              <a:t>T </a:t>
+            </a:r>
+            <a:r>
+              <a:rPr lang="en-US">
+                <a:latin typeface="Consolas" panose="020B0609020204030204" pitchFamily="49" charset="0"/>
+              </a:rPr>
+              <a:t>PermLoop&lt;T&gt;::apply (T x) </a:t>
+            </a:r>
+            <a:r>
+              <a:rPr lang="en-US" smtClean="0">
+                <a:latin typeface="Consolas" panose="020B0609020204030204" pitchFamily="49" charset="0"/>
+              </a:rPr>
+              <a:t>const</a:t>
+            </a:r>
+            <a:r>
+              <a:rPr lang="en-US">
+                <a:latin typeface="Consolas" panose="020B0609020204030204" pitchFamily="49" charset="0"/>
+              </a:rPr>
+              <a:t>;</a:t>
+            </a:r>
+            <a:endParaRPr lang="ru-RU" smtClean="0">
+              <a:latin typeface="Consolas" panose="020B0609020204030204" pitchFamily="49" charset="0"/>
+            </a:endParaRPr>
+          </a:p>
+          <a:p>
+            <a:r>
+              <a:rPr lang="ru-RU"/>
+              <a:t>Применим</a:t>
+            </a:r>
+            <a:r>
+              <a:rPr lang="en-US"/>
+              <a:t> </a:t>
+            </a:r>
+            <a:r>
+              <a:rPr lang="ru-RU">
+                <a:latin typeface="Consolas" panose="020B0609020204030204" pitchFamily="49" charset="0"/>
+              </a:rPr>
+              <a:t>(1</a:t>
+            </a:r>
+            <a:r>
+              <a:rPr lang="en-US">
+                <a:latin typeface="Consolas" panose="020B0609020204030204" pitchFamily="49" charset="0"/>
+              </a:rPr>
+              <a:t> </a:t>
+            </a:r>
+            <a:r>
+              <a:rPr lang="ru-RU" smtClean="0">
+                <a:latin typeface="Consolas" panose="020B0609020204030204" pitchFamily="49" charset="0"/>
+              </a:rPr>
+              <a:t>3)</a:t>
+            </a:r>
+            <a:r>
+              <a:rPr lang="en-US" smtClean="0">
+                <a:latin typeface="Consolas" panose="020B0609020204030204" pitchFamily="49" charset="0"/>
+              </a:rPr>
+              <a:t> </a:t>
+            </a:r>
+            <a:r>
+              <a:rPr lang="ru-RU" smtClean="0">
+                <a:latin typeface="Consolas" panose="020B0609020204030204" pitchFamily="49" charset="0"/>
+              </a:rPr>
+              <a:t>к </a:t>
+            </a:r>
+            <a:r>
+              <a:rPr lang="en-US" smtClean="0">
+                <a:latin typeface="Consolas" panose="020B0609020204030204" pitchFamily="49" charset="0"/>
+              </a:rPr>
+              <a:t>[</a:t>
+            </a:r>
+            <a:r>
+              <a:rPr lang="ru-RU" smtClean="0">
+                <a:latin typeface="Consolas" panose="020B0609020204030204" pitchFamily="49" charset="0"/>
+              </a:rPr>
+              <a:t>1</a:t>
+            </a:r>
+            <a:r>
+              <a:rPr lang="en-US" smtClean="0">
+                <a:latin typeface="Consolas" panose="020B0609020204030204" pitchFamily="49" charset="0"/>
+              </a:rPr>
+              <a:t> </a:t>
+            </a:r>
+            <a:r>
+              <a:rPr lang="ru-RU" smtClean="0">
+                <a:latin typeface="Consolas" panose="020B0609020204030204" pitchFamily="49" charset="0"/>
+              </a:rPr>
+              <a:t>2</a:t>
+            </a:r>
+            <a:r>
+              <a:rPr lang="en-US" smtClean="0">
+                <a:latin typeface="Consolas" panose="020B0609020204030204" pitchFamily="49" charset="0"/>
+              </a:rPr>
+              <a:t> 3 </a:t>
+            </a:r>
+            <a:r>
+              <a:rPr lang="en-US">
+                <a:latin typeface="Consolas" panose="020B0609020204030204" pitchFamily="49" charset="0"/>
+              </a:rPr>
+              <a:t>4 5 </a:t>
+            </a:r>
+            <a:r>
+              <a:rPr lang="en-US" smtClean="0">
+                <a:latin typeface="Consolas" panose="020B0609020204030204" pitchFamily="49" charset="0"/>
+              </a:rPr>
+              <a:t>6]</a:t>
+            </a:r>
+            <a:r>
+              <a:rPr lang="en-US" smtClean="0"/>
+              <a:t>, </a:t>
+            </a:r>
+            <a:r>
+              <a:rPr lang="ru-RU" smtClean="0"/>
+              <a:t>имеем</a:t>
+            </a:r>
+            <a:r>
+              <a:rPr lang="en-US" smtClean="0"/>
+              <a:t> </a:t>
+            </a:r>
+            <a:r>
+              <a:rPr lang="en-US" smtClean="0">
+                <a:latin typeface="Consolas" panose="020B0609020204030204" pitchFamily="49" charset="0"/>
+              </a:rPr>
+              <a:t>[</a:t>
+            </a:r>
+            <a:r>
+              <a:rPr lang="ru-RU" smtClean="0">
+                <a:latin typeface="Consolas" panose="020B0609020204030204" pitchFamily="49" charset="0"/>
+              </a:rPr>
+              <a:t>3</a:t>
+            </a:r>
+            <a:r>
+              <a:rPr lang="en-US" smtClean="0">
+                <a:latin typeface="Consolas" panose="020B0609020204030204" pitchFamily="49" charset="0"/>
+              </a:rPr>
+              <a:t> </a:t>
+            </a:r>
+            <a:r>
+              <a:rPr lang="ru-RU" smtClean="0">
+                <a:latin typeface="Consolas" panose="020B0609020204030204" pitchFamily="49" charset="0"/>
+              </a:rPr>
+              <a:t>2</a:t>
+            </a:r>
+            <a:r>
+              <a:rPr lang="en-US" smtClean="0">
+                <a:latin typeface="Consolas" panose="020B0609020204030204" pitchFamily="49" charset="0"/>
+              </a:rPr>
+              <a:t> 1 </a:t>
+            </a:r>
+            <a:r>
+              <a:rPr lang="en-US">
+                <a:latin typeface="Consolas" panose="020B0609020204030204" pitchFamily="49" charset="0"/>
+              </a:rPr>
+              <a:t>4 5 6</a:t>
+            </a:r>
+            <a:r>
+              <a:rPr lang="en-US" smtClean="0">
+                <a:latin typeface="Consolas" panose="020B0609020204030204" pitchFamily="49" charset="0"/>
+              </a:rPr>
+              <a:t>]</a:t>
+            </a:r>
+            <a:endParaRPr lang="ru-RU" smtClean="0">
+              <a:latin typeface="Consolas" panose="020B0609020204030204" pitchFamily="49" charset="0"/>
+            </a:endParaRPr>
+          </a:p>
+          <a:p>
+            <a:r>
+              <a:rPr lang="ru-RU" smtClean="0"/>
+              <a:t>Какую сигнатуру должен иметь метод </a:t>
+            </a:r>
+            <a:r>
+              <a:rPr lang="en-US" smtClean="0">
+                <a:latin typeface="Consolas" panose="020B0609020204030204" pitchFamily="49" charset="0"/>
+              </a:rPr>
+              <a:t>PermLoop&lt;T&gt;::apply</a:t>
+            </a:r>
+            <a:r>
+              <a:rPr lang="ru-RU"/>
+              <a:t> </a:t>
+            </a:r>
+            <a:r>
+              <a:rPr lang="ru-RU" smtClean="0"/>
+              <a:t>для таблицы?</a:t>
+            </a:r>
+            <a:endParaRPr lang="en-US" smtClean="0"/>
+          </a:p>
+          <a:p>
+            <a:pPr marL="45720" indent="0">
+              <a:buNone/>
+            </a:pPr>
+            <a:r>
+              <a:rPr lang="en-US">
+                <a:latin typeface="Consolas" panose="020B0609020204030204" pitchFamily="49" charset="0"/>
+              </a:rPr>
+              <a:t>template &lt;typename </a:t>
+            </a:r>
+            <a:r>
+              <a:rPr lang="en-US" smtClean="0">
+                <a:latin typeface="Consolas" panose="020B0609020204030204" pitchFamily="49" charset="0"/>
+              </a:rPr>
+              <a:t>T&gt; </a:t>
+            </a:r>
+            <a:br>
+              <a:rPr lang="en-US" smtClean="0">
+                <a:latin typeface="Consolas" panose="020B0609020204030204" pitchFamily="49" charset="0"/>
+              </a:rPr>
+            </a:br>
+            <a:r>
+              <a:rPr lang="en-US" smtClean="0">
+                <a:latin typeface="Consolas" panose="020B0609020204030204" pitchFamily="49" charset="0"/>
+              </a:rPr>
+              <a:t>template </a:t>
+            </a:r>
+            <a:r>
+              <a:rPr lang="en-US">
+                <a:latin typeface="Consolas" panose="020B0609020204030204" pitchFamily="49" charset="0"/>
+              </a:rPr>
+              <a:t>&lt;typename </a:t>
+            </a:r>
+            <a:r>
+              <a:rPr lang="en-US" smtClean="0">
+                <a:latin typeface="Consolas" panose="020B0609020204030204" pitchFamily="49" charset="0"/>
+              </a:rPr>
+              <a:t>RandIt&gt;</a:t>
+            </a:r>
+            <a:br>
+              <a:rPr lang="en-US" smtClean="0">
+                <a:latin typeface="Consolas" panose="020B0609020204030204" pitchFamily="49" charset="0"/>
+              </a:rPr>
+            </a:br>
+            <a:r>
+              <a:rPr lang="en-US" smtClean="0">
+                <a:latin typeface="Consolas" panose="020B0609020204030204" pitchFamily="49" charset="0"/>
+              </a:rPr>
+              <a:t>void </a:t>
+            </a:r>
+            <a:r>
+              <a:rPr lang="en-US">
+                <a:latin typeface="Consolas" panose="020B0609020204030204" pitchFamily="49" charset="0"/>
+              </a:rPr>
+              <a:t>PermLoop&lt;T&gt;::apply(RandIt tbeg, RandIt tend) </a:t>
+            </a:r>
+            <a:r>
+              <a:rPr lang="en-US" smtClean="0">
+                <a:latin typeface="Consolas" panose="020B0609020204030204" pitchFamily="49" charset="0"/>
+              </a:rPr>
+              <a:t>const;</a:t>
+            </a:r>
+            <a:endParaRPr lang="en-US">
+              <a:latin typeface="Consolas" panose="020B0609020204030204" pitchFamily="49" charset="0"/>
+            </a:endParaRPr>
+          </a:p>
+        </p:txBody>
+      </p:sp>
+    </p:spTree>
+    <p:extLst>
+      <p:ext uri="{BB962C8B-B14F-4D97-AF65-F5344CB8AC3E}">
+        <p14:creationId xmlns:p14="http://schemas.microsoft.com/office/powerpoint/2010/main" val="624702536"/>
       </p:ext>
     </p:extLst>
   </p:cSld>
@@ -28843,7 +31100,7 @@
       </p:grpSpPr>
       <p:sp>
         <p:nvSpPr>
-          <p:cNvPr id="5" name="Title 4"/>
+          <p:cNvPr id="2" name="Title 1"/>
           <p:cNvSpPr>
             <a:spLocks noGrp="1"/>
           </p:cNvSpPr>
@@ -28851,6 +31108,1186 @@
             <p:ph type="title"/>
           </p:nvPr>
         </p:nvSpPr>
+        <p:spPr>
+          <a:xfrm>
+            <a:off x="1143000" y="584887"/>
+            <a:ext cx="9875520" cy="1356360"/>
+          </a:xfrm>
+        </p:spPr>
+        <p:txBody>
+          <a:bodyPr/>
+          <a:lstStyle/>
+          <a:p>
+            <a:r>
+              <a:rPr lang="ru-RU" smtClean="0"/>
+              <a:t>Общий обзор</a:t>
+            </a:r>
+            <a:endParaRPr lang="en-US"/>
+          </a:p>
+        </p:txBody>
+      </p:sp>
+      <p:sp>
+        <p:nvSpPr>
+          <p:cNvPr id="5" name="Content Placeholder 4"/>
+          <p:cNvSpPr>
+            <a:spLocks noGrp="1"/>
+          </p:cNvSpPr>
+          <p:nvPr>
+            <p:ph sz="half" idx="1"/>
+          </p:nvPr>
+        </p:nvSpPr>
+        <p:spPr>
+          <a:xfrm>
+            <a:off x="546992" y="1916975"/>
+            <a:ext cx="3570569" cy="2771709"/>
+          </a:xfrm>
+        </p:spPr>
+        <p:txBody>
+          <a:bodyPr>
+            <a:normAutofit/>
+          </a:bodyPr>
+          <a:lstStyle/>
+          <a:p>
+            <a:pPr marL="0">
+              <a:lnSpc>
+                <a:spcPct val="100000"/>
+              </a:lnSpc>
+              <a:spcBef>
+                <a:spcPts val="0"/>
+              </a:spcBef>
+            </a:pPr>
+            <a:r>
+              <a:rPr lang="ru-RU" sz="1800" b="1" smtClean="0"/>
+              <a:t>Не модифицирующие</a:t>
+            </a:r>
+          </a:p>
+          <a:p>
+            <a:pPr marL="274320" lvl="2">
+              <a:lnSpc>
+                <a:spcPct val="100000"/>
+              </a:lnSpc>
+              <a:spcBef>
+                <a:spcPts val="0"/>
+              </a:spcBef>
+              <a:spcAft>
+                <a:spcPts val="0"/>
+              </a:spcAft>
+            </a:pPr>
+            <a:r>
+              <a:rPr lang="en-US" smtClean="0"/>
+              <a:t>all_of, any_of, none_of</a:t>
+            </a:r>
+          </a:p>
+          <a:p>
+            <a:pPr marL="274320" lvl="2">
+              <a:lnSpc>
+                <a:spcPct val="100000"/>
+              </a:lnSpc>
+              <a:spcBef>
+                <a:spcPts val="0"/>
+              </a:spcBef>
+              <a:spcAft>
+                <a:spcPts val="0"/>
+              </a:spcAft>
+            </a:pPr>
+            <a:r>
+              <a:rPr lang="en-US" smtClean="0"/>
+              <a:t>for_each (n)</a:t>
+            </a:r>
+          </a:p>
+          <a:p>
+            <a:pPr marL="274320" lvl="2">
+              <a:lnSpc>
+                <a:spcPct val="100000"/>
+              </a:lnSpc>
+              <a:spcBef>
+                <a:spcPts val="0"/>
+              </a:spcBef>
+              <a:spcAft>
+                <a:spcPts val="0"/>
+              </a:spcAft>
+            </a:pPr>
+            <a:r>
+              <a:rPr lang="en-US" smtClean="0"/>
+              <a:t>find (if), count (if)</a:t>
+            </a:r>
+          </a:p>
+          <a:p>
+            <a:pPr marL="274320" lvl="2">
+              <a:lnSpc>
+                <a:spcPct val="100000"/>
+              </a:lnSpc>
+              <a:spcBef>
+                <a:spcPts val="0"/>
+              </a:spcBef>
+              <a:spcAft>
+                <a:spcPts val="0"/>
+              </a:spcAft>
+            </a:pPr>
+            <a:r>
+              <a:rPr lang="en-US" smtClean="0"/>
+              <a:t>search, find_end, find_first_of</a:t>
+            </a:r>
+          </a:p>
+          <a:p>
+            <a:pPr marL="274320" lvl="2">
+              <a:lnSpc>
+                <a:spcPct val="100000"/>
+              </a:lnSpc>
+              <a:spcBef>
+                <a:spcPts val="0"/>
+              </a:spcBef>
+              <a:spcAft>
+                <a:spcPts val="0"/>
+              </a:spcAft>
+            </a:pPr>
+            <a:r>
+              <a:rPr lang="en-US" smtClean="0"/>
+              <a:t>mismatch</a:t>
+            </a:r>
+          </a:p>
+          <a:p>
+            <a:pPr marL="274320" lvl="2">
+              <a:lnSpc>
+                <a:spcPct val="100000"/>
+              </a:lnSpc>
+              <a:spcBef>
+                <a:spcPts val="0"/>
+              </a:spcBef>
+              <a:spcAft>
+                <a:spcPts val="0"/>
+              </a:spcAft>
+            </a:pPr>
+            <a:r>
+              <a:rPr lang="en-US" smtClean="0"/>
+              <a:t>adjacent_find</a:t>
+            </a:r>
+          </a:p>
+          <a:p>
+            <a:pPr marL="274320" lvl="2">
+              <a:lnSpc>
+                <a:spcPct val="100000"/>
+              </a:lnSpc>
+              <a:spcBef>
+                <a:spcPts val="0"/>
+              </a:spcBef>
+              <a:spcAft>
+                <a:spcPts val="0"/>
+              </a:spcAft>
+            </a:pPr>
+            <a:r>
+              <a:rPr lang="en-US" smtClean="0"/>
+              <a:t>min (element), max (element)</a:t>
+            </a:r>
+          </a:p>
+          <a:p>
+            <a:pPr marL="274320" lvl="2">
+              <a:lnSpc>
+                <a:spcPct val="100000"/>
+              </a:lnSpc>
+              <a:spcBef>
+                <a:spcPts val="0"/>
+              </a:spcBef>
+              <a:spcAft>
+                <a:spcPts val="0"/>
+              </a:spcAft>
+            </a:pPr>
+            <a:r>
+              <a:rPr lang="en-US" smtClean="0"/>
+              <a:t>clamp</a:t>
+            </a:r>
+          </a:p>
+          <a:p>
+            <a:pPr marL="274320" lvl="2">
+              <a:lnSpc>
+                <a:spcPct val="100000"/>
+              </a:lnSpc>
+              <a:spcBef>
+                <a:spcPts val="0"/>
+              </a:spcBef>
+              <a:spcAft>
+                <a:spcPts val="0"/>
+              </a:spcAft>
+            </a:pPr>
+            <a:r>
+              <a:rPr lang="en-US" smtClean="0"/>
+              <a:t>equal, lexicographical_compare</a:t>
+            </a:r>
+            <a:endParaRPr lang="en-US" sz="1600" smtClean="0"/>
+          </a:p>
+        </p:txBody>
+      </p:sp>
+      <p:sp>
+        <p:nvSpPr>
+          <p:cNvPr id="7" name="Content Placeholder 4"/>
+          <p:cNvSpPr txBox="1">
+            <a:spLocks/>
+          </p:cNvSpPr>
+          <p:nvPr/>
+        </p:nvSpPr>
+        <p:spPr>
+          <a:xfrm>
+            <a:off x="7025556" y="1936091"/>
+            <a:ext cx="4682697" cy="2257995"/>
+          </a:xfrm>
+          <a:prstGeom prst="rect">
+            <a:avLst/>
+          </a:prstGeom>
+        </p:spPr>
+        <p:txBody>
+          <a:bodyPr vert="horz" lIns="91440" tIns="45720" rIns="91440" bIns="45720" rtlCol="0">
+            <a:noAutofit/>
+          </a:bodyPr>
+          <a:lstStyle>
+            <a:lvl1pPr marL="228600" indent="-182880" algn="l" defTabSz="914400" rtl="0" eaLnBrk="1" latinLnBrk="0" hangingPunct="1">
+              <a:lnSpc>
+                <a:spcPct val="90000"/>
+              </a:lnSpc>
+              <a:spcBef>
+                <a:spcPts val="1400"/>
+              </a:spcBef>
+              <a:buClr>
+                <a:schemeClr val="tx1"/>
+              </a:buClr>
+              <a:buSzPct val="80000"/>
+              <a:buFont typeface="Corbel" pitchFamily="34" charset="0"/>
+              <a:buChar char="•"/>
+              <a:defRPr sz="2200" kern="1200">
+                <a:solidFill>
+                  <a:schemeClr val="tx1"/>
+                </a:solidFill>
+                <a:latin typeface="+mn-lt"/>
+                <a:ea typeface="+mn-ea"/>
+                <a:cs typeface="+mn-cs"/>
+              </a:defRPr>
+            </a:lvl1pPr>
+            <a:lvl2pPr marL="457200" indent="-182880" algn="l" defTabSz="914400" rtl="0" eaLnBrk="1" latinLnBrk="0" hangingPunct="1">
+              <a:lnSpc>
+                <a:spcPct val="90000"/>
+              </a:lnSpc>
+              <a:spcBef>
+                <a:spcPts val="200"/>
+              </a:spcBef>
+              <a:spcAft>
+                <a:spcPts val="400"/>
+              </a:spcAft>
+              <a:buClr>
+                <a:schemeClr val="tx1"/>
+              </a:buClr>
+              <a:buSzPct val="80000"/>
+              <a:buFont typeface="Corbel" pitchFamily="34" charset="0"/>
+              <a:buChar char="•"/>
+              <a:defRPr sz="2000" kern="1200">
+                <a:solidFill>
+                  <a:schemeClr val="tx1"/>
+                </a:solidFill>
+                <a:latin typeface="+mn-lt"/>
+                <a:ea typeface="+mn-ea"/>
+                <a:cs typeface="+mn-cs"/>
+              </a:defRPr>
+            </a:lvl2pPr>
+            <a:lvl3pPr marL="731520" indent="-182880" algn="l" defTabSz="914400" rtl="0" eaLnBrk="1" latinLnBrk="0" hangingPunct="1">
+              <a:lnSpc>
+                <a:spcPct val="90000"/>
+              </a:lnSpc>
+              <a:spcBef>
+                <a:spcPts val="200"/>
+              </a:spcBef>
+              <a:spcAft>
+                <a:spcPts val="400"/>
+              </a:spcAft>
+              <a:buClr>
+                <a:schemeClr val="tx1"/>
+              </a:buClr>
+              <a:buSzPct val="80000"/>
+              <a:buFont typeface="Corbel" pitchFamily="34" charset="0"/>
+              <a:buChar char="•"/>
+              <a:defRPr sz="1800" kern="1200">
+                <a:solidFill>
+                  <a:schemeClr val="tx1"/>
+                </a:solidFill>
+                <a:latin typeface="+mn-lt"/>
+                <a:ea typeface="+mn-ea"/>
+                <a:cs typeface="+mn-cs"/>
+              </a:defRPr>
+            </a:lvl3pPr>
+            <a:lvl4pPr marL="1005840" indent="-182880" algn="l" defTabSz="914400" rtl="0" eaLnBrk="1" latinLnBrk="0" hangingPunct="1">
+              <a:lnSpc>
+                <a:spcPct val="90000"/>
+              </a:lnSpc>
+              <a:spcBef>
+                <a:spcPts val="200"/>
+              </a:spcBef>
+              <a:spcAft>
+                <a:spcPts val="400"/>
+              </a:spcAft>
+              <a:buClr>
+                <a:schemeClr val="tx1"/>
+              </a:buClr>
+              <a:buSzPct val="80000"/>
+              <a:buFont typeface="Corbel" pitchFamily="34" charset="0"/>
+              <a:buChar char="•"/>
+              <a:defRPr sz="1600" kern="1200">
+                <a:solidFill>
+                  <a:schemeClr val="tx1"/>
+                </a:solidFill>
+                <a:latin typeface="+mn-lt"/>
+                <a:ea typeface="+mn-ea"/>
+                <a:cs typeface="+mn-cs"/>
+              </a:defRPr>
+            </a:lvl4pPr>
+            <a:lvl5pPr marL="1280160" indent="-182880" algn="l" defTabSz="914400" rtl="0" eaLnBrk="1" latinLnBrk="0" hangingPunct="1">
+              <a:lnSpc>
+                <a:spcPct val="90000"/>
+              </a:lnSpc>
+              <a:spcBef>
+                <a:spcPts val="200"/>
+              </a:spcBef>
+              <a:spcAft>
+                <a:spcPts val="400"/>
+              </a:spcAft>
+              <a:buClr>
+                <a:schemeClr val="tx1"/>
+              </a:buClr>
+              <a:buSzPct val="80000"/>
+              <a:buFont typeface="Corbel" pitchFamily="34" charset="0"/>
+              <a:buChar char="•"/>
+              <a:defRPr sz="1600" kern="1200">
+                <a:solidFill>
+                  <a:schemeClr val="tx1"/>
+                </a:solidFill>
+                <a:latin typeface="+mn-lt"/>
+                <a:ea typeface="+mn-ea"/>
+                <a:cs typeface="+mn-cs"/>
+              </a:defRPr>
+            </a:lvl5pPr>
+            <a:lvl6pPr marL="1600000" indent="-228600" algn="l" defTabSz="914400" rtl="0" eaLnBrk="1" latinLnBrk="0" hangingPunct="1">
+              <a:lnSpc>
+                <a:spcPct val="90000"/>
+              </a:lnSpc>
+              <a:spcBef>
+                <a:spcPts val="200"/>
+              </a:spcBef>
+              <a:spcAft>
+                <a:spcPts val="400"/>
+              </a:spcAft>
+              <a:buClr>
+                <a:schemeClr val="tx1"/>
+              </a:buClr>
+              <a:buSzPct val="80000"/>
+              <a:buFont typeface="Corbel" pitchFamily="34" charset="0"/>
+              <a:buChar char="•"/>
+              <a:defRPr sz="1600" kern="1200">
+                <a:solidFill>
+                  <a:schemeClr val="tx1"/>
+                </a:solidFill>
+                <a:latin typeface="+mn-lt"/>
+                <a:ea typeface="+mn-ea"/>
+                <a:cs typeface="+mn-cs"/>
+              </a:defRPr>
+            </a:lvl6pPr>
+            <a:lvl7pPr marL="1900000" indent="-228600" algn="l" defTabSz="914400" rtl="0" eaLnBrk="1" latinLnBrk="0" hangingPunct="1">
+              <a:lnSpc>
+                <a:spcPct val="90000"/>
+              </a:lnSpc>
+              <a:spcBef>
+                <a:spcPts val="200"/>
+              </a:spcBef>
+              <a:spcAft>
+                <a:spcPts val="400"/>
+              </a:spcAft>
+              <a:buClr>
+                <a:schemeClr val="tx1"/>
+              </a:buClr>
+              <a:buSzPct val="80000"/>
+              <a:buFont typeface="Corbel" pitchFamily="34" charset="0"/>
+              <a:buChar char="•"/>
+              <a:defRPr sz="1600" kern="1200">
+                <a:solidFill>
+                  <a:schemeClr val="tx1"/>
+                </a:solidFill>
+                <a:latin typeface="+mn-lt"/>
+                <a:ea typeface="+mn-ea"/>
+                <a:cs typeface="+mn-cs"/>
+              </a:defRPr>
+            </a:lvl7pPr>
+            <a:lvl8pPr marL="2200000" indent="-228600" algn="l" defTabSz="914400" rtl="0" eaLnBrk="1" latinLnBrk="0" hangingPunct="1">
+              <a:lnSpc>
+                <a:spcPct val="90000"/>
+              </a:lnSpc>
+              <a:spcBef>
+                <a:spcPts val="200"/>
+              </a:spcBef>
+              <a:spcAft>
+                <a:spcPts val="400"/>
+              </a:spcAft>
+              <a:buClr>
+                <a:schemeClr val="tx1"/>
+              </a:buClr>
+              <a:buSzPct val="80000"/>
+              <a:buFont typeface="Corbel" pitchFamily="34" charset="0"/>
+              <a:buChar char="•"/>
+              <a:defRPr sz="1600" kern="1200">
+                <a:solidFill>
+                  <a:schemeClr val="tx1"/>
+                </a:solidFill>
+                <a:latin typeface="+mn-lt"/>
+                <a:ea typeface="+mn-ea"/>
+                <a:cs typeface="+mn-cs"/>
+              </a:defRPr>
+            </a:lvl8pPr>
+            <a:lvl9pPr marL="2500000" indent="-228600" algn="l" defTabSz="914400" rtl="0" eaLnBrk="1" latinLnBrk="0" hangingPunct="1">
+              <a:lnSpc>
+                <a:spcPct val="90000"/>
+              </a:lnSpc>
+              <a:spcBef>
+                <a:spcPts val="200"/>
+              </a:spcBef>
+              <a:spcAft>
+                <a:spcPts val="400"/>
+              </a:spcAft>
+              <a:buClr>
+                <a:schemeClr val="tx1"/>
+              </a:buClr>
+              <a:buSzPct val="80000"/>
+              <a:buFont typeface="Corbel" pitchFamily="34" charset="0"/>
+              <a:buChar char="•"/>
+              <a:defRPr sz="1600" kern="1200">
+                <a:solidFill>
+                  <a:schemeClr val="tx1"/>
+                </a:solidFill>
+                <a:latin typeface="+mn-lt"/>
+                <a:ea typeface="+mn-ea"/>
+                <a:cs typeface="+mn-cs"/>
+              </a:defRPr>
+            </a:lvl9pPr>
+          </a:lstStyle>
+          <a:p>
+            <a:pPr marL="0">
+              <a:lnSpc>
+                <a:spcPct val="100000"/>
+              </a:lnSpc>
+              <a:spcBef>
+                <a:spcPts val="0"/>
+              </a:spcBef>
+            </a:pPr>
+            <a:r>
+              <a:rPr lang="ru-RU" sz="1800" b="1" smtClean="0"/>
+              <a:t>Сортировка и поиск</a:t>
+            </a:r>
+          </a:p>
+          <a:p>
+            <a:pPr marL="274320" lvl="2">
+              <a:lnSpc>
+                <a:spcPct val="100000"/>
+              </a:lnSpc>
+              <a:spcBef>
+                <a:spcPts val="0"/>
+              </a:spcBef>
+              <a:spcAft>
+                <a:spcPts val="0"/>
+              </a:spcAft>
+            </a:pPr>
+            <a:r>
+              <a:rPr lang="en-US" smtClean="0"/>
+              <a:t>partition, stable_partition, partition_point</a:t>
+            </a:r>
+          </a:p>
+          <a:p>
+            <a:pPr marL="274320" lvl="2">
+              <a:lnSpc>
+                <a:spcPct val="100000"/>
+              </a:lnSpc>
+              <a:spcBef>
+                <a:spcPts val="0"/>
+              </a:spcBef>
+              <a:spcAft>
+                <a:spcPts val="0"/>
+              </a:spcAft>
+            </a:pPr>
+            <a:r>
+              <a:rPr lang="en-US" smtClean="0"/>
+              <a:t>sort, partial_sort, stable_sort</a:t>
+            </a:r>
+          </a:p>
+          <a:p>
+            <a:pPr marL="274320" lvl="2">
+              <a:lnSpc>
+                <a:spcPct val="100000"/>
+              </a:lnSpc>
+              <a:spcBef>
+                <a:spcPts val="0"/>
+              </a:spcBef>
+              <a:spcAft>
+                <a:spcPts val="0"/>
+              </a:spcAft>
+            </a:pPr>
+            <a:r>
+              <a:rPr lang="en-US" smtClean="0"/>
+              <a:t>nth_element</a:t>
+            </a:r>
+          </a:p>
+          <a:p>
+            <a:pPr marL="274320" lvl="2">
+              <a:lnSpc>
+                <a:spcPct val="100000"/>
+              </a:lnSpc>
+              <a:spcBef>
+                <a:spcPts val="0"/>
+              </a:spcBef>
+              <a:spcAft>
+                <a:spcPts val="0"/>
+              </a:spcAft>
+            </a:pPr>
+            <a:r>
+              <a:rPr lang="en-US" smtClean="0"/>
+              <a:t>lower_bound, upper_bound, equal_range</a:t>
+            </a:r>
+          </a:p>
+          <a:p>
+            <a:pPr marL="274320" lvl="2">
+              <a:lnSpc>
+                <a:spcPct val="100000"/>
+              </a:lnSpc>
+              <a:spcBef>
+                <a:spcPts val="0"/>
+              </a:spcBef>
+              <a:spcAft>
+                <a:spcPts val="0"/>
+              </a:spcAft>
+            </a:pPr>
+            <a:r>
+              <a:rPr lang="en-US" smtClean="0"/>
+              <a:t>binary_search</a:t>
+            </a:r>
+          </a:p>
+        </p:txBody>
+      </p:sp>
+      <p:sp>
+        <p:nvSpPr>
+          <p:cNvPr id="8" name="Content Placeholder 4"/>
+          <p:cNvSpPr>
+            <a:spLocks noGrp="1"/>
+          </p:cNvSpPr>
+          <p:nvPr>
+            <p:ph sz="half" idx="1"/>
+          </p:nvPr>
+        </p:nvSpPr>
+        <p:spPr>
+          <a:xfrm>
+            <a:off x="4150285" y="1961004"/>
+            <a:ext cx="2646405" cy="4299753"/>
+          </a:xfrm>
+        </p:spPr>
+        <p:txBody>
+          <a:bodyPr>
+            <a:noAutofit/>
+          </a:bodyPr>
+          <a:lstStyle/>
+          <a:p>
+            <a:pPr marL="0">
+              <a:lnSpc>
+                <a:spcPct val="100000"/>
+              </a:lnSpc>
+              <a:spcBef>
+                <a:spcPts val="0"/>
+              </a:spcBef>
+            </a:pPr>
+            <a:r>
+              <a:rPr lang="ru-RU" sz="1800" b="1" smtClean="0"/>
+              <a:t>Модифицирующие</a:t>
+            </a:r>
+          </a:p>
+          <a:p>
+            <a:pPr marL="274320" lvl="2">
+              <a:lnSpc>
+                <a:spcPct val="100000"/>
+              </a:lnSpc>
+              <a:spcBef>
+                <a:spcPts val="0"/>
+              </a:spcBef>
+              <a:spcAft>
+                <a:spcPts val="0"/>
+              </a:spcAft>
+            </a:pPr>
+            <a:r>
+              <a:rPr lang="en-US" smtClean="0"/>
+              <a:t>copy (if | n | backward)</a:t>
+            </a:r>
+          </a:p>
+          <a:p>
+            <a:pPr marL="274320" lvl="2">
+              <a:lnSpc>
+                <a:spcPct val="100000"/>
+              </a:lnSpc>
+              <a:spcBef>
+                <a:spcPts val="0"/>
+              </a:spcBef>
+              <a:spcAft>
+                <a:spcPts val="0"/>
+              </a:spcAft>
+            </a:pPr>
+            <a:r>
+              <a:rPr lang="en-US" smtClean="0"/>
+              <a:t>move (backward)</a:t>
+            </a:r>
+          </a:p>
+          <a:p>
+            <a:pPr marL="274320" lvl="2">
+              <a:lnSpc>
+                <a:spcPct val="100000"/>
+              </a:lnSpc>
+              <a:spcBef>
+                <a:spcPts val="0"/>
+              </a:spcBef>
+              <a:spcAft>
+                <a:spcPts val="0"/>
+              </a:spcAft>
+            </a:pPr>
+            <a:r>
+              <a:rPr lang="en-US" smtClean="0"/>
+              <a:t>swap, swap_ranges</a:t>
+            </a:r>
+          </a:p>
+          <a:p>
+            <a:pPr marL="274320" lvl="2">
+              <a:lnSpc>
+                <a:spcPct val="100000"/>
+              </a:lnSpc>
+              <a:spcBef>
+                <a:spcPts val="0"/>
+              </a:spcBef>
+              <a:spcAft>
+                <a:spcPts val="0"/>
+              </a:spcAft>
+            </a:pPr>
+            <a:r>
+              <a:rPr lang="en-US" smtClean="0"/>
+              <a:t>iter_swap</a:t>
+            </a:r>
+          </a:p>
+          <a:p>
+            <a:pPr marL="274320" lvl="2">
+              <a:lnSpc>
+                <a:spcPct val="100000"/>
+              </a:lnSpc>
+              <a:spcBef>
+                <a:spcPts val="0"/>
+              </a:spcBef>
+              <a:spcAft>
+                <a:spcPts val="0"/>
+              </a:spcAft>
+            </a:pPr>
+            <a:r>
+              <a:rPr lang="en-US" smtClean="0"/>
+              <a:t>transform</a:t>
+            </a:r>
+          </a:p>
+          <a:p>
+            <a:pPr marL="274320" lvl="2">
+              <a:lnSpc>
+                <a:spcPct val="100000"/>
+              </a:lnSpc>
+              <a:spcBef>
+                <a:spcPts val="0"/>
+              </a:spcBef>
+              <a:spcAft>
+                <a:spcPts val="0"/>
+              </a:spcAft>
+            </a:pPr>
+            <a:r>
+              <a:rPr lang="en-US" smtClean="0"/>
+              <a:t>replace (copy)(if)</a:t>
+            </a:r>
+          </a:p>
+          <a:p>
+            <a:pPr marL="274320" lvl="2">
+              <a:lnSpc>
+                <a:spcPct val="100000"/>
+              </a:lnSpc>
+              <a:spcBef>
+                <a:spcPts val="0"/>
+              </a:spcBef>
+              <a:spcAft>
+                <a:spcPts val="0"/>
+              </a:spcAft>
+            </a:pPr>
+            <a:r>
+              <a:rPr lang="en-US" smtClean="0"/>
+              <a:t>fill (n)</a:t>
+            </a:r>
+          </a:p>
+          <a:p>
+            <a:pPr marL="274320" lvl="2">
+              <a:lnSpc>
+                <a:spcPct val="100000"/>
+              </a:lnSpc>
+              <a:spcBef>
+                <a:spcPts val="0"/>
+              </a:spcBef>
+              <a:spcAft>
+                <a:spcPts val="0"/>
+              </a:spcAft>
+            </a:pPr>
+            <a:r>
+              <a:rPr lang="en-US" smtClean="0"/>
+              <a:t>generate (n)</a:t>
+            </a:r>
+          </a:p>
+          <a:p>
+            <a:pPr marL="274320" lvl="2">
+              <a:lnSpc>
+                <a:spcPct val="100000"/>
+              </a:lnSpc>
+              <a:spcBef>
+                <a:spcPts val="0"/>
+              </a:spcBef>
+              <a:spcAft>
+                <a:spcPts val="0"/>
+              </a:spcAft>
+            </a:pPr>
+            <a:r>
+              <a:rPr lang="en-US" smtClean="0"/>
+              <a:t>remove (copy)(if)</a:t>
+            </a:r>
+          </a:p>
+          <a:p>
+            <a:pPr marL="274320" lvl="2">
+              <a:lnSpc>
+                <a:spcPct val="100000"/>
+              </a:lnSpc>
+              <a:spcBef>
+                <a:spcPts val="0"/>
+              </a:spcBef>
+              <a:spcAft>
+                <a:spcPts val="0"/>
+              </a:spcAft>
+            </a:pPr>
+            <a:r>
+              <a:rPr lang="en-US" smtClean="0"/>
+              <a:t>unique (copy)</a:t>
+            </a:r>
+          </a:p>
+          <a:p>
+            <a:pPr marL="274320" lvl="2">
+              <a:lnSpc>
+                <a:spcPct val="100000"/>
+              </a:lnSpc>
+              <a:spcBef>
+                <a:spcPts val="0"/>
+              </a:spcBef>
+              <a:spcAft>
+                <a:spcPts val="0"/>
+              </a:spcAft>
+            </a:pPr>
+            <a:r>
+              <a:rPr lang="en-US" smtClean="0"/>
+              <a:t>reverse</a:t>
+            </a:r>
+          </a:p>
+          <a:p>
+            <a:pPr marL="274320" lvl="2">
+              <a:lnSpc>
+                <a:spcPct val="100000"/>
+              </a:lnSpc>
+              <a:spcBef>
+                <a:spcPts val="0"/>
+              </a:spcBef>
+              <a:spcAft>
+                <a:spcPts val="0"/>
+              </a:spcAft>
+            </a:pPr>
+            <a:r>
+              <a:rPr lang="en-US" smtClean="0"/>
+              <a:t>rotate (copy)</a:t>
+            </a:r>
+          </a:p>
+          <a:p>
+            <a:pPr marL="274320" lvl="2">
+              <a:lnSpc>
+                <a:spcPct val="100000"/>
+              </a:lnSpc>
+              <a:spcBef>
+                <a:spcPts val="0"/>
+              </a:spcBef>
+              <a:spcAft>
+                <a:spcPts val="0"/>
+              </a:spcAft>
+            </a:pPr>
+            <a:r>
+              <a:rPr lang="en-US" smtClean="0"/>
+              <a:t>shuffle</a:t>
+            </a:r>
+          </a:p>
+          <a:p>
+            <a:pPr marL="274320" lvl="2">
+              <a:lnSpc>
+                <a:spcPct val="100000"/>
+              </a:lnSpc>
+              <a:spcBef>
+                <a:spcPts val="0"/>
+              </a:spcBef>
+              <a:spcAft>
+                <a:spcPts val="0"/>
+              </a:spcAft>
+            </a:pPr>
+            <a:r>
+              <a:rPr lang="en-US" smtClean="0"/>
+              <a:t>sample</a:t>
+            </a:r>
+            <a:endParaRPr lang="en-US"/>
+          </a:p>
+        </p:txBody>
+      </p:sp>
+      <p:sp>
+        <p:nvSpPr>
+          <p:cNvPr id="9" name="Content Placeholder 4"/>
+          <p:cNvSpPr>
+            <a:spLocks noGrp="1"/>
+          </p:cNvSpPr>
+          <p:nvPr>
+            <p:ph sz="half" idx="1"/>
+          </p:nvPr>
+        </p:nvSpPr>
+        <p:spPr>
+          <a:xfrm>
+            <a:off x="429107" y="4806772"/>
+            <a:ext cx="4321344" cy="1750547"/>
+          </a:xfrm>
+        </p:spPr>
+        <p:txBody>
+          <a:bodyPr>
+            <a:normAutofit/>
+          </a:bodyPr>
+          <a:lstStyle/>
+          <a:p>
+            <a:pPr marL="0">
+              <a:lnSpc>
+                <a:spcPct val="100000"/>
+              </a:lnSpc>
+              <a:spcBef>
+                <a:spcPts val="0"/>
+              </a:spcBef>
+            </a:pPr>
+            <a:r>
+              <a:rPr lang="ru-RU" sz="1800" b="1" smtClean="0"/>
+              <a:t>Слияния и кучи</a:t>
+            </a:r>
+          </a:p>
+          <a:p>
+            <a:pPr marL="274320" lvl="2">
+              <a:lnSpc>
+                <a:spcPct val="100000"/>
+              </a:lnSpc>
+              <a:spcBef>
+                <a:spcPts val="0"/>
+              </a:spcBef>
+              <a:spcAft>
+                <a:spcPts val="0"/>
+              </a:spcAft>
+            </a:pPr>
+            <a:r>
+              <a:rPr lang="en-US" smtClean="0"/>
+              <a:t>merge, inplace_merge</a:t>
+            </a:r>
+          </a:p>
+          <a:p>
+            <a:pPr marL="274320" lvl="2">
+              <a:lnSpc>
+                <a:spcPct val="100000"/>
+              </a:lnSpc>
+              <a:spcBef>
+                <a:spcPts val="0"/>
+              </a:spcBef>
+              <a:spcAft>
+                <a:spcPts val="0"/>
+              </a:spcAft>
+            </a:pPr>
+            <a:r>
+              <a:rPr lang="en-US" smtClean="0"/>
+              <a:t>is_heap (until)</a:t>
+            </a:r>
+          </a:p>
+          <a:p>
+            <a:pPr marL="274320" lvl="2">
+              <a:lnSpc>
+                <a:spcPct val="100000"/>
+              </a:lnSpc>
+              <a:spcBef>
+                <a:spcPts val="0"/>
+              </a:spcBef>
+              <a:spcAft>
+                <a:spcPts val="0"/>
+              </a:spcAft>
+            </a:pPr>
+            <a:r>
+              <a:rPr lang="en-US" smtClean="0"/>
+              <a:t>make_heap</a:t>
+            </a:r>
+            <a:r>
+              <a:rPr lang="en-US"/>
+              <a:t>, push_heap, </a:t>
+            </a:r>
+            <a:r>
+              <a:rPr lang="en-US" smtClean="0"/>
+              <a:t>etc....</a:t>
+            </a:r>
+            <a:endParaRPr lang="en-US"/>
+          </a:p>
+          <a:p>
+            <a:pPr marL="274320" lvl="2">
+              <a:lnSpc>
+                <a:spcPct val="100000"/>
+              </a:lnSpc>
+              <a:spcBef>
+                <a:spcPts val="0"/>
+              </a:spcBef>
+              <a:spcAft>
+                <a:spcPts val="0"/>
+              </a:spcAft>
+            </a:pPr>
+            <a:r>
+              <a:rPr lang="en-US" smtClean="0"/>
+              <a:t>set_union</a:t>
+            </a:r>
+            <a:r>
+              <a:rPr lang="en-US"/>
+              <a:t>, set_intersection, </a:t>
+            </a:r>
+            <a:r>
+              <a:rPr lang="en-US" smtClean="0"/>
+              <a:t>etc....</a:t>
+            </a:r>
+            <a:endParaRPr lang="en-US"/>
+          </a:p>
+        </p:txBody>
+      </p:sp>
+      <p:sp>
+        <p:nvSpPr>
+          <p:cNvPr id="10" name="Content Placeholder 4"/>
+          <p:cNvSpPr>
+            <a:spLocks noGrp="1"/>
+          </p:cNvSpPr>
+          <p:nvPr>
+            <p:ph sz="half" idx="1"/>
+          </p:nvPr>
+        </p:nvSpPr>
+        <p:spPr>
+          <a:xfrm>
+            <a:off x="7025556" y="3797347"/>
+            <a:ext cx="4589796" cy="2875301"/>
+          </a:xfrm>
+        </p:spPr>
+        <p:txBody>
+          <a:bodyPr>
+            <a:noAutofit/>
+          </a:bodyPr>
+          <a:lstStyle/>
+          <a:p>
+            <a:pPr marL="0">
+              <a:lnSpc>
+                <a:spcPct val="100000"/>
+              </a:lnSpc>
+              <a:spcBef>
+                <a:spcPts val="0"/>
+              </a:spcBef>
+            </a:pPr>
+            <a:r>
+              <a:rPr lang="ru-RU" sz="1800" b="1" smtClean="0"/>
+              <a:t>Численные</a:t>
+            </a:r>
+          </a:p>
+          <a:p>
+            <a:pPr marL="274320" lvl="2">
+              <a:lnSpc>
+                <a:spcPct val="100000"/>
+              </a:lnSpc>
+              <a:spcBef>
+                <a:spcPts val="0"/>
+              </a:spcBef>
+              <a:spcAft>
+                <a:spcPts val="0"/>
+              </a:spcAft>
+            </a:pPr>
+            <a:r>
+              <a:rPr lang="en-US"/>
+              <a:t>accumulate, reduce, </a:t>
+            </a:r>
+            <a:r>
+              <a:rPr lang="en-US" smtClean="0"/>
+              <a:t>transform_reduce</a:t>
+            </a:r>
+            <a:endParaRPr lang="ru-RU" smtClean="0"/>
+          </a:p>
+          <a:p>
+            <a:pPr marL="274320" lvl="2">
+              <a:lnSpc>
+                <a:spcPct val="100000"/>
+              </a:lnSpc>
+              <a:spcBef>
+                <a:spcPts val="0"/>
+              </a:spcBef>
+              <a:spcAft>
+                <a:spcPts val="0"/>
+              </a:spcAft>
+            </a:pPr>
+            <a:r>
+              <a:rPr lang="en-US" smtClean="0"/>
+              <a:t>iota</a:t>
+            </a:r>
+            <a:endParaRPr lang="en-US"/>
+          </a:p>
+          <a:p>
+            <a:pPr marL="274320" lvl="2">
+              <a:lnSpc>
+                <a:spcPct val="100000"/>
+              </a:lnSpc>
+              <a:spcBef>
+                <a:spcPts val="0"/>
+              </a:spcBef>
+              <a:spcAft>
+                <a:spcPts val="0"/>
+              </a:spcAft>
+            </a:pPr>
+            <a:r>
+              <a:rPr lang="en-US" smtClean="0"/>
+              <a:t>adjacent_difference</a:t>
+            </a:r>
+          </a:p>
+          <a:p>
+            <a:pPr marL="274320" lvl="2">
+              <a:lnSpc>
+                <a:spcPct val="100000"/>
+              </a:lnSpc>
+              <a:spcBef>
+                <a:spcPts val="0"/>
+              </a:spcBef>
+              <a:spcAft>
+                <a:spcPts val="0"/>
+              </a:spcAft>
+            </a:pPr>
+            <a:r>
+              <a:rPr lang="en-US" smtClean="0"/>
+              <a:t>partial_sum, inclusive_scan, exclusive_scan</a:t>
+            </a:r>
+          </a:p>
+          <a:p>
+            <a:pPr marL="274320" lvl="2">
+              <a:lnSpc>
+                <a:spcPct val="100000"/>
+              </a:lnSpc>
+              <a:spcBef>
+                <a:spcPts val="0"/>
+              </a:spcBef>
+              <a:spcAft>
+                <a:spcPts val="0"/>
+              </a:spcAft>
+            </a:pPr>
+            <a:r>
+              <a:rPr lang="en-US" smtClean="0"/>
+              <a:t>transform_(inclusive | exclusive)_scan</a:t>
+            </a:r>
+          </a:p>
+          <a:p>
+            <a:pPr marL="274320" lvl="2">
+              <a:lnSpc>
+                <a:spcPct val="100000"/>
+              </a:lnSpc>
+              <a:spcBef>
+                <a:spcPts val="0"/>
+              </a:spcBef>
+              <a:spcAft>
+                <a:spcPts val="0"/>
+              </a:spcAft>
+            </a:pPr>
+            <a:r>
+              <a:rPr lang="en-US"/>
+              <a:t>inner_product</a:t>
+            </a:r>
+          </a:p>
+          <a:p>
+            <a:pPr marL="274320" lvl="2">
+              <a:lnSpc>
+                <a:spcPct val="100000"/>
+              </a:lnSpc>
+              <a:spcBef>
+                <a:spcPts val="0"/>
+              </a:spcBef>
+              <a:spcAft>
+                <a:spcPts val="0"/>
+              </a:spcAft>
+            </a:pPr>
+            <a:r>
+              <a:rPr lang="en-US" smtClean="0"/>
+              <a:t>is_permutation</a:t>
+            </a:r>
+          </a:p>
+          <a:p>
+            <a:pPr marL="274320" lvl="2">
+              <a:lnSpc>
+                <a:spcPct val="100000"/>
+              </a:lnSpc>
+              <a:spcBef>
+                <a:spcPts val="0"/>
+              </a:spcBef>
+              <a:spcAft>
+                <a:spcPts val="0"/>
+              </a:spcAft>
+            </a:pPr>
+            <a:r>
+              <a:rPr lang="en-US" smtClean="0"/>
+              <a:t>next_permutation, prev_permutation</a:t>
+            </a:r>
+          </a:p>
+        </p:txBody>
+      </p:sp>
+    </p:spTree>
+    <p:extLst>
+      <p:ext uri="{BB962C8B-B14F-4D97-AF65-F5344CB8AC3E}">
+        <p14:creationId xmlns:p14="http://schemas.microsoft.com/office/powerpoint/2010/main" val="657793017"/>
+      </p:ext>
+    </p:extLst>
+  </p:cSld>
+  <p:clrMapOvr>
+    <a:masterClrMapping/>
+  </p:clrMapOvr>
+  <p:timing>
+    <p:tnLst>
+      <p:par>
+        <p:cTn id="1" dur="indefinite" restart="never" nodeType="tmRoot"/>
+      </p:par>
+    </p:tnLst>
+  </p:timing>
+</p:sld>
+</file>
+
+<file path=ppt/slides/slide80.xml><?xml version="1.0" encoding="utf-8"?>
+<p:sld xmlns:a="http://schemas.openxmlformats.org/drawingml/2006/main" xmlns:r="http://schemas.openxmlformats.org/officeDocument/2006/relationships" xmlns:p="http://schemas.openxmlformats.org/presentationml/2006/main">
+  <p:cSld>
+    <p:spTree>
+      <p:nvGrpSpPr>
+        <p:cNvPr id="1" name=""/>
+        <p:cNvGrpSpPr/>
+        <p:nvPr/>
+      </p:nvGrpSpPr>
+      <p:grpSpPr>
+        <a:xfrm>
+          <a:off x="0" y="0"/>
+          <a:ext cx="0" cy="0"/>
+          <a:chOff x="0" y="0"/>
+          <a:chExt cx="0" cy="0"/>
+        </a:xfrm>
+      </p:grpSpPr>
+      <p:sp>
+        <p:nvSpPr>
+          <p:cNvPr id="2" name="Title 1"/>
+          <p:cNvSpPr>
+            <a:spLocks noGrp="1"/>
+          </p:cNvSpPr>
+          <p:nvPr>
+            <p:ph type="title"/>
+          </p:nvPr>
+        </p:nvSpPr>
         <p:spPr/>
         <p:txBody>
           <a:bodyPr/>
@@ -28858,7 +32295,7 @@
           <a:p>
             <a:r>
               <a:rPr lang="ru-RU" smtClean="0"/>
-              <a:t>Задача: увидеть паттерн в коде</a:t>
+              <a:t>Применение перестановок</a:t>
             </a:r>
             <a:endParaRPr lang="en-US"/>
           </a:p>
@@ -28866,7 +32303,7 @@
       </p:sp>
       <p:sp>
         <p:nvSpPr>
-          <p:cNvPr id="6" name="Content Placeholder 5"/>
+          <p:cNvPr id="3" name="Content Placeholder 2"/>
           <p:cNvSpPr>
             <a:spLocks noGrp="1"/>
           </p:cNvSpPr>
@@ -28881,68 +32318,952 @@
           <a:p>
             <a:r>
               <a:rPr lang="ru-RU" smtClean="0"/>
-              <a:t>Существующий код что-то делает в явном цикле. Нужно увидеть паттерн и заменить на вызов алгоритма</a:t>
-            </a:r>
-            <a:endParaRPr lang="en-US" smtClean="0"/>
+              <a:t>Перестановка может быть применена</a:t>
+            </a:r>
+          </a:p>
+          <a:p>
+            <a:r>
+              <a:rPr lang="ru-RU" smtClean="0"/>
+              <a:t>Применим</a:t>
+            </a:r>
+            <a:r>
+              <a:rPr lang="en-US" smtClean="0"/>
+              <a:t> </a:t>
+            </a:r>
+            <a:r>
+              <a:rPr lang="ru-RU" smtClean="0">
+                <a:latin typeface="Consolas" panose="020B0609020204030204" pitchFamily="49" charset="0"/>
+              </a:rPr>
+              <a:t>(1</a:t>
+            </a:r>
+            <a:r>
+              <a:rPr lang="en-US" smtClean="0">
+                <a:latin typeface="Consolas" panose="020B0609020204030204" pitchFamily="49" charset="0"/>
+              </a:rPr>
+              <a:t> 2</a:t>
+            </a:r>
+            <a:r>
+              <a:rPr lang="ru-RU" smtClean="0">
+                <a:latin typeface="Consolas" panose="020B0609020204030204" pitchFamily="49" charset="0"/>
+              </a:rPr>
+              <a:t>)</a:t>
+            </a:r>
+            <a:r>
+              <a:rPr lang="ru-RU" smtClean="0"/>
+              <a:t> к числу </a:t>
+            </a:r>
+            <a:r>
+              <a:rPr lang="ru-RU" smtClean="0">
+                <a:latin typeface="Consolas" panose="020B0609020204030204" pitchFamily="49" charset="0"/>
+              </a:rPr>
+              <a:t>1</a:t>
+            </a:r>
+            <a:r>
+              <a:rPr lang="ru-RU" smtClean="0"/>
+              <a:t>, получаем </a:t>
+            </a:r>
+            <a:r>
+              <a:rPr lang="ru-RU" smtClean="0">
+                <a:latin typeface="Consolas" panose="020B0609020204030204" pitchFamily="49" charset="0"/>
+              </a:rPr>
+              <a:t>2</a:t>
+            </a:r>
           </a:p>
           <a:p>
             <a:pPr marL="45720" indent="0">
               <a:buNone/>
             </a:pPr>
             <a:r>
-              <a:rPr lang="en-US" smtClean="0">
-                <a:latin typeface="Consolas" panose="020B0609020204030204" pitchFamily="49" charset="0"/>
-              </a:rPr>
-              <a:t>assert (cont.size() &gt;= N);</a:t>
+              <a:rPr lang="en-US">
+                <a:latin typeface="Consolas" panose="020B0609020204030204" pitchFamily="49" charset="0"/>
+              </a:rPr>
+              <a:t>template &lt;typename </a:t>
+            </a:r>
+            <a:r>
+              <a:rPr lang="en-US" smtClean="0">
+                <a:latin typeface="Consolas" panose="020B0609020204030204" pitchFamily="49" charset="0"/>
+              </a:rPr>
+              <a:t>T&gt;</a:t>
+            </a:r>
+            <a:r>
+              <a:rPr lang="ru-RU" smtClean="0">
+                <a:latin typeface="Consolas" panose="020B0609020204030204" pitchFamily="49" charset="0"/>
+              </a:rPr>
+              <a:t> </a:t>
+            </a:r>
+            <a:r>
+              <a:rPr lang="en-US" smtClean="0">
+                <a:latin typeface="Consolas" panose="020B0609020204030204" pitchFamily="49" charset="0"/>
+              </a:rPr>
+              <a:t>T </a:t>
+            </a:r>
+            <a:r>
+              <a:rPr lang="en-US">
+                <a:latin typeface="Consolas" panose="020B0609020204030204" pitchFamily="49" charset="0"/>
+              </a:rPr>
+              <a:t>PermLoop&lt;T&gt;::apply (T x) const </a:t>
+            </a:r>
+            <a:r>
+              <a:rPr lang="en-US" smtClean="0">
+                <a:latin typeface="Consolas" panose="020B0609020204030204" pitchFamily="49" charset="0"/>
+              </a:rPr>
+              <a:t>{</a:t>
+            </a:r>
+            <a:r>
+              <a:rPr lang="ru-RU" smtClean="0">
+                <a:latin typeface="Consolas" panose="020B0609020204030204" pitchFamily="49" charset="0"/>
+              </a:rPr>
+              <a:t/>
+            </a:r>
+            <a:br>
+              <a:rPr lang="ru-RU" smtClean="0">
+                <a:latin typeface="Consolas" panose="020B0609020204030204" pitchFamily="49" charset="0"/>
+              </a:rPr>
+            </a:br>
+            <a:r>
+              <a:rPr lang="en-US" smtClean="0">
+                <a:latin typeface="Consolas" panose="020B0609020204030204" pitchFamily="49" charset="0"/>
+              </a:rPr>
+              <a:t>  </a:t>
+            </a:r>
+            <a:r>
+              <a:rPr lang="en-US">
+                <a:latin typeface="Consolas" panose="020B0609020204030204" pitchFamily="49" charset="0"/>
+              </a:rPr>
+              <a:t>auto it = find(loop_.begin(), loop_.end(), x</a:t>
+            </a:r>
+            <a:r>
+              <a:rPr lang="en-US" smtClean="0">
+                <a:latin typeface="Consolas" panose="020B0609020204030204" pitchFamily="49" charset="0"/>
+              </a:rPr>
+              <a:t>);</a:t>
+            </a:r>
+            <a:r>
+              <a:rPr lang="ru-RU" smtClean="0">
+                <a:latin typeface="Consolas" panose="020B0609020204030204" pitchFamily="49" charset="0"/>
+              </a:rPr>
+              <a:t/>
+            </a:r>
+            <a:br>
+              <a:rPr lang="ru-RU" smtClean="0">
+                <a:latin typeface="Consolas" panose="020B0609020204030204" pitchFamily="49" charset="0"/>
+              </a:rPr>
+            </a:br>
+            <a:r>
+              <a:rPr lang="en-US" smtClean="0">
+                <a:latin typeface="Consolas" panose="020B0609020204030204" pitchFamily="49" charset="0"/>
+              </a:rPr>
+              <a:t>  </a:t>
+            </a:r>
+            <a:r>
+              <a:rPr lang="en-US">
+                <a:latin typeface="Consolas" panose="020B0609020204030204" pitchFamily="49" charset="0"/>
+              </a:rPr>
+              <a:t>if (it == loop_.end()) return x</a:t>
+            </a:r>
+            <a:r>
+              <a:rPr lang="en-US" smtClean="0">
+                <a:latin typeface="Consolas" panose="020B0609020204030204" pitchFamily="49" charset="0"/>
+              </a:rPr>
+              <a:t>;</a:t>
+            </a:r>
+            <a:r>
+              <a:rPr lang="ru-RU" smtClean="0">
+                <a:latin typeface="Consolas" panose="020B0609020204030204" pitchFamily="49" charset="0"/>
+              </a:rPr>
+              <a:t/>
+            </a:r>
+            <a:br>
+              <a:rPr lang="ru-RU" smtClean="0">
+                <a:latin typeface="Consolas" panose="020B0609020204030204" pitchFamily="49" charset="0"/>
+              </a:rPr>
+            </a:br>
+            <a:r>
+              <a:rPr lang="en-US" smtClean="0">
+                <a:latin typeface="Consolas" panose="020B0609020204030204" pitchFamily="49" charset="0"/>
+              </a:rPr>
+              <a:t>  </a:t>
+            </a:r>
+            <a:r>
+              <a:rPr lang="en-US">
+                <a:latin typeface="Consolas" panose="020B0609020204030204" pitchFamily="49" charset="0"/>
+              </a:rPr>
+              <a:t>auto nxt = next(it</a:t>
+            </a:r>
+            <a:r>
+              <a:rPr lang="en-US" smtClean="0">
+                <a:latin typeface="Consolas" panose="020B0609020204030204" pitchFamily="49" charset="0"/>
+              </a:rPr>
+              <a:t>);</a:t>
+            </a:r>
+            <a:r>
+              <a:rPr lang="ru-RU" smtClean="0">
+                <a:latin typeface="Consolas" panose="020B0609020204030204" pitchFamily="49" charset="0"/>
+              </a:rPr>
+              <a:t/>
+            </a:r>
+            <a:br>
+              <a:rPr lang="ru-RU" smtClean="0">
+                <a:latin typeface="Consolas" panose="020B0609020204030204" pitchFamily="49" charset="0"/>
+              </a:rPr>
+            </a:br>
+            <a:r>
+              <a:rPr lang="en-US" smtClean="0">
+                <a:latin typeface="Consolas" panose="020B0609020204030204" pitchFamily="49" charset="0"/>
+              </a:rPr>
+              <a:t>  </a:t>
+            </a:r>
+            <a:r>
+              <a:rPr lang="en-US">
+                <a:latin typeface="Consolas" panose="020B0609020204030204" pitchFamily="49" charset="0"/>
+              </a:rPr>
+              <a:t>if (nxt == loop_.end()) return *loop_.begin</a:t>
+            </a:r>
+            <a:r>
+              <a:rPr lang="en-US" smtClean="0">
+                <a:latin typeface="Consolas" panose="020B0609020204030204" pitchFamily="49" charset="0"/>
+              </a:rPr>
+              <a:t>();</a:t>
+            </a:r>
+            <a:r>
+              <a:rPr lang="ru-RU" smtClean="0">
+                <a:latin typeface="Consolas" panose="020B0609020204030204" pitchFamily="49" charset="0"/>
+              </a:rPr>
+              <a:t/>
+            </a:r>
+            <a:br>
+              <a:rPr lang="ru-RU" smtClean="0">
+                <a:latin typeface="Consolas" panose="020B0609020204030204" pitchFamily="49" charset="0"/>
+              </a:rPr>
+            </a:br>
+            <a:r>
+              <a:rPr lang="en-US" smtClean="0">
+                <a:latin typeface="Consolas" panose="020B0609020204030204" pitchFamily="49" charset="0"/>
+              </a:rPr>
+              <a:t>  </a:t>
+            </a:r>
+            <a:r>
+              <a:rPr lang="en-US">
+                <a:latin typeface="Consolas" panose="020B0609020204030204" pitchFamily="49" charset="0"/>
+              </a:rPr>
+              <a:t>return *nxt</a:t>
+            </a:r>
+            <a:r>
+              <a:rPr lang="en-US" smtClean="0">
+                <a:latin typeface="Consolas" panose="020B0609020204030204" pitchFamily="49" charset="0"/>
+              </a:rPr>
+              <a:t>;</a:t>
+            </a:r>
+            <a:r>
+              <a:rPr lang="ru-RU" smtClean="0">
+                <a:latin typeface="Consolas" panose="020B0609020204030204" pitchFamily="49" charset="0"/>
+              </a:rPr>
+              <a:t/>
+            </a:r>
+            <a:br>
+              <a:rPr lang="ru-RU" smtClean="0">
+                <a:latin typeface="Consolas" panose="020B0609020204030204" pitchFamily="49" charset="0"/>
+              </a:rPr>
+            </a:br>
+            <a:r>
+              <a:rPr lang="en-US" smtClean="0">
+                <a:latin typeface="Consolas" panose="020B0609020204030204" pitchFamily="49" charset="0"/>
+              </a:rPr>
+              <a:t>}</a:t>
+            </a:r>
+            <a:endParaRPr lang="ru-RU" smtClean="0">
+              <a:latin typeface="Consolas" panose="020B0609020204030204" pitchFamily="49" charset="0"/>
+            </a:endParaRPr>
+          </a:p>
+          <a:p>
+            <a:r>
+              <a:rPr lang="ru-RU"/>
+              <a:t>Применим</a:t>
+            </a:r>
+            <a:r>
+              <a:rPr lang="en-US"/>
+              <a:t> </a:t>
+            </a:r>
+            <a:r>
+              <a:rPr lang="ru-RU">
+                <a:latin typeface="Consolas" panose="020B0609020204030204" pitchFamily="49" charset="0"/>
+              </a:rPr>
+              <a:t>(1</a:t>
+            </a:r>
+            <a:r>
+              <a:rPr lang="en-US">
+                <a:latin typeface="Consolas" panose="020B0609020204030204" pitchFamily="49" charset="0"/>
+              </a:rPr>
+              <a:t> </a:t>
+            </a:r>
+            <a:r>
+              <a:rPr lang="ru-RU" smtClean="0">
+                <a:latin typeface="Consolas" panose="020B0609020204030204" pitchFamily="49" charset="0"/>
+              </a:rPr>
+              <a:t>3)</a:t>
+            </a:r>
+            <a:r>
+              <a:rPr lang="en-US" smtClean="0">
+                <a:latin typeface="Consolas" panose="020B0609020204030204" pitchFamily="49" charset="0"/>
+              </a:rPr>
+              <a:t> </a:t>
+            </a:r>
+            <a:r>
+              <a:rPr lang="ru-RU" smtClean="0">
+                <a:latin typeface="Consolas" panose="020B0609020204030204" pitchFamily="49" charset="0"/>
+              </a:rPr>
+              <a:t>к </a:t>
+            </a:r>
+            <a:r>
+              <a:rPr lang="en-US" smtClean="0">
+                <a:latin typeface="Consolas" panose="020B0609020204030204" pitchFamily="49" charset="0"/>
+              </a:rPr>
+              <a:t>[</a:t>
+            </a:r>
+            <a:r>
+              <a:rPr lang="ru-RU" smtClean="0">
+                <a:latin typeface="Consolas" panose="020B0609020204030204" pitchFamily="49" charset="0"/>
+              </a:rPr>
+              <a:t>1</a:t>
+            </a:r>
+            <a:r>
+              <a:rPr lang="en-US" smtClean="0">
+                <a:latin typeface="Consolas" panose="020B0609020204030204" pitchFamily="49" charset="0"/>
+              </a:rPr>
+              <a:t> </a:t>
+            </a:r>
+            <a:r>
+              <a:rPr lang="ru-RU" smtClean="0">
+                <a:latin typeface="Consolas" panose="020B0609020204030204" pitchFamily="49" charset="0"/>
+              </a:rPr>
+              <a:t>2</a:t>
+            </a:r>
+            <a:r>
+              <a:rPr lang="en-US" smtClean="0">
+                <a:latin typeface="Consolas" panose="020B0609020204030204" pitchFamily="49" charset="0"/>
+              </a:rPr>
+              <a:t> 3 </a:t>
+            </a:r>
+            <a:r>
+              <a:rPr lang="en-US">
+                <a:latin typeface="Consolas" panose="020B0609020204030204" pitchFamily="49" charset="0"/>
+              </a:rPr>
+              <a:t>4 5 </a:t>
+            </a:r>
+            <a:r>
+              <a:rPr lang="en-US" smtClean="0">
+                <a:latin typeface="Consolas" panose="020B0609020204030204" pitchFamily="49" charset="0"/>
+              </a:rPr>
+              <a:t>6]</a:t>
+            </a:r>
+            <a:r>
+              <a:rPr lang="en-US" smtClean="0"/>
+              <a:t>, </a:t>
+            </a:r>
+            <a:r>
+              <a:rPr lang="ru-RU" smtClean="0"/>
+              <a:t>имеем</a:t>
+            </a:r>
+            <a:r>
+              <a:rPr lang="en-US" smtClean="0"/>
+              <a:t> </a:t>
+            </a:r>
+            <a:r>
+              <a:rPr lang="en-US" smtClean="0">
+                <a:latin typeface="Consolas" panose="020B0609020204030204" pitchFamily="49" charset="0"/>
+              </a:rPr>
+              <a:t>[</a:t>
+            </a:r>
+            <a:r>
+              <a:rPr lang="ru-RU" smtClean="0">
+                <a:latin typeface="Consolas" panose="020B0609020204030204" pitchFamily="49" charset="0"/>
+              </a:rPr>
+              <a:t>3</a:t>
+            </a:r>
+            <a:r>
+              <a:rPr lang="en-US" smtClean="0">
+                <a:latin typeface="Consolas" panose="020B0609020204030204" pitchFamily="49" charset="0"/>
+              </a:rPr>
+              <a:t> </a:t>
+            </a:r>
+            <a:r>
+              <a:rPr lang="ru-RU" smtClean="0">
+                <a:latin typeface="Consolas" panose="020B0609020204030204" pitchFamily="49" charset="0"/>
+              </a:rPr>
+              <a:t>2</a:t>
+            </a:r>
+            <a:r>
+              <a:rPr lang="en-US" smtClean="0">
+                <a:latin typeface="Consolas" panose="020B0609020204030204" pitchFamily="49" charset="0"/>
+              </a:rPr>
+              <a:t> 1 </a:t>
+            </a:r>
+            <a:r>
+              <a:rPr lang="en-US">
+                <a:latin typeface="Consolas" panose="020B0609020204030204" pitchFamily="49" charset="0"/>
+              </a:rPr>
+              <a:t>4 5 6</a:t>
+            </a:r>
+            <a:r>
+              <a:rPr lang="en-US" smtClean="0">
+                <a:latin typeface="Consolas" panose="020B0609020204030204" pitchFamily="49" charset="0"/>
+              </a:rPr>
+              <a:t>]</a:t>
+            </a:r>
+            <a:endParaRPr lang="ru-RU" smtClean="0">
+              <a:latin typeface="Consolas" panose="020B0609020204030204" pitchFamily="49" charset="0"/>
+            </a:endParaRPr>
+          </a:p>
+          <a:p>
+            <a:r>
+              <a:rPr lang="ru-RU" smtClean="0"/>
+              <a:t>Какую сигнатуру должен иметь метод </a:t>
+            </a:r>
+            <a:r>
+              <a:rPr lang="en-US" smtClean="0">
+                <a:latin typeface="Consolas" panose="020B0609020204030204" pitchFamily="49" charset="0"/>
+              </a:rPr>
+              <a:t>PermLoop&lt;T&gt;::apply</a:t>
+            </a:r>
+            <a:r>
+              <a:rPr lang="ru-RU"/>
+              <a:t> </a:t>
+            </a:r>
+            <a:r>
+              <a:rPr lang="ru-RU" smtClean="0"/>
+              <a:t>для таблицы?</a:t>
+            </a:r>
+            <a:endParaRPr lang="en-US"/>
+          </a:p>
+        </p:txBody>
+      </p:sp>
+    </p:spTree>
+    <p:extLst>
+      <p:ext uri="{BB962C8B-B14F-4D97-AF65-F5344CB8AC3E}">
+        <p14:creationId xmlns:p14="http://schemas.microsoft.com/office/powerpoint/2010/main" val="1329465538"/>
+      </p:ext>
+    </p:extLst>
+  </p:cSld>
+  <p:clrMapOvr>
+    <a:masterClrMapping/>
+  </p:clrMapOvr>
+</p:sld>
+</file>
+
+<file path=ppt/slides/slide81.xml><?xml version="1.0" encoding="utf-8"?>
+<p:sld xmlns:a="http://schemas.openxmlformats.org/drawingml/2006/main" xmlns:r="http://schemas.openxmlformats.org/officeDocument/2006/relationships" xmlns:p="http://schemas.openxmlformats.org/presentationml/2006/main">
+  <p:cSld>
+    <p:spTree>
+      <p:nvGrpSpPr>
+        <p:cNvPr id="1" name=""/>
+        <p:cNvGrpSpPr/>
+        <p:nvPr/>
+      </p:nvGrpSpPr>
+      <p:grpSpPr>
+        <a:xfrm>
+          <a:off x="0" y="0"/>
+          <a:ext cx="0" cy="0"/>
+          <a:chOff x="0" y="0"/>
+          <a:chExt cx="0" cy="0"/>
+        </a:xfrm>
+      </p:grpSpPr>
+      <p:sp>
+        <p:nvSpPr>
+          <p:cNvPr id="2" name="Title 1"/>
+          <p:cNvSpPr>
+            <a:spLocks noGrp="1"/>
+          </p:cNvSpPr>
+          <p:nvPr>
+            <p:ph type="title"/>
+          </p:nvPr>
+        </p:nvSpPr>
+        <p:spPr/>
+        <p:txBody>
+          <a:bodyPr/>
+          <a:lstStyle/>
+          <a:p>
+            <a:r>
+              <a:rPr lang="ru-RU" smtClean="0"/>
+              <a:t>Перемножение перестановок</a:t>
+            </a:r>
+            <a:endParaRPr lang="en-US"/>
+          </a:p>
+        </p:txBody>
+      </p:sp>
+      <p:sp>
+        <p:nvSpPr>
+          <p:cNvPr id="3" name="Content Placeholder 2"/>
+          <p:cNvSpPr>
+            <a:spLocks noGrp="1"/>
+          </p:cNvSpPr>
+          <p:nvPr>
+            <p:ph idx="1"/>
+          </p:nvPr>
+        </p:nvSpPr>
+        <p:spPr/>
+        <p:txBody>
+          <a:bodyPr/>
+          <a:lstStyle/>
+          <a:p>
+            <a:r>
+              <a:rPr lang="ru-RU" smtClean="0"/>
+              <a:t>Перестановки можно комбинировать не только когда они независимы, но и когда они содержат общие элементы</a:t>
+            </a:r>
+          </a:p>
+          <a:p>
+            <a:r>
+              <a:rPr lang="ru-RU" smtClean="0"/>
+              <a:t>Пример</a:t>
+            </a:r>
+            <a:r>
+              <a:rPr lang="en-US" smtClean="0"/>
+              <a:t>:</a:t>
+            </a:r>
+            <a:r>
+              <a:rPr lang="ru-RU" smtClean="0"/>
+              <a:t> </a:t>
+            </a:r>
+            <a:r>
+              <a:rPr lang="en-US">
+                <a:latin typeface="Consolas" panose="020B0609020204030204" pitchFamily="49" charset="0"/>
+              </a:rPr>
+              <a:t>(1 2</a:t>
+            </a:r>
+            <a:r>
+              <a:rPr lang="en-US" smtClean="0">
+                <a:latin typeface="Consolas" panose="020B0609020204030204" pitchFamily="49" charset="0"/>
+              </a:rPr>
+              <a:t>)(2 3)</a:t>
+            </a:r>
+            <a:endParaRPr lang="ru-RU" smtClean="0"/>
+          </a:p>
+          <a:p>
+            <a:r>
+              <a:rPr lang="ru-RU" smtClean="0"/>
+              <a:t>Это означает </a:t>
+            </a:r>
+            <a:r>
+              <a:rPr lang="en-US">
+                <a:latin typeface="Consolas" panose="020B0609020204030204" pitchFamily="49" charset="0"/>
+              </a:rPr>
+              <a:t>1 </a:t>
+            </a:r>
+            <a:r>
+              <a:rPr lang="ru-RU">
+                <a:latin typeface="Consolas" panose="020B0609020204030204" pitchFamily="49" charset="0"/>
+                <a:sym typeface="Symbol" panose="05050102010706020507" pitchFamily="18" charset="2"/>
+              </a:rPr>
+              <a:t> </a:t>
+            </a:r>
+            <a:r>
+              <a:rPr lang="en-US">
+                <a:latin typeface="Consolas" panose="020B0609020204030204" pitchFamily="49" charset="0"/>
+                <a:sym typeface="Symbol" panose="05050102010706020507" pitchFamily="18" charset="2"/>
+              </a:rPr>
+              <a:t>2, 2 </a:t>
+            </a:r>
+            <a:r>
+              <a:rPr lang="ru-RU">
+                <a:latin typeface="Consolas" panose="020B0609020204030204" pitchFamily="49" charset="0"/>
+                <a:sym typeface="Symbol" panose="05050102010706020507" pitchFamily="18" charset="2"/>
+              </a:rPr>
+              <a:t></a:t>
+            </a:r>
+            <a:r>
+              <a:rPr lang="en-US">
+                <a:latin typeface="Consolas" panose="020B0609020204030204" pitchFamily="49" charset="0"/>
+                <a:sym typeface="Symbol" panose="05050102010706020507" pitchFamily="18" charset="2"/>
+              </a:rPr>
+              <a:t> </a:t>
+            </a:r>
+            <a:r>
+              <a:rPr lang="en-US" smtClean="0">
+                <a:latin typeface="Consolas" panose="020B0609020204030204" pitchFamily="49" charset="0"/>
+                <a:sym typeface="Symbol" panose="05050102010706020507" pitchFamily="18" charset="2"/>
+              </a:rPr>
+              <a:t>1</a:t>
+            </a:r>
+            <a:r>
+              <a:rPr lang="ru-RU" smtClean="0">
+                <a:sym typeface="Symbol" panose="05050102010706020507" pitchFamily="18" charset="2"/>
+              </a:rPr>
+              <a:t> и далее </a:t>
+            </a:r>
+            <a:r>
+              <a:rPr lang="ru-RU" smtClean="0">
+                <a:latin typeface="Consolas" panose="020B0609020204030204" pitchFamily="49" charset="0"/>
+                <a:sym typeface="Symbol" panose="05050102010706020507" pitchFamily="18" charset="2"/>
+              </a:rPr>
+              <a:t>2</a:t>
+            </a:r>
+            <a:r>
+              <a:rPr lang="en-US" smtClean="0">
+                <a:latin typeface="Consolas" panose="020B0609020204030204" pitchFamily="49" charset="0"/>
+              </a:rPr>
+              <a:t> </a:t>
+            </a:r>
+            <a:r>
+              <a:rPr lang="ru-RU">
+                <a:latin typeface="Consolas" panose="020B0609020204030204" pitchFamily="49" charset="0"/>
+                <a:sym typeface="Symbol" panose="05050102010706020507" pitchFamily="18" charset="2"/>
+              </a:rPr>
+              <a:t> </a:t>
+            </a:r>
+            <a:r>
+              <a:rPr lang="ru-RU" smtClean="0">
+                <a:latin typeface="Consolas" panose="020B0609020204030204" pitchFamily="49" charset="0"/>
+                <a:sym typeface="Symbol" panose="05050102010706020507" pitchFamily="18" charset="2"/>
+              </a:rPr>
+              <a:t>3</a:t>
+            </a:r>
+            <a:r>
+              <a:rPr lang="en-US" smtClean="0">
+                <a:latin typeface="Consolas" panose="020B0609020204030204" pitchFamily="49" charset="0"/>
+                <a:sym typeface="Symbol" panose="05050102010706020507" pitchFamily="18" charset="2"/>
+              </a:rPr>
+              <a:t>, </a:t>
+            </a:r>
+            <a:r>
+              <a:rPr lang="ru-RU" smtClean="0">
+                <a:latin typeface="Consolas" panose="020B0609020204030204" pitchFamily="49" charset="0"/>
+                <a:sym typeface="Symbol" panose="05050102010706020507" pitchFamily="18" charset="2"/>
+              </a:rPr>
+              <a:t>3</a:t>
+            </a:r>
+            <a:r>
+              <a:rPr lang="en-US" smtClean="0">
+                <a:latin typeface="Consolas" panose="020B0609020204030204" pitchFamily="49" charset="0"/>
+                <a:sym typeface="Symbol" panose="05050102010706020507" pitchFamily="18" charset="2"/>
+              </a:rPr>
+              <a:t> </a:t>
+            </a:r>
+            <a:r>
+              <a:rPr lang="ru-RU">
+                <a:latin typeface="Consolas" panose="020B0609020204030204" pitchFamily="49" charset="0"/>
+                <a:sym typeface="Symbol" panose="05050102010706020507" pitchFamily="18" charset="2"/>
+              </a:rPr>
+              <a:t></a:t>
+            </a:r>
+            <a:r>
+              <a:rPr lang="en-US">
+                <a:latin typeface="Consolas" panose="020B0609020204030204" pitchFamily="49" charset="0"/>
+                <a:sym typeface="Symbol" panose="05050102010706020507" pitchFamily="18" charset="2"/>
+              </a:rPr>
+              <a:t> </a:t>
+            </a:r>
+            <a:r>
+              <a:rPr lang="ru-RU" smtClean="0">
+                <a:latin typeface="Consolas" panose="020B0609020204030204" pitchFamily="49" charset="0"/>
+                <a:sym typeface="Symbol" panose="05050102010706020507" pitchFamily="18" charset="2"/>
+              </a:rPr>
+              <a:t>2</a:t>
+            </a:r>
+          </a:p>
+          <a:p>
+            <a:r>
+              <a:rPr lang="ru-RU" smtClean="0">
+                <a:sym typeface="Symbol" panose="05050102010706020507" pitchFamily="18" charset="2"/>
+              </a:rPr>
+              <a:t>Следовательно </a:t>
+            </a:r>
+            <a:r>
+              <a:rPr lang="en-US">
+                <a:latin typeface="Consolas" panose="020B0609020204030204" pitchFamily="49" charset="0"/>
+              </a:rPr>
+              <a:t>1 </a:t>
+            </a:r>
+            <a:r>
+              <a:rPr lang="ru-RU">
+                <a:latin typeface="Consolas" panose="020B0609020204030204" pitchFamily="49" charset="0"/>
+                <a:sym typeface="Symbol" panose="05050102010706020507" pitchFamily="18" charset="2"/>
+              </a:rPr>
+              <a:t> </a:t>
+            </a:r>
+            <a:r>
+              <a:rPr lang="ru-RU" smtClean="0">
+                <a:latin typeface="Consolas" panose="020B0609020204030204" pitchFamily="49" charset="0"/>
+                <a:sym typeface="Symbol" panose="05050102010706020507" pitchFamily="18" charset="2"/>
+              </a:rPr>
+              <a:t>3</a:t>
+            </a:r>
+            <a:r>
+              <a:rPr lang="en-US" smtClean="0">
+                <a:latin typeface="Consolas" panose="020B0609020204030204" pitchFamily="49" charset="0"/>
+                <a:sym typeface="Symbol" panose="05050102010706020507" pitchFamily="18" charset="2"/>
+              </a:rPr>
+              <a:t>, </a:t>
+            </a:r>
+            <a:r>
+              <a:rPr lang="en-US">
+                <a:latin typeface="Consolas" panose="020B0609020204030204" pitchFamily="49" charset="0"/>
+                <a:sym typeface="Symbol" panose="05050102010706020507" pitchFamily="18" charset="2"/>
+              </a:rPr>
+              <a:t>2 </a:t>
+            </a:r>
+            <a:r>
+              <a:rPr lang="ru-RU">
+                <a:latin typeface="Consolas" panose="020B0609020204030204" pitchFamily="49" charset="0"/>
+                <a:sym typeface="Symbol" panose="05050102010706020507" pitchFamily="18" charset="2"/>
+              </a:rPr>
+              <a:t></a:t>
+            </a:r>
+            <a:r>
+              <a:rPr lang="en-US">
+                <a:latin typeface="Consolas" panose="020B0609020204030204" pitchFamily="49" charset="0"/>
+                <a:sym typeface="Symbol" panose="05050102010706020507" pitchFamily="18" charset="2"/>
+              </a:rPr>
+              <a:t> </a:t>
+            </a:r>
+            <a:r>
+              <a:rPr lang="en-US" smtClean="0">
+                <a:latin typeface="Consolas" panose="020B0609020204030204" pitchFamily="49" charset="0"/>
+                <a:sym typeface="Symbol" panose="05050102010706020507" pitchFamily="18" charset="2"/>
+              </a:rPr>
+              <a:t>1, </a:t>
+            </a:r>
+            <a:r>
+              <a:rPr lang="ru-RU">
+                <a:latin typeface="Consolas" panose="020B0609020204030204" pitchFamily="49" charset="0"/>
+                <a:sym typeface="Symbol" panose="05050102010706020507" pitchFamily="18" charset="2"/>
+              </a:rPr>
+              <a:t>3</a:t>
+            </a:r>
+            <a:r>
+              <a:rPr lang="en-US">
+                <a:latin typeface="Consolas" panose="020B0609020204030204" pitchFamily="49" charset="0"/>
+                <a:sym typeface="Symbol" panose="05050102010706020507" pitchFamily="18" charset="2"/>
+              </a:rPr>
+              <a:t> </a:t>
+            </a:r>
+            <a:r>
+              <a:rPr lang="ru-RU">
+                <a:latin typeface="Consolas" panose="020B0609020204030204" pitchFamily="49" charset="0"/>
+                <a:sym typeface="Symbol" panose="05050102010706020507" pitchFamily="18" charset="2"/>
+              </a:rPr>
+              <a:t></a:t>
+            </a:r>
+            <a:r>
+              <a:rPr lang="en-US">
+                <a:latin typeface="Consolas" panose="020B0609020204030204" pitchFamily="49" charset="0"/>
+                <a:sym typeface="Symbol" panose="05050102010706020507" pitchFamily="18" charset="2"/>
+              </a:rPr>
+              <a:t> </a:t>
+            </a:r>
+            <a:r>
+              <a:rPr lang="ru-RU" smtClean="0">
+                <a:latin typeface="Consolas" panose="020B0609020204030204" pitchFamily="49" charset="0"/>
+                <a:sym typeface="Symbol" panose="05050102010706020507" pitchFamily="18" charset="2"/>
+              </a:rPr>
+              <a:t>2</a:t>
+            </a:r>
+            <a:endParaRPr lang="en-US" smtClean="0">
+              <a:latin typeface="Consolas" panose="020B0609020204030204" pitchFamily="49" charset="0"/>
+              <a:sym typeface="Symbol" panose="05050102010706020507" pitchFamily="18" charset="2"/>
+            </a:endParaRPr>
+          </a:p>
+          <a:p>
+            <a:r>
+              <a:rPr lang="ru-RU" smtClean="0">
+                <a:sym typeface="Symbol" panose="05050102010706020507" pitchFamily="18" charset="2"/>
+              </a:rPr>
+              <a:t>В циклической записи</a:t>
+            </a:r>
+            <a:r>
+              <a:rPr lang="en-US" smtClean="0">
+                <a:sym typeface="Symbol" panose="05050102010706020507" pitchFamily="18" charset="2"/>
+              </a:rPr>
+              <a:t>: </a:t>
+            </a:r>
+            <a:r>
+              <a:rPr lang="en-US">
+                <a:latin typeface="Consolas" panose="020B0609020204030204" pitchFamily="49" charset="0"/>
+              </a:rPr>
+              <a:t>(1 2)(2 3</a:t>
+            </a:r>
+            <a:r>
+              <a:rPr lang="en-US" smtClean="0">
+                <a:latin typeface="Consolas" panose="020B0609020204030204" pitchFamily="49" charset="0"/>
+              </a:rPr>
+              <a:t>) = (</a:t>
+            </a:r>
+            <a:r>
+              <a:rPr lang="en-US">
+                <a:latin typeface="Consolas" panose="020B0609020204030204" pitchFamily="49" charset="0"/>
+              </a:rPr>
+              <a:t>1 3</a:t>
+            </a:r>
+            <a:r>
+              <a:rPr lang="en-US" smtClean="0">
+                <a:latin typeface="Consolas" panose="020B0609020204030204" pitchFamily="49" charset="0"/>
+              </a:rPr>
+              <a:t> 2)</a:t>
+            </a:r>
+          </a:p>
+          <a:p>
+            <a:r>
+              <a:rPr lang="ru-RU"/>
+              <a:t>Более сложный пример: </a:t>
+            </a:r>
+            <a:r>
+              <a:rPr lang="en-US" smtClean="0">
+                <a:latin typeface="Consolas" panose="020B0609020204030204" pitchFamily="49" charset="0"/>
+              </a:rPr>
+              <a:t>(</a:t>
+            </a:r>
+            <a:r>
+              <a:rPr lang="ru-RU" smtClean="0">
+                <a:latin typeface="Consolas" panose="020B0609020204030204" pitchFamily="49" charset="0"/>
+              </a:rPr>
+              <a:t>1 3 2</a:t>
+            </a:r>
+            <a:r>
+              <a:rPr lang="en-US" smtClean="0">
+                <a:latin typeface="Consolas" panose="020B0609020204030204" pitchFamily="49" charset="0"/>
+              </a:rPr>
+              <a:t>)(</a:t>
+            </a:r>
+            <a:r>
+              <a:rPr lang="ru-RU" smtClean="0">
+                <a:latin typeface="Consolas" panose="020B0609020204030204" pitchFamily="49" charset="0"/>
+              </a:rPr>
+              <a:t>1 2 4</a:t>
+            </a:r>
+            <a:r>
+              <a:rPr lang="en-US" smtClean="0">
+                <a:latin typeface="Consolas" panose="020B0609020204030204" pitchFamily="49" charset="0"/>
+              </a:rPr>
+              <a:t>)(</a:t>
+            </a:r>
+            <a:r>
+              <a:rPr lang="ru-RU" smtClean="0">
+                <a:latin typeface="Consolas" panose="020B0609020204030204" pitchFamily="49" charset="0"/>
+              </a:rPr>
+              <a:t>1 4 3 2</a:t>
+            </a:r>
+            <a:r>
+              <a:rPr lang="en-US">
+                <a:latin typeface="Consolas" panose="020B0609020204030204" pitchFamily="49" charset="0"/>
+              </a:rPr>
+              <a:t>)</a:t>
+            </a:r>
+            <a:r>
+              <a:rPr lang="en-US" smtClean="0">
+                <a:latin typeface="Consolas" panose="020B0609020204030204" pitchFamily="49" charset="0"/>
+              </a:rPr>
+              <a:t> = (1 2)(3)(4)</a:t>
+            </a:r>
+            <a:endParaRPr lang="ru-RU">
+              <a:latin typeface="Consolas" panose="020B0609020204030204" pitchFamily="49" charset="0"/>
+            </a:endParaRPr>
+          </a:p>
+          <a:p>
+            <a:r>
+              <a:rPr lang="ru-RU" smtClean="0"/>
+              <a:t>Какую сигнатуру должна иметь функция перемножения (упрощения заданного массива) перестановок?</a:t>
             </a:r>
           </a:p>
           <a:p>
             <a:pPr marL="45720" indent="0">
               <a:buNone/>
             </a:pPr>
-            <a:r>
-              <a:rPr lang="en-US" smtClean="0">
-                <a:latin typeface="Consolas" panose="020B0609020204030204" pitchFamily="49" charset="0"/>
-              </a:rPr>
-              <a:t>auto </a:t>
-            </a:r>
-            <a:r>
-              <a:rPr lang="en-US">
-                <a:latin typeface="Consolas" panose="020B0609020204030204" pitchFamily="49" charset="0"/>
-              </a:rPr>
-              <a:t>it = cont.begin(); </a:t>
-            </a:r>
-            <a:endParaRPr lang="en-US" smtClean="0">
-              <a:latin typeface="Consolas" panose="020B0609020204030204" pitchFamily="49" charset="0"/>
-            </a:endParaRPr>
+            <a:endParaRPr lang="en-US"/>
+          </a:p>
+        </p:txBody>
+      </p:sp>
+    </p:spTree>
+    <p:extLst>
+      <p:ext uri="{BB962C8B-B14F-4D97-AF65-F5344CB8AC3E}">
+        <p14:creationId xmlns:p14="http://schemas.microsoft.com/office/powerpoint/2010/main" val="12259026"/>
+      </p:ext>
+    </p:extLst>
+  </p:cSld>
+  <p:clrMapOvr>
+    <a:masterClrMapping/>
+  </p:clrMapOvr>
+</p:sld>
+</file>
+
+<file path=ppt/slides/slide82.xml><?xml version="1.0" encoding="utf-8"?>
+<p:sld xmlns:a="http://schemas.openxmlformats.org/drawingml/2006/main" xmlns:r="http://schemas.openxmlformats.org/officeDocument/2006/relationships" xmlns:p="http://schemas.openxmlformats.org/presentationml/2006/main">
+  <p:cSld>
+    <p:spTree>
+      <p:nvGrpSpPr>
+        <p:cNvPr id="1" name=""/>
+        <p:cNvGrpSpPr/>
+        <p:nvPr/>
+      </p:nvGrpSpPr>
+      <p:grpSpPr>
+        <a:xfrm>
+          <a:off x="0" y="0"/>
+          <a:ext cx="0" cy="0"/>
+          <a:chOff x="0" y="0"/>
+          <a:chExt cx="0" cy="0"/>
+        </a:xfrm>
+      </p:grpSpPr>
+      <p:sp>
+        <p:nvSpPr>
+          <p:cNvPr id="2" name="Title 1"/>
+          <p:cNvSpPr>
+            <a:spLocks noGrp="1"/>
+          </p:cNvSpPr>
+          <p:nvPr>
+            <p:ph type="title"/>
+          </p:nvPr>
+        </p:nvSpPr>
+        <p:spPr/>
+        <p:txBody>
+          <a:bodyPr/>
+          <a:lstStyle/>
+          <a:p>
+            <a:r>
+              <a:rPr lang="ru-RU" smtClean="0"/>
+              <a:t>Перемножение перестановок</a:t>
+            </a:r>
+            <a:endParaRPr lang="en-US"/>
+          </a:p>
+        </p:txBody>
+      </p:sp>
+      <p:sp>
+        <p:nvSpPr>
+          <p:cNvPr id="3" name="Content Placeholder 2"/>
+          <p:cNvSpPr>
+            <a:spLocks noGrp="1"/>
+          </p:cNvSpPr>
+          <p:nvPr>
+            <p:ph idx="1"/>
+          </p:nvPr>
+        </p:nvSpPr>
+        <p:spPr/>
+        <p:txBody>
+          <a:bodyPr/>
+          <a:lstStyle/>
+          <a:p>
+            <a:r>
+              <a:rPr lang="ru-RU" smtClean="0"/>
+              <a:t>Неправильный, но соблазнительный вариант</a:t>
+            </a:r>
           </a:p>
           <a:p>
             <a:pPr marL="45720" indent="0">
               <a:buNone/>
             </a:pPr>
             <a:r>
-              <a:rPr lang="en-US" smtClean="0">
-                <a:latin typeface="Consolas" panose="020B0609020204030204" pitchFamily="49" charset="0"/>
-              </a:rPr>
-              <a:t>for </a:t>
+              <a:rPr lang="en-US">
+                <a:latin typeface="Consolas" panose="020B0609020204030204" pitchFamily="49" charset="0"/>
+              </a:rPr>
+              <a:t>template &lt;typename </a:t>
+            </a:r>
+            <a:r>
+              <a:rPr lang="en-US" smtClean="0">
+                <a:latin typeface="Consolas" panose="020B0609020204030204" pitchFamily="49" charset="0"/>
+              </a:rPr>
+              <a:t>T&gt;</a:t>
             </a:r>
             <a:r>
               <a:rPr lang="ru-RU" smtClean="0">
                 <a:latin typeface="Consolas" panose="020B0609020204030204" pitchFamily="49" charset="0"/>
               </a:rPr>
-              <a:t>(</a:t>
-            </a:r>
-            <a:r>
-              <a:rPr lang="en-US" smtClean="0">
-                <a:latin typeface="Consolas" panose="020B0609020204030204" pitchFamily="49" charset="0"/>
-              </a:rPr>
-              <a:t>size_t idx = 0, idx != N; ++idx, ++it</a:t>
-            </a:r>
-            <a:r>
-              <a:rPr lang="ru-RU" smtClean="0">
-                <a:latin typeface="Consolas" panose="020B0609020204030204" pitchFamily="49" charset="0"/>
-              </a:rPr>
-              <a:t>)</a:t>
+              <a:t/>
             </a:r>
             <a:br>
               <a:rPr lang="ru-RU" smtClean="0">
@@ -28953,18 +33274,635 @@
               <a:rPr lang="en-US" smtClean="0">
                 <a:latin typeface="Consolas" panose="020B0609020204030204" pitchFamily="49" charset="0"/>
               </a:rPr>
-              <a:t> cout &lt;&lt; *it &lt;&lt; endl;</a:t>
-            </a:r>
-            <a:endParaRPr lang="ru-RU" smtClean="0">
+              <a:t>void </a:t>
+            </a:r>
+            <a:r>
+              <a:rPr lang="en-US">
+                <a:latin typeface="Consolas" panose="020B0609020204030204" pitchFamily="49" charset="0"/>
+              </a:rPr>
+              <a:t>simplify_loops </a:t>
+            </a:r>
+            <a:r>
+              <a:rPr lang="en-US" smtClean="0">
+                <a:latin typeface="Consolas" panose="020B0609020204030204" pitchFamily="49" charset="0"/>
+              </a:rPr>
+              <a:t>(vector&lt;PermLoop&lt;T</a:t>
+            </a:r>
+            <a:r>
+              <a:rPr lang="en-US">
+                <a:latin typeface="Consolas" panose="020B0609020204030204" pitchFamily="49" charset="0"/>
+              </a:rPr>
+              <a:t>&gt;&gt; &amp;input);</a:t>
+            </a:r>
+          </a:p>
+          <a:p>
+            <a:r>
+              <a:rPr lang="ru-RU" smtClean="0"/>
+              <a:t>Правильный вариант </a:t>
+            </a:r>
+            <a:r>
+              <a:rPr lang="en-US" smtClean="0"/>
+              <a:t>(STL-way)</a:t>
+            </a:r>
+            <a:endParaRPr lang="ru-RU" smtClean="0"/>
+          </a:p>
+          <a:p>
+            <a:pPr marL="45720" indent="0">
+              <a:buNone/>
+            </a:pPr>
+            <a:r>
+              <a:rPr lang="en-US">
+                <a:latin typeface="Consolas" panose="020B0609020204030204" pitchFamily="49" charset="0"/>
+              </a:rPr>
+              <a:t>template &lt;typename RandIt, typename </a:t>
+            </a:r>
+            <a:r>
+              <a:rPr lang="en-US" smtClean="0">
+                <a:latin typeface="Consolas" panose="020B0609020204030204" pitchFamily="49" charset="0"/>
+              </a:rPr>
+              <a:t>OutIt&gt;</a:t>
+            </a:r>
+            <a:br>
+              <a:rPr lang="en-US" smtClean="0">
+                <a:latin typeface="Consolas" panose="020B0609020204030204" pitchFamily="49" charset="0"/>
+              </a:rPr>
+            </a:br>
+            <a:r>
+              <a:rPr lang="en-US" smtClean="0">
+                <a:latin typeface="Consolas" panose="020B0609020204030204" pitchFamily="49" charset="0"/>
+              </a:rPr>
+              <a:t>void </a:t>
+            </a:r>
+            <a:r>
+              <a:rPr lang="en-US">
+                <a:latin typeface="Consolas" panose="020B0609020204030204" pitchFamily="49" charset="0"/>
+              </a:rPr>
+              <a:t>simplify_loops (RandIt tbeg, RandIt tend, OutIt lbeg</a:t>
+            </a:r>
+            <a:r>
+              <a:rPr lang="en-US" smtClean="0">
+                <a:latin typeface="Consolas" panose="020B0609020204030204" pitchFamily="49" charset="0"/>
+              </a:rPr>
+              <a:t>);</a:t>
+            </a:r>
+            <a:endParaRPr lang="en-US">
               <a:latin typeface="Consolas" panose="020B0609020204030204" pitchFamily="49" charset="0"/>
             </a:endParaRPr>
+          </a:p>
+          <a:p>
+            <a:pPr marL="45720" indent="0">
+              <a:buNone/>
+            </a:pPr>
+            <a:endParaRPr lang="en-US"/>
           </a:p>
         </p:txBody>
       </p:sp>
     </p:spTree>
     <p:extLst>
       <p:ext uri="{BB962C8B-B14F-4D97-AF65-F5344CB8AC3E}">
-        <p14:creationId xmlns:p14="http://schemas.microsoft.com/office/powerpoint/2010/main" val="2096323656"/>
+        <p14:creationId xmlns:p14="http://schemas.microsoft.com/office/powerpoint/2010/main" val="2231960220"/>
+      </p:ext>
+    </p:extLst>
+  </p:cSld>
+  <p:clrMapOvr>
+    <a:masterClrMapping/>
+  </p:clrMapOvr>
+</p:sld>
+</file>
+
+<file path=ppt/slides/slide83.xml><?xml version="1.0" encoding="utf-8"?>
+<p:sld xmlns:a="http://schemas.openxmlformats.org/drawingml/2006/main" xmlns:r="http://schemas.openxmlformats.org/officeDocument/2006/relationships" xmlns:p="http://schemas.openxmlformats.org/presentationml/2006/main">
+  <p:cSld>
+    <p:spTree>
+      <p:nvGrpSpPr>
+        <p:cNvPr id="1" name=""/>
+        <p:cNvGrpSpPr/>
+        <p:nvPr/>
+      </p:nvGrpSpPr>
+      <p:grpSpPr>
+        <a:xfrm>
+          <a:off x="0" y="0"/>
+          <a:ext cx="0" cy="0"/>
+          <a:chOff x="0" y="0"/>
+          <a:chExt cx="0" cy="0"/>
+        </a:xfrm>
+      </p:grpSpPr>
+      <p:sp>
+        <p:nvSpPr>
+          <p:cNvPr id="2" name="Title 1"/>
+          <p:cNvSpPr>
+            <a:spLocks noGrp="1"/>
+          </p:cNvSpPr>
+          <p:nvPr>
+            <p:ph type="title"/>
+          </p:nvPr>
+        </p:nvSpPr>
+        <p:spPr/>
+        <p:txBody>
+          <a:bodyPr/>
+          <a:lstStyle/>
+          <a:p>
+            <a:r>
+              <a:rPr lang="ru-RU" smtClean="0"/>
+              <a:t>Перемножение перестановок</a:t>
+            </a:r>
+            <a:endParaRPr lang="en-US"/>
+          </a:p>
+        </p:txBody>
+      </p:sp>
+      <p:sp>
+        <p:nvSpPr>
+          <p:cNvPr id="3" name="Content Placeholder 2"/>
+          <p:cNvSpPr>
+            <a:spLocks noGrp="1"/>
+          </p:cNvSpPr>
+          <p:nvPr>
+            <p:ph idx="1"/>
+          </p:nvPr>
+        </p:nvSpPr>
+        <p:spPr>
+          <a:xfrm>
+            <a:off x="1143000" y="2057400"/>
+            <a:ext cx="10472351" cy="4038600"/>
+          </a:xfrm>
+        </p:spPr>
+        <p:txBody>
+          <a:bodyPr/>
+          <a:lstStyle/>
+          <a:p>
+            <a:r>
+              <a:rPr lang="ru-RU" smtClean="0"/>
+              <a:t>Можно немного помедитировать над реализацией</a:t>
+            </a:r>
+          </a:p>
+          <a:p>
+            <a:pPr marL="45720" indent="0">
+              <a:buNone/>
+            </a:pPr>
+            <a:r>
+              <a:rPr lang="en-US" sz="2000">
+                <a:latin typeface="Consolas" panose="020B0609020204030204" pitchFamily="49" charset="0"/>
+              </a:rPr>
+              <a:t>template &lt;typename RandIt, typename </a:t>
+            </a:r>
+            <a:r>
+              <a:rPr lang="en-US" sz="2000" smtClean="0">
+                <a:latin typeface="Consolas" panose="020B0609020204030204" pitchFamily="49" charset="0"/>
+              </a:rPr>
+              <a:t>OutIt&gt;</a:t>
+            </a:r>
+            <a:br>
+              <a:rPr lang="en-US" sz="2000" smtClean="0">
+                <a:latin typeface="Consolas" panose="020B0609020204030204" pitchFamily="49" charset="0"/>
+              </a:rPr>
+            </a:br>
+            <a:r>
+              <a:rPr lang="en-US" sz="2000" smtClean="0">
+                <a:latin typeface="Consolas" panose="020B0609020204030204" pitchFamily="49" charset="0"/>
+              </a:rPr>
+              <a:t>void </a:t>
+            </a:r>
+            <a:r>
+              <a:rPr lang="en-US" sz="2000">
+                <a:latin typeface="Consolas" panose="020B0609020204030204" pitchFamily="49" charset="0"/>
+              </a:rPr>
+              <a:t>simplify_loops (RandIt tbeg, RandIt tend, OutIt lbeg) </a:t>
+            </a:r>
+            <a:r>
+              <a:rPr lang="en-US" sz="2000" smtClean="0">
+                <a:latin typeface="Consolas" panose="020B0609020204030204" pitchFamily="49" charset="0"/>
+              </a:rPr>
+              <a:t>{</a:t>
+            </a:r>
+            <a:r>
+              <a:rPr lang="ru-RU" sz="2000" smtClean="0">
+                <a:latin typeface="Consolas" panose="020B0609020204030204" pitchFamily="49" charset="0"/>
+              </a:rPr>
+              <a:t/>
+            </a:r>
+            <a:br>
+              <a:rPr lang="ru-RU" sz="2000" smtClean="0">
+                <a:latin typeface="Consolas" panose="020B0609020204030204" pitchFamily="49" charset="0"/>
+              </a:rPr>
+            </a:br>
+            <a:r>
+              <a:rPr lang="ru-RU" sz="2000" smtClean="0">
+                <a:latin typeface="Consolas" panose="020B0609020204030204" pitchFamily="49" charset="0"/>
+              </a:rPr>
+              <a:t>  </a:t>
+            </a:r>
+            <a:r>
+              <a:rPr lang="en-US" sz="2000" smtClean="0">
+                <a:latin typeface="Consolas" panose="020B0609020204030204" pitchFamily="49" charset="0"/>
+              </a:rPr>
+              <a:t>using </a:t>
+            </a:r>
+            <a:r>
+              <a:rPr lang="en-US" sz="2000">
+                <a:latin typeface="Consolas" panose="020B0609020204030204" pitchFamily="49" charset="0"/>
+              </a:rPr>
+              <a:t>T = </a:t>
+            </a:r>
+            <a:r>
+              <a:rPr lang="en-US" sz="2000" smtClean="0">
+                <a:latin typeface="Consolas" panose="020B0609020204030204" pitchFamily="49" charset="0"/>
+              </a:rPr>
+              <a:t>typename</a:t>
+            </a:r>
+            <a:r>
+              <a:rPr lang="ru-RU" sz="2000">
+                <a:latin typeface="Consolas" panose="020B0609020204030204" pitchFamily="49" charset="0"/>
+              </a:rPr>
+              <a:t> </a:t>
+            </a:r>
+            <a:r>
+              <a:rPr lang="en-US" sz="2000" smtClean="0">
+                <a:latin typeface="Consolas" panose="020B0609020204030204" pitchFamily="49" charset="0"/>
+              </a:rPr>
+              <a:t>std</a:t>
+            </a:r>
+            <a:r>
+              <a:rPr lang="en-US" sz="2000">
+                <a:latin typeface="Consolas" panose="020B0609020204030204" pitchFamily="49" charset="0"/>
+              </a:rPr>
+              <a:t>::decay&lt;decltype(*tbeg)&gt;::type::value_type</a:t>
+            </a:r>
+            <a:r>
+              <a:rPr lang="en-US" sz="2000" smtClean="0">
+                <a:latin typeface="Consolas" panose="020B0609020204030204" pitchFamily="49" charset="0"/>
+              </a:rPr>
+              <a:t>;</a:t>
+            </a:r>
+            <a:r>
+              <a:rPr lang="ru-RU" sz="2000" smtClean="0">
+                <a:latin typeface="Consolas" panose="020B0609020204030204" pitchFamily="49" charset="0"/>
+              </a:rPr>
+              <a:t/>
+            </a:r>
+            <a:br>
+              <a:rPr lang="ru-RU" sz="2000" smtClean="0">
+                <a:latin typeface="Consolas" panose="020B0609020204030204" pitchFamily="49" charset="0"/>
+              </a:rPr>
+            </a:br>
+            <a:r>
+              <a:rPr lang="en-US" sz="2000" smtClean="0">
+                <a:latin typeface="Consolas" panose="020B0609020204030204" pitchFamily="49" charset="0"/>
+              </a:rPr>
+              <a:t>  </a:t>
+            </a:r>
+            <a:r>
+              <a:rPr lang="en-US" sz="2000">
+                <a:latin typeface="Consolas" panose="020B0609020204030204" pitchFamily="49" charset="0"/>
+              </a:rPr>
+              <a:t>vector&lt;T&gt; table(T::fin - T::start + 1, T::start</a:t>
+            </a:r>
+            <a:r>
+              <a:rPr lang="en-US" sz="2000" smtClean="0">
+                <a:latin typeface="Consolas" panose="020B0609020204030204" pitchFamily="49" charset="0"/>
+              </a:rPr>
+              <a:t>);</a:t>
+            </a:r>
+            <a:r>
+              <a:rPr lang="ru-RU" sz="2000" smtClean="0">
+                <a:latin typeface="Consolas" panose="020B0609020204030204" pitchFamily="49" charset="0"/>
+              </a:rPr>
+              <a:t/>
+            </a:r>
+            <a:br>
+              <a:rPr lang="ru-RU" sz="2000" smtClean="0">
+                <a:latin typeface="Consolas" panose="020B0609020204030204" pitchFamily="49" charset="0"/>
+              </a:rPr>
+            </a:br>
+            <a:r>
+              <a:rPr lang="en-US" sz="2000" smtClean="0">
+                <a:latin typeface="Consolas" panose="020B0609020204030204" pitchFamily="49" charset="0"/>
+              </a:rPr>
+              <a:t>  </a:t>
+            </a:r>
+            <a:r>
+              <a:rPr lang="en-US" sz="2000">
+                <a:latin typeface="Consolas" panose="020B0609020204030204" pitchFamily="49" charset="0"/>
+              </a:rPr>
+              <a:t>iota(table.begin(), table.end(), T::start</a:t>
+            </a:r>
+            <a:r>
+              <a:rPr lang="en-US" sz="2000" smtClean="0">
+                <a:latin typeface="Consolas" panose="020B0609020204030204" pitchFamily="49" charset="0"/>
+              </a:rPr>
+              <a:t>);</a:t>
+            </a:r>
+            <a:r>
+              <a:rPr lang="ru-RU" sz="2000" smtClean="0">
+                <a:latin typeface="Consolas" panose="020B0609020204030204" pitchFamily="49" charset="0"/>
+              </a:rPr>
+              <a:t/>
+            </a:r>
+            <a:br>
+              <a:rPr lang="ru-RU" sz="2000" smtClean="0">
+                <a:latin typeface="Consolas" panose="020B0609020204030204" pitchFamily="49" charset="0"/>
+              </a:rPr>
+            </a:br>
+            <a:r>
+              <a:rPr lang="en-US" sz="2000" smtClean="0">
+                <a:solidFill>
+                  <a:srgbClr val="0000FF"/>
+                </a:solidFill>
+                <a:latin typeface="Consolas" panose="020B0609020204030204" pitchFamily="49" charset="0"/>
+              </a:rPr>
+              <a:t>  </a:t>
+            </a:r>
+            <a:r>
+              <a:rPr lang="en-US" sz="2000">
+                <a:solidFill>
+                  <a:srgbClr val="0000FF"/>
+                </a:solidFill>
+                <a:latin typeface="Consolas" panose="020B0609020204030204" pitchFamily="49" charset="0"/>
+              </a:rPr>
+              <a:t>for (auto loopit = make_reverse_iterator(tend); </a:t>
+            </a:r>
+            <a:r>
+              <a:rPr lang="ru-RU" sz="2000" smtClean="0">
+                <a:solidFill>
+                  <a:srgbClr val="0000FF"/>
+                </a:solidFill>
+                <a:latin typeface="Consolas" panose="020B0609020204030204" pitchFamily="49" charset="0"/>
+              </a:rPr>
+              <a:t/>
+            </a:r>
+            <a:br>
+              <a:rPr lang="ru-RU" sz="2000" smtClean="0">
+                <a:solidFill>
+                  <a:srgbClr val="0000FF"/>
+                </a:solidFill>
+                <a:latin typeface="Consolas" panose="020B0609020204030204" pitchFamily="49" charset="0"/>
+              </a:rPr>
+            </a:br>
+            <a:r>
+              <a:rPr lang="en-US" sz="2000" smtClean="0">
+                <a:solidFill>
+                  <a:srgbClr val="0000FF"/>
+                </a:solidFill>
+                <a:latin typeface="Consolas" panose="020B0609020204030204" pitchFamily="49" charset="0"/>
+              </a:rPr>
+              <a:t>       </a:t>
+            </a:r>
+            <a:r>
+              <a:rPr lang="en-US" sz="2000">
+                <a:solidFill>
+                  <a:srgbClr val="0000FF"/>
+                </a:solidFill>
+                <a:latin typeface="Consolas" panose="020B0609020204030204" pitchFamily="49" charset="0"/>
+              </a:rPr>
+              <a:t>loopit != make_reverse_iterator(tbeg); </a:t>
+            </a:r>
+            <a:r>
+              <a:rPr lang="ru-RU" sz="2000" smtClean="0">
+                <a:solidFill>
+                  <a:srgbClr val="0000FF"/>
+                </a:solidFill>
+                <a:latin typeface="Consolas" panose="020B0609020204030204" pitchFamily="49" charset="0"/>
+              </a:rPr>
+              <a:t/>
+            </a:r>
+            <a:br>
+              <a:rPr lang="ru-RU" sz="2000" smtClean="0">
+                <a:solidFill>
+                  <a:srgbClr val="0000FF"/>
+                </a:solidFill>
+                <a:latin typeface="Consolas" panose="020B0609020204030204" pitchFamily="49" charset="0"/>
+              </a:rPr>
+            </a:br>
+            <a:r>
+              <a:rPr lang="en-US" sz="2000" smtClean="0">
+                <a:solidFill>
+                  <a:srgbClr val="0000FF"/>
+                </a:solidFill>
+                <a:latin typeface="Consolas" panose="020B0609020204030204" pitchFamily="49" charset="0"/>
+              </a:rPr>
+              <a:t>       </a:t>
+            </a:r>
+            <a:r>
+              <a:rPr lang="en-US" sz="2000">
+                <a:solidFill>
+                  <a:srgbClr val="0000FF"/>
+                </a:solidFill>
+                <a:latin typeface="Consolas" panose="020B0609020204030204" pitchFamily="49" charset="0"/>
+              </a:rPr>
+              <a:t>++loopit</a:t>
+            </a:r>
+            <a:r>
+              <a:rPr lang="en-US" sz="2000" smtClean="0">
+                <a:solidFill>
+                  <a:srgbClr val="0000FF"/>
+                </a:solidFill>
+                <a:latin typeface="Consolas" panose="020B0609020204030204" pitchFamily="49" charset="0"/>
+              </a:rPr>
+              <a:t>)</a:t>
+            </a:r>
+            <a:r>
+              <a:rPr lang="ru-RU" sz="2000" smtClean="0">
+                <a:solidFill>
+                  <a:srgbClr val="0000FF"/>
+                </a:solidFill>
+                <a:latin typeface="Consolas" panose="020B0609020204030204" pitchFamily="49" charset="0"/>
+              </a:rPr>
+              <a:t/>
+            </a:r>
+            <a:br>
+              <a:rPr lang="ru-RU" sz="2000" smtClean="0">
+                <a:solidFill>
+                  <a:srgbClr val="0000FF"/>
+                </a:solidFill>
+                <a:latin typeface="Consolas" panose="020B0609020204030204" pitchFamily="49" charset="0"/>
+              </a:rPr>
+            </a:br>
+            <a:r>
+              <a:rPr lang="en-US" sz="2000" smtClean="0">
+                <a:solidFill>
+                  <a:srgbClr val="0000FF"/>
+                </a:solidFill>
+                <a:latin typeface="Consolas" panose="020B0609020204030204" pitchFamily="49" charset="0"/>
+              </a:rPr>
+              <a:t>    </a:t>
+            </a:r>
+            <a:r>
+              <a:rPr lang="en-US" sz="2000">
+                <a:solidFill>
+                  <a:srgbClr val="0000FF"/>
+                </a:solidFill>
+                <a:latin typeface="Consolas" panose="020B0609020204030204" pitchFamily="49" charset="0"/>
+              </a:rPr>
+              <a:t>loopit-&gt;apply(table.begin(), table.end</a:t>
+            </a:r>
+            <a:r>
+              <a:rPr lang="en-US" sz="2000" smtClean="0">
+                <a:solidFill>
+                  <a:srgbClr val="0000FF"/>
+                </a:solidFill>
+                <a:latin typeface="Consolas" panose="020B0609020204030204" pitchFamily="49" charset="0"/>
+              </a:rPr>
+              <a:t>());</a:t>
+            </a:r>
+            <a:r>
+              <a:rPr lang="ru-RU" sz="2000" smtClean="0">
+                <a:solidFill>
+                  <a:srgbClr val="0000FF"/>
+                </a:solidFill>
+                <a:latin typeface="Consolas" panose="020B0609020204030204" pitchFamily="49" charset="0"/>
+              </a:rPr>
+              <a:t/>
+            </a:r>
+            <a:br>
+              <a:rPr lang="ru-RU" sz="2000" smtClean="0">
+                <a:solidFill>
+                  <a:srgbClr val="0000FF"/>
+                </a:solidFill>
+                <a:latin typeface="Consolas" panose="020B0609020204030204" pitchFamily="49" charset="0"/>
+              </a:rPr>
+            </a:br>
+            <a:r>
+              <a:rPr lang="en-US" sz="2000" smtClean="0">
+                <a:latin typeface="Consolas" panose="020B0609020204030204" pitchFamily="49" charset="0"/>
+              </a:rPr>
+              <a:t>  </a:t>
+            </a:r>
+            <a:r>
+              <a:rPr lang="en-US" sz="2000">
+                <a:latin typeface="Consolas" panose="020B0609020204030204" pitchFamily="49" charset="0"/>
+              </a:rPr>
+              <a:t>create_loops(table.begin(), table.end(), lbeg</a:t>
+            </a:r>
+            <a:r>
+              <a:rPr lang="en-US" sz="2000" smtClean="0">
+                <a:latin typeface="Consolas" panose="020B0609020204030204" pitchFamily="49" charset="0"/>
+              </a:rPr>
+              <a:t>);</a:t>
+            </a:r>
+            <a:r>
+              <a:rPr lang="ru-RU" sz="2000" smtClean="0">
+                <a:latin typeface="Consolas" panose="020B0609020204030204" pitchFamily="49" charset="0"/>
+              </a:rPr>
+              <a:t/>
+            </a:r>
+            <a:br>
+              <a:rPr lang="ru-RU" sz="2000" smtClean="0">
+                <a:latin typeface="Consolas" panose="020B0609020204030204" pitchFamily="49" charset="0"/>
+              </a:rPr>
+            </a:br>
+            <a:r>
+              <a:rPr lang="en-US" sz="2000" smtClean="0">
+                <a:latin typeface="Consolas" panose="020B0609020204030204" pitchFamily="49" charset="0"/>
+              </a:rPr>
+              <a:t>}</a:t>
+            </a:r>
+            <a:endParaRPr lang="en-US" sz="2000">
+              <a:latin typeface="Consolas" panose="020B0609020204030204" pitchFamily="49" charset="0"/>
+            </a:endParaRPr>
+          </a:p>
+          <a:p>
+            <a:pPr marL="45720" indent="0">
+              <a:buNone/>
+            </a:pPr>
+            <a:endParaRPr lang="en-US"/>
+          </a:p>
+        </p:txBody>
+      </p:sp>
+    </p:spTree>
+    <p:extLst>
+      <p:ext uri="{BB962C8B-B14F-4D97-AF65-F5344CB8AC3E}">
+        <p14:creationId xmlns:p14="http://schemas.microsoft.com/office/powerpoint/2010/main" val="1095819368"/>
+      </p:ext>
+    </p:extLst>
+  </p:cSld>
+  <p:clrMapOvr>
+    <a:masterClrMapping/>
+  </p:clrMapOvr>
+</p:sld>
+</file>
+
+<file path=ppt/slides/slide84.xml><?xml version="1.0" encoding="utf-8"?>
+<p:sld xmlns:a="http://schemas.openxmlformats.org/drawingml/2006/main" xmlns:r="http://schemas.openxmlformats.org/officeDocument/2006/relationships" xmlns:p="http://schemas.openxmlformats.org/presentationml/2006/main">
+  <p:cSld>
+    <p:spTree>
+      <p:nvGrpSpPr>
+        <p:cNvPr id="1" name=""/>
+        <p:cNvGrpSpPr/>
+        <p:nvPr/>
+      </p:nvGrpSpPr>
+      <p:grpSpPr>
+        <a:xfrm>
+          <a:off x="0" y="0"/>
+          <a:ext cx="0" cy="0"/>
+          <a:chOff x="0" y="0"/>
+          <a:chExt cx="0" cy="0"/>
+        </a:xfrm>
+      </p:grpSpPr>
+      <p:sp>
+        <p:nvSpPr>
+          <p:cNvPr id="2" name="Title 1"/>
+          <p:cNvSpPr>
+            <a:spLocks noGrp="1"/>
+          </p:cNvSpPr>
+          <p:nvPr>
+            <p:ph type="title"/>
+          </p:nvPr>
+        </p:nvSpPr>
+        <p:spPr/>
+        <p:txBody>
+          <a:bodyPr/>
+          <a:lstStyle/>
+          <a:p>
+            <a:r>
+              <a:rPr lang="ru-RU" smtClean="0"/>
+              <a:t>Обсуждение</a:t>
+            </a:r>
+            <a:endParaRPr lang="en-US"/>
+          </a:p>
+        </p:txBody>
+      </p:sp>
+      <p:sp>
+        <p:nvSpPr>
+          <p:cNvPr id="3" name="Content Placeholder 2"/>
+          <p:cNvSpPr>
+            <a:spLocks noGrp="1"/>
+          </p:cNvSpPr>
+          <p:nvPr>
+            <p:ph idx="1"/>
+          </p:nvPr>
+        </p:nvSpPr>
+        <p:spPr/>
+        <p:txBody>
+          <a:bodyPr/>
+          <a:lstStyle/>
+          <a:p>
+            <a:r>
+              <a:rPr lang="ru-RU" smtClean="0"/>
+              <a:t>Это </a:t>
+            </a:r>
+            <a:r>
+              <a:rPr lang="en-US" smtClean="0"/>
+              <a:t>STL-</a:t>
+            </a:r>
+            <a:r>
+              <a:rPr lang="ru-RU" smtClean="0"/>
+              <a:t>подобные алгоритмы в максимально далёкой от </a:t>
+            </a:r>
+            <a:r>
+              <a:rPr lang="en-US" smtClean="0"/>
+              <a:t>STL </a:t>
+            </a:r>
+            <a:r>
+              <a:rPr lang="ru-RU" smtClean="0"/>
+              <a:t>предметной области. Тем не менее видно, как основные концепции упорядочивают и улучшают код</a:t>
+            </a:r>
+            <a:endParaRPr lang="en-US"/>
+          </a:p>
+        </p:txBody>
+      </p:sp>
+    </p:spTree>
+    <p:extLst>
+      <p:ext uri="{BB962C8B-B14F-4D97-AF65-F5344CB8AC3E}">
+        <p14:creationId xmlns:p14="http://schemas.microsoft.com/office/powerpoint/2010/main" val="3689464894"/>
       </p:ext>
     </p:extLst>
   </p:cSld>
@@ -29008,11 +33946,7 @@
           <a:p>
             <a:r>
               <a:rPr lang="ru-RU" smtClean="0"/>
-              <a:t>Решение: тут явное </a:t>
-            </a:r>
-            <a:r>
-              <a:rPr lang="en-US" smtClean="0"/>
-              <a:t>copy_n</a:t>
+              <a:t>Задача: увидеть паттерн в коде</a:t>
             </a:r>
             <a:endParaRPr lang="en-US"/>
           </a:p>
@@ -29035,31 +33969,7 @@
           <a:p>
             <a:r>
               <a:rPr lang="ru-RU" smtClean="0"/>
-              <a:t>Код выводит первые </a:t>
-            </a:r>
-            <a:r>
-              <a:rPr lang="en-US" smtClean="0"/>
-              <a:t>N </a:t>
-            </a:r>
-            <a:r>
-              <a:rPr lang="ru-RU" smtClean="0"/>
-              <a:t>(по порядку) элементов из контейнера </a:t>
-            </a:r>
-            <a:r>
-              <a:rPr lang="en-US" smtClean="0"/>
-              <a:t>cont </a:t>
-            </a:r>
-            <a:r>
-              <a:rPr lang="ru-RU" smtClean="0"/>
-              <a:t>в поток </a:t>
-            </a:r>
-            <a:r>
-              <a:rPr lang="en-US" smtClean="0"/>
-              <a:t>cout</a:t>
-            </a:r>
-            <a:r>
-              <a:rPr lang="ru-RU" smtClean="0"/>
-              <a:t>, разделенными через перенос строки</a:t>
+              <a:t>Существующий код что-то делает в явном цикле. Нужно увидеть паттерн и заменить на вызов алгоритма</a:t>
             </a:r>
             <a:endParaRPr lang="en-US" smtClean="0"/>
           </a:p>
@@ -29071,7 +33981,7 @@
               <a:rPr lang="en-US" smtClean="0">
                 <a:latin typeface="Consolas" panose="020B0609020204030204" pitchFamily="49" charset="0"/>
               </a:rPr>
-              <a:t>using tp_ = decltype(cont)::value_type;</a:t>
+              <a:t>assert (cont.size() &gt;= N);</a:t>
             </a:r>
           </a:p>
           <a:p>
@@ -29079,18 +33989,18 @@
               <a:buNone/>
             </a:pPr>
             <a:r>
+              <a:rPr lang="en-US" smtClean="0">
+                <a:latin typeface="Consolas" panose="020B0609020204030204" pitchFamily="49" charset="0"/>
+              </a:rPr>
+              <a:t>auto </a:t>
+            </a:r>
+            <a:r>
               <a:rPr lang="en-US">
                 <a:latin typeface="Consolas" panose="020B0609020204030204" pitchFamily="49" charset="0"/>
               </a:rPr>
-              <a:t>assert (cont.size() &gt;= </a:t>
-            </a:r>
-            <a:r>
-              <a:rPr lang="en-US" smtClean="0">
-                <a:latin typeface="Consolas" panose="020B0609020204030204" pitchFamily="49" charset="0"/>
-              </a:rPr>
-              <a:t>N);</a:t>
-            </a:r>
-            <a:endParaRPr lang="en-US">
+              <a:t>it = cont.begin(); </a:t>
+            </a:r>
+            <a:endParaRPr lang="en-US" smtClean="0">
               <a:latin typeface="Consolas" panose="020B0609020204030204" pitchFamily="49" charset="0"/>
             </a:endParaRPr>
           </a:p>
@@ -29102,34 +34012,60 @@
               <a:rPr lang="en-US" smtClean="0">
                 <a:latin typeface="Consolas" panose="020B0609020204030204" pitchFamily="49" charset="0"/>
               </a:rPr>
-              <a:t>copy_n (cont.begin(), N, ostream_iterator&lt;tp_&gt;(cout, "\n"</a:t>
+              <a:t>for </a:t>
             </a:r>
             <a:r>
               <a:rPr lang="ru-RU" smtClean="0">
                 <a:latin typeface="Consolas" panose="020B0609020204030204" pitchFamily="49" charset="0"/>
               </a:rPr>
-              <a:t>))</a:t>
-            </a:r>
-            <a:r>
-              <a:rPr lang="en-US" smtClean="0">
-                <a:latin typeface="Consolas" panose="020B0609020204030204" pitchFamily="49" charset="0"/>
-              </a:rPr>
-              <a:t>;</a:t>
-            </a:r>
-            <a:endParaRPr lang="en-US" smtClean="0"/>
+              <a:t>(</a:t>
+            </a:r>
+            <a:r>
+              <a:rPr lang="en-US" smtClean="0">
+                <a:latin typeface="Consolas" panose="020B0609020204030204" pitchFamily="49" charset="0"/>
+              </a:rPr>
+              <a:t>size_t idx = 0, idx != N; ++idx, ++it</a:t>
+            </a:r>
+            <a:r>
+              <a:rPr lang="ru-RU" smtClean="0">
+                <a:latin typeface="Consolas" panose="020B0609020204030204" pitchFamily="49" charset="0"/>
+              </a:rPr>
+              <a:t>)</a:t>
+            </a:r>
+            <a:br>
+              <a:rPr lang="ru-RU" smtClean="0">
+                <a:latin typeface="Consolas" panose="020B0609020204030204" pitchFamily="49" charset="0"/>
+              </a:rPr>
+            </a:br>
+            <a:r>
+              <a:rPr lang="en-US" smtClean="0">
+                <a:latin typeface="Consolas" panose="020B0609020204030204" pitchFamily="49" charset="0"/>
+              </a:rPr>
+              <a:t> cout &lt;&lt; *it &lt;&lt; endl;</a:t>
+            </a:r>
+            <a:endParaRPr lang="ru-RU" smtClean="0">
+              <a:latin typeface="Consolas" panose="020B0609020204030204" pitchFamily="49" charset="0"/>
+            </a:endParaRPr>
           </a:p>
         </p:txBody>
       </p:sp>
     </p:spTree>
     <p:extLst>
       <p:ext uri="{BB962C8B-B14F-4D97-AF65-F5344CB8AC3E}">
-        <p14:creationId xmlns:p14="http://schemas.microsoft.com/office/powerpoint/2010/main" val="3271340481"/>
+        <p14:creationId xmlns:p14="http://schemas.microsoft.com/office/powerpoint/2010/main" val="2096323656"/>
       </p:ext>
     </p:extLst>
   </p:cSld>
   <p:clrMapOvr>
     <a:masterClrMapping/>
   </p:clrMapOvr>
+  <p:timing>
+    <p:tnLst>
+      <p:par>
+        <p:cTn id="1" dur="indefinite" restart="never" nodeType="tmRoot"/>
+      </p:par>
+    </p:tnLst>
+  </p:timing>
 </p:sld>
 </file>
 

--- a/slides/sep2017/16-algorithms.pptx
+++ b/slides/sep2017/16-algorithms.pptx
@@ -392,7 +392,7 @@
             <a:fld id="{96DFF08F-DC6B-4601-B491-B0F83F6DD2DA}" type="datetimeFigureOut">
               <a:rPr lang="en-US" dirty="0"/>
               <a:pPr/>
-              <a:t>4/25/2018</a:t>
+              <a:t>9/3/2018</a:t>
             </a:fld>
             <a:endParaRPr lang="en-US" dirty="0"/>
           </a:p>
@@ -609,7 +609,7 @@
           <a:p>
             <a:fld id="{96DFF08F-DC6B-4601-B491-B0F83F6DD2DA}" type="datetimeFigureOut">
               <a:rPr lang="en-US" dirty="0"/>
-              <a:t>4/25/2018</a:t>
+              <a:t>9/3/2018</a:t>
             </a:fld>
             <a:endParaRPr lang="en-US" dirty="0"/>
           </a:p>
@@ -784,7 +784,7 @@
           <a:p>
             <a:fld id="{96DFF08F-DC6B-4601-B491-B0F83F6DD2DA}" type="datetimeFigureOut">
               <a:rPr lang="en-US" dirty="0"/>
-              <a:t>4/25/2018</a:t>
+              <a:t>9/3/2018</a:t>
             </a:fld>
             <a:endParaRPr lang="en-US" dirty="0"/>
           </a:p>
@@ -949,7 +949,7 @@
           <a:p>
             <a:fld id="{96DFF08F-DC6B-4601-B491-B0F83F6DD2DA}" type="datetimeFigureOut">
               <a:rPr lang="en-US" dirty="0"/>
-              <a:t>4/25/2018</a:t>
+              <a:t>9/3/2018</a:t>
             </a:fld>
             <a:endParaRPr lang="en-US" dirty="0"/>
           </a:p>
@@ -1195,7 +1195,7 @@
           <a:p>
             <a:fld id="{96DFF08F-DC6B-4601-B491-B0F83F6DD2DA}" type="datetimeFigureOut">
               <a:rPr lang="en-US" dirty="0"/>
-              <a:t>4/25/2018</a:t>
+              <a:t>9/3/2018</a:t>
             </a:fld>
             <a:endParaRPr lang="en-US" dirty="0"/>
           </a:p>
@@ -1513,7 +1513,7 @@
           <a:p>
             <a:fld id="{96DFF08F-DC6B-4601-B491-B0F83F6DD2DA}" type="datetimeFigureOut">
               <a:rPr lang="en-US" dirty="0"/>
-              <a:t>4/25/2018</a:t>
+              <a:t>9/3/2018</a:t>
             </a:fld>
             <a:endParaRPr lang="en-US" dirty="0"/>
           </a:p>
@@ -1932,7 +1932,7 @@
           <a:p>
             <a:fld id="{96DFF08F-DC6B-4601-B491-B0F83F6DD2DA}" type="datetimeFigureOut">
               <a:rPr lang="en-US" dirty="0"/>
-              <a:t>4/25/2018</a:t>
+              <a:t>9/3/2018</a:t>
             </a:fld>
             <a:endParaRPr lang="en-US" dirty="0"/>
           </a:p>
@@ -2045,7 +2045,7 @@
           <a:p>
             <a:fld id="{96DFF08F-DC6B-4601-B491-B0F83F6DD2DA}" type="datetimeFigureOut">
               <a:rPr lang="en-US" dirty="0"/>
-              <a:t>4/25/2018</a:t>
+              <a:t>9/3/2018</a:t>
             </a:fld>
             <a:endParaRPr lang="en-US" dirty="0"/>
           </a:p>
@@ -2135,7 +2135,7 @@
           <a:p>
             <a:fld id="{96DFF08F-DC6B-4601-B491-B0F83F6DD2DA}" type="datetimeFigureOut">
               <a:rPr lang="en-US" dirty="0"/>
-              <a:t>4/25/2018</a:t>
+              <a:t>9/3/2018</a:t>
             </a:fld>
             <a:endParaRPr lang="en-US" dirty="0"/>
           </a:p>
@@ -2420,7 +2420,7 @@
           <a:p>
             <a:fld id="{96DFF08F-DC6B-4601-B491-B0F83F6DD2DA}" type="datetimeFigureOut">
               <a:rPr lang="en-US" dirty="0"/>
-              <a:t>4/25/2018</a:t>
+              <a:t>9/3/2018</a:t>
             </a:fld>
             <a:endParaRPr lang="en-US" dirty="0"/>
           </a:p>
@@ -2687,7 +2687,7 @@
           <a:p>
             <a:fld id="{96DFF08F-DC6B-4601-B491-B0F83F6DD2DA}" type="datetimeFigureOut">
               <a:rPr lang="en-US" dirty="0"/>
-              <a:t>4/25/2018</a:t>
+              <a:t>9/3/2018</a:t>
             </a:fld>
             <a:endParaRPr lang="en-US" dirty="0"/>
           </a:p>
@@ -2936,7 +2936,7 @@
             <a:fld id="{96DFF08F-DC6B-4601-B491-B0F83F6DD2DA}" type="datetimeFigureOut">
               <a:rPr lang="en-US" dirty="0"/>
               <a:pPr/>
-              <a:t>4/25/2018</a:t>
+              <a:t>9/3/2018</a:t>
             </a:fld>
             <a:endParaRPr lang="en-US" dirty="0"/>
           </a:p>
@@ -22118,13 +22118,7 @@
               <a:rPr lang="en-US" smtClean="0">
                 <a:latin typeface="Consolas" panose="020B0609020204030204" pitchFamily="49" charset="0"/>
               </a:rPr>
-              <a:t>       string </a:t>
-            </a:r>
-            <a:r>
-              <a:rPr lang="en-US" smtClean="0">
-                <a:latin typeface="Consolas" panose="020B0609020204030204" pitchFamily="49" charset="0"/>
-              </a:rPr>
-              <a:t>temp = de.path</a:t>
+              <a:t>       string temp = de.path</a:t>
             </a:r>
             <a:r>
               <a:rPr lang="en-US">
@@ -22598,13 +22592,7 @@
               <a:rPr lang="en-US" smtClean="0">
                 <a:latin typeface="Consolas" panose="020B0609020204030204" pitchFamily="49" charset="0"/>
               </a:rPr>
-              <a:t>       string </a:t>
-            </a:r>
-            <a:r>
-              <a:rPr lang="en-US" smtClean="0">
-                <a:latin typeface="Consolas" panose="020B0609020204030204" pitchFamily="49" charset="0"/>
-              </a:rPr>
-              <a:t>temp = de.path</a:t>
+              <a:t>       string temp = de.path</a:t>
             </a:r>
             <a:r>
               <a:rPr lang="en-US">
@@ -23552,19 +23540,7 @@
               <a:rPr lang="en-US" smtClean="0">
                 <a:latin typeface="Consolas" panose="020B0609020204030204" pitchFamily="49" charset="0"/>
               </a:rPr>
-              <a:t>if (binary_search (v.begin(), v.end(), 37</a:t>
-            </a:r>
-            <a:r>
-              <a:rPr lang="en-US" smtClean="0">
-                <a:latin typeface="Consolas" panose="020B0609020204030204" pitchFamily="49" charset="0"/>
-              </a:rPr>
-              <a:t>)) </a:t>
-            </a:r>
-            <a:r>
-              <a:rPr lang="en-US" smtClean="0">
-                <a:latin typeface="Consolas" panose="020B0609020204030204" pitchFamily="49" charset="0"/>
-              </a:rPr>
-              <a:t>{</a:t>
+              <a:t>if (binary_search (v.begin(), v.end(), 37)) {</a:t>
             </a:r>
           </a:p>
           <a:p>
